--- a/XOM.pptx
+++ b/XOM.pptx
@@ -1,41 +1,41 @@
 
 <file path=ppt/presentation.xml><?xml version="1.0" encoding="utf-8"?>
-<p:presentation xmlns:a="http://schemas.openxmlformats.org/drawingml/2006/main" xmlns:r="http://schemas.openxmlformats.org/officeDocument/2006/relationships" xmlns:mc="http://schemas.openxmlformats.org/markup-compatibility/2006" xmlns:mv="urn:schemas-microsoft-com:mac:vml" xmlns:p="http://schemas.openxmlformats.org/presentationml/2006/main" xmlns:c="http://schemas.openxmlformats.org/drawingml/2006/chart" xmlns:dgm="http://schemas.openxmlformats.org/drawingml/2006/diagram" xmlns:o="urn:schemas-microsoft-com:office:office" xmlns:v="urn:schemas-microsoft-com:vml" xmlns:pvml="urn:schemas-microsoft-com:office:powerpoint" xmlns:com="http://schemas.openxmlformats.org/drawingml/2006/compatibility" xmlns:p14="http://schemas.microsoft.com/office/powerpoint/2010/main" xmlns:p15="http://schemas.microsoft.com/office/powerpoint/2012/main" xmlns:ahyp="http://schemas.microsoft.com/office/drawing/2018/hyperlinkcolor" autoCompressPictures="0" embedTrueTypeFonts="1" strictFirstAndLastChars="0" saveSubsetFonts="1">
+<p:presentation xmlns:a="http://schemas.openxmlformats.org/drawingml/2006/main" xmlns:r="http://schemas.openxmlformats.org/officeDocument/2006/relationships" xmlns:p="http://schemas.openxmlformats.org/presentationml/2006/main" strictFirstAndLastChars="0" embedTrueTypeFonts="1" saveSubsetFonts="1" autoCompressPictures="0">
   <p:sldMasterIdLst>
-    <p:sldMasterId id="2147483659" r:id="rId4"/>
+    <p:sldMasterId id="2147483659" r:id="rId1"/>
   </p:sldMasterIdLst>
   <p:notesMasterIdLst>
-    <p:notesMasterId r:id="rId5"/>
+    <p:notesMasterId r:id="rId16"/>
   </p:notesMasterIdLst>
   <p:sldIdLst>
-    <p:sldId id="256" r:id="rId6"/>
-    <p:sldId id="257" r:id="rId7"/>
-    <p:sldId id="258" r:id="rId8"/>
-    <p:sldId id="259" r:id="rId9"/>
-    <p:sldId id="260" r:id="rId10"/>
-    <p:sldId id="261" r:id="rId11"/>
-    <p:sldId id="262" r:id="rId12"/>
-    <p:sldId id="263" r:id="rId13"/>
-    <p:sldId id="264" r:id="rId14"/>
-    <p:sldId id="265" r:id="rId15"/>
-    <p:sldId id="266" r:id="rId16"/>
-    <p:sldId id="267" r:id="rId17"/>
-    <p:sldId id="268" r:id="rId18"/>
-    <p:sldId id="269" r:id="rId19"/>
+    <p:sldId id="256" r:id="rId2"/>
+    <p:sldId id="257" r:id="rId3"/>
+    <p:sldId id="258" r:id="rId4"/>
+    <p:sldId id="259" r:id="rId5"/>
+    <p:sldId id="260" r:id="rId6"/>
+    <p:sldId id="261" r:id="rId7"/>
+    <p:sldId id="262" r:id="rId8"/>
+    <p:sldId id="263" r:id="rId9"/>
+    <p:sldId id="264" r:id="rId10"/>
+    <p:sldId id="265" r:id="rId11"/>
+    <p:sldId id="266" r:id="rId12"/>
+    <p:sldId id="267" r:id="rId13"/>
+    <p:sldId id="268" r:id="rId14"/>
+    <p:sldId id="269" r:id="rId15"/>
   </p:sldIdLst>
-  <p:sldSz cy="5143500" cx="9144000"/>
+  <p:sldSz cx="9144000" cy="5143500" type="screen16x9"/>
   <p:notesSz cx="6858000" cy="9144000"/>
   <p:embeddedFontLst>
     <p:embeddedFont>
-      <p:font typeface="Roboto"/>
-      <p:regular r:id="rId20"/>
-      <p:bold r:id="rId21"/>
-      <p:italic r:id="rId22"/>
-      <p:boldItalic r:id="rId23"/>
+      <p:font typeface="Roboto" panose="02000000000000000000" pitchFamily="2" charset="0"/>
+      <p:regular r:id="rId17"/>
+      <p:bold r:id="rId18"/>
+      <p:italic r:id="rId19"/>
+      <p:boldItalic r:id="rId20"/>
     </p:embeddedFont>
   </p:embeddedFontLst>
   <p:defaultTextStyle>
-    <a:defPPr lvl="0" marR="0" rtl="0" algn="l">
+    <a:defPPr marR="0" lvl="0" algn="l" rtl="0">
       <a:lnSpc>
         <a:spcPct val="100000"/>
       </a:lnSpc>
@@ -46,7 +46,7 @@
         <a:spcPts val="0"/>
       </a:spcAft>
     </a:defPPr>
-    <a:lvl1pPr lvl="0" marR="0" rtl="0" algn="l">
+    <a:lvl1pPr marR="0" lvl="0" algn="l" rtl="0">
       <a:lnSpc>
         <a:spcPct val="100000"/>
       </a:lnSpc>
@@ -60,7 +60,7 @@
         <a:srgbClr val="000000"/>
       </a:buClr>
       <a:buFont typeface="Arial"/>
-      <a:defRPr b="0" i="0" sz="1400" u="none" cap="none" strike="noStrike">
+      <a:defRPr sz="1400" b="0" i="0" u="none" strike="noStrike" cap="none">
         <a:solidFill>
           <a:srgbClr val="000000"/>
         </a:solidFill>
@@ -70,7 +70,7 @@
         <a:sym typeface="Arial"/>
       </a:defRPr>
     </a:lvl1pPr>
-    <a:lvl2pPr lvl="1" marR="0" rtl="0" algn="l">
+    <a:lvl2pPr marR="0" lvl="1" algn="l" rtl="0">
       <a:lnSpc>
         <a:spcPct val="100000"/>
       </a:lnSpc>
@@ -84,7 +84,7 @@
         <a:srgbClr val="000000"/>
       </a:buClr>
       <a:buFont typeface="Arial"/>
-      <a:defRPr b="0" i="0" sz="1400" u="none" cap="none" strike="noStrike">
+      <a:defRPr sz="1400" b="0" i="0" u="none" strike="noStrike" cap="none">
         <a:solidFill>
           <a:srgbClr val="000000"/>
         </a:solidFill>
@@ -94,7 +94,7 @@
         <a:sym typeface="Arial"/>
       </a:defRPr>
     </a:lvl2pPr>
-    <a:lvl3pPr lvl="2" marR="0" rtl="0" algn="l">
+    <a:lvl3pPr marR="0" lvl="2" algn="l" rtl="0">
       <a:lnSpc>
         <a:spcPct val="100000"/>
       </a:lnSpc>
@@ -108,7 +108,7 @@
         <a:srgbClr val="000000"/>
       </a:buClr>
       <a:buFont typeface="Arial"/>
-      <a:defRPr b="0" i="0" sz="1400" u="none" cap="none" strike="noStrike">
+      <a:defRPr sz="1400" b="0" i="0" u="none" strike="noStrike" cap="none">
         <a:solidFill>
           <a:srgbClr val="000000"/>
         </a:solidFill>
@@ -118,7 +118,7 @@
         <a:sym typeface="Arial"/>
       </a:defRPr>
     </a:lvl3pPr>
-    <a:lvl4pPr lvl="3" marR="0" rtl="0" algn="l">
+    <a:lvl4pPr marR="0" lvl="3" algn="l" rtl="0">
       <a:lnSpc>
         <a:spcPct val="100000"/>
       </a:lnSpc>
@@ -132,7 +132,7 @@
         <a:srgbClr val="000000"/>
       </a:buClr>
       <a:buFont typeface="Arial"/>
-      <a:defRPr b="0" i="0" sz="1400" u="none" cap="none" strike="noStrike">
+      <a:defRPr sz="1400" b="0" i="0" u="none" strike="noStrike" cap="none">
         <a:solidFill>
           <a:srgbClr val="000000"/>
         </a:solidFill>
@@ -142,7 +142,7 @@
         <a:sym typeface="Arial"/>
       </a:defRPr>
     </a:lvl4pPr>
-    <a:lvl5pPr lvl="4" marR="0" rtl="0" algn="l">
+    <a:lvl5pPr marR="0" lvl="4" algn="l" rtl="0">
       <a:lnSpc>
         <a:spcPct val="100000"/>
       </a:lnSpc>
@@ -156,7 +156,7 @@
         <a:srgbClr val="000000"/>
       </a:buClr>
       <a:buFont typeface="Arial"/>
-      <a:defRPr b="0" i="0" sz="1400" u="none" cap="none" strike="noStrike">
+      <a:defRPr sz="1400" b="0" i="0" u="none" strike="noStrike" cap="none">
         <a:solidFill>
           <a:srgbClr val="000000"/>
         </a:solidFill>
@@ -166,7 +166,7 @@
         <a:sym typeface="Arial"/>
       </a:defRPr>
     </a:lvl5pPr>
-    <a:lvl6pPr lvl="5" marR="0" rtl="0" algn="l">
+    <a:lvl6pPr marR="0" lvl="5" algn="l" rtl="0">
       <a:lnSpc>
         <a:spcPct val="100000"/>
       </a:lnSpc>
@@ -180,7 +180,7 @@
         <a:srgbClr val="000000"/>
       </a:buClr>
       <a:buFont typeface="Arial"/>
-      <a:defRPr b="0" i="0" sz="1400" u="none" cap="none" strike="noStrike">
+      <a:defRPr sz="1400" b="0" i="0" u="none" strike="noStrike" cap="none">
         <a:solidFill>
           <a:srgbClr val="000000"/>
         </a:solidFill>
@@ -190,7 +190,7 @@
         <a:sym typeface="Arial"/>
       </a:defRPr>
     </a:lvl6pPr>
-    <a:lvl7pPr lvl="6" marR="0" rtl="0" algn="l">
+    <a:lvl7pPr marR="0" lvl="6" algn="l" rtl="0">
       <a:lnSpc>
         <a:spcPct val="100000"/>
       </a:lnSpc>
@@ -204,7 +204,7 @@
         <a:srgbClr val="000000"/>
       </a:buClr>
       <a:buFont typeface="Arial"/>
-      <a:defRPr b="0" i="0" sz="1400" u="none" cap="none" strike="noStrike">
+      <a:defRPr sz="1400" b="0" i="0" u="none" strike="noStrike" cap="none">
         <a:solidFill>
           <a:srgbClr val="000000"/>
         </a:solidFill>
@@ -214,7 +214,7 @@
         <a:sym typeface="Arial"/>
       </a:defRPr>
     </a:lvl7pPr>
-    <a:lvl8pPr lvl="7" marR="0" rtl="0" algn="l">
+    <a:lvl8pPr marR="0" lvl="7" algn="l" rtl="0">
       <a:lnSpc>
         <a:spcPct val="100000"/>
       </a:lnSpc>
@@ -228,7 +228,7 @@
         <a:srgbClr val="000000"/>
       </a:buClr>
       <a:buFont typeface="Arial"/>
-      <a:defRPr b="0" i="0" sz="1400" u="none" cap="none" strike="noStrike">
+      <a:defRPr sz="1400" b="0" i="0" u="none" strike="noStrike" cap="none">
         <a:solidFill>
           <a:srgbClr val="000000"/>
         </a:solidFill>
@@ -238,7 +238,7 @@
         <a:sym typeface="Arial"/>
       </a:defRPr>
     </a:lvl8pPr>
-    <a:lvl9pPr lvl="8" marR="0" rtl="0" algn="l">
+    <a:lvl9pPr marR="0" lvl="8" algn="l" rtl="0">
       <a:lnSpc>
         <a:spcPct val="100000"/>
       </a:lnSpc>
@@ -252,7 +252,7 @@
         <a:srgbClr val="000000"/>
       </a:buClr>
       <a:buFont typeface="Arial"/>
-      <a:defRPr b="0" i="0" sz="1400" u="none" cap="none" strike="noStrike">
+      <a:defRPr sz="1400" b="0" i="0" u="none" strike="noStrike" cap="none">
         <a:solidFill>
           <a:srgbClr val="000000"/>
         </a:solidFill>
@@ -265,7 +265,7 @@
   </p:defaultTextStyle>
   <p:extLst>
     <p:ext uri="{EFAFB233-063F-42B5-8137-9DF3F51BA10A}">
-      <p15:sldGuideLst>
+      <p15:sldGuideLst xmlns:p15="http://schemas.microsoft.com/office/powerpoint/2012/main">
         <p15:guide id="1" orient="horz" pos="1620">
           <p15:clr>
             <a:srgbClr val="747775"/>
@@ -282,12 +282,69 @@
 </p:presentation>
 </file>
 
+<file path=ppt/changesInfos/changesInfo1.xml><?xml version="1.0" encoding="utf-8"?>
+<pc:chgInfo xmlns:a="http://schemas.openxmlformats.org/drawingml/2006/main" xmlns:r="http://schemas.openxmlformats.org/officeDocument/2006/relationships" xmlns:ac="http://schemas.microsoft.com/office/drawing/2013/main/command" xmlns:pc="http://schemas.microsoft.com/office/powerpoint/2013/main/command">
+  <pc:docChgLst>
+    <pc:chgData name="Nijat Hasanli" userId="da061f20547672e1" providerId="LiveId" clId="{F8FAE8D0-008C-4679-A30C-1952108ABFD0}"/>
+    <pc:docChg chg="modSld">
+      <pc:chgData name="Nijat Hasanli" userId="da061f20547672e1" providerId="LiveId" clId="{F8FAE8D0-008C-4679-A30C-1952108ABFD0}" dt="2024-05-27T15:01:39.751" v="18" actId="14100"/>
+      <pc:docMkLst>
+        <pc:docMk/>
+      </pc:docMkLst>
+      <pc:sldChg chg="modSp mod">
+        <pc:chgData name="Nijat Hasanli" userId="da061f20547672e1" providerId="LiveId" clId="{F8FAE8D0-008C-4679-A30C-1952108ABFD0}" dt="2024-05-27T15:01:10.516" v="14" actId="20577"/>
+        <pc:sldMkLst>
+          <pc:docMk/>
+          <pc:sldMk cId="0" sldId="256"/>
+        </pc:sldMkLst>
+        <pc:spChg chg="mod">
+          <ac:chgData name="Nijat Hasanli" userId="da061f20547672e1" providerId="LiveId" clId="{F8FAE8D0-008C-4679-A30C-1952108ABFD0}" dt="2024-05-27T15:01:10.516" v="14" actId="20577"/>
+          <ac:spMkLst>
+            <pc:docMk/>
+            <pc:sldMk cId="0" sldId="256"/>
+            <ac:spMk id="85" creationId="{00000000-0000-0000-0000-000000000000}"/>
+          </ac:spMkLst>
+        </pc:spChg>
+      </pc:sldChg>
+      <pc:sldChg chg="addSp modSp mod">
+        <pc:chgData name="Nijat Hasanli" userId="da061f20547672e1" providerId="LiveId" clId="{F8FAE8D0-008C-4679-A30C-1952108ABFD0}" dt="2024-05-27T15:01:39.751" v="18" actId="14100"/>
+        <pc:sldMkLst>
+          <pc:docMk/>
+          <pc:sldMk cId="0" sldId="268"/>
+        </pc:sldMkLst>
+        <pc:picChg chg="add mod">
+          <ac:chgData name="Nijat Hasanli" userId="da061f20547672e1" providerId="LiveId" clId="{F8FAE8D0-008C-4679-A30C-1952108ABFD0}" dt="2024-05-27T15:01:39.751" v="18" actId="14100"/>
+          <ac:picMkLst>
+            <pc:docMk/>
+            <pc:sldMk cId="0" sldId="268"/>
+            <ac:picMk id="3" creationId="{E4578829-6628-4465-A210-0EAC387B6C26}"/>
+          </ac:picMkLst>
+        </pc:picChg>
+        <pc:picChg chg="mod">
+          <ac:chgData name="Nijat Hasanli" userId="da061f20547672e1" providerId="LiveId" clId="{F8FAE8D0-008C-4679-A30C-1952108ABFD0}" dt="2024-05-27T15:01:17.018" v="15" actId="14100"/>
+          <ac:picMkLst>
+            <pc:docMk/>
+            <pc:sldMk cId="0" sldId="268"/>
+            <ac:picMk id="160" creationId="{00000000-0000-0000-0000-000000000000}"/>
+          </ac:picMkLst>
+        </pc:picChg>
+      </pc:sldChg>
+    </pc:docChg>
+  </pc:docChgLst>
+</pc:chgInfo>
+</file>
+
 <file path=ppt/notesMasters/notesMaster1.xml><?xml version="1.0" encoding="utf-8"?>
-<p:notesMaster xmlns:a="http://schemas.openxmlformats.org/drawingml/2006/main" xmlns:r="http://schemas.openxmlformats.org/officeDocument/2006/relationships" xmlns:mc="http://schemas.openxmlformats.org/markup-compatibility/2006" xmlns:mv="urn:schemas-microsoft-com:mac:vml" xmlns:p="http://schemas.openxmlformats.org/presentationml/2006/main" xmlns:c="http://schemas.openxmlformats.org/drawingml/2006/chart" xmlns:dgm="http://schemas.openxmlformats.org/drawingml/2006/diagram" xmlns:o="urn:schemas-microsoft-com:office:office" xmlns:v="urn:schemas-microsoft-com:vml" xmlns:pvml="urn:schemas-microsoft-com:office:powerpoint" xmlns:com="http://schemas.openxmlformats.org/drawingml/2006/compatibility" xmlns:p14="http://schemas.microsoft.com/office/powerpoint/2010/main" xmlns:p15="http://schemas.microsoft.com/office/powerpoint/2012/main" xmlns:ahyp="http://schemas.microsoft.com/office/drawing/2018/hyperlinkcolor">
+<p:notesMaster xmlns:a="http://schemas.openxmlformats.org/drawingml/2006/main" xmlns:r="http://schemas.openxmlformats.org/officeDocument/2006/relationships" xmlns:p="http://schemas.openxmlformats.org/presentationml/2006/main">
   <p:cSld>
+    <p:bg>
+      <p:bgRef idx="1001">
+        <a:schemeClr val="bg1"/>
+      </p:bgRef>
+    </p:bg>
     <p:spTree>
       <p:nvGrpSpPr>
-        <p:cNvPr id="2" name="Shape 2"/>
+        <p:cNvPr id="1" name="Shape 2"/>
         <p:cNvGrpSpPr/>
         <p:nvPr/>
       </p:nvGrpSpPr>
@@ -302,9 +359,11 @@
       <p:sp>
         <p:nvSpPr>
           <p:cNvPr id="3" name="Google Shape;3;n"/>
-          <p:cNvSpPr/>
+          <p:cNvSpPr>
+            <a:spLocks noGrp="1" noRot="1" noChangeAspect="1"/>
+          </p:cNvSpPr>
           <p:nvPr>
-            <p:ph idx="2" type="sldImg"/>
+            <p:ph type="sldImg" idx="2"/>
           </p:nvPr>
         </p:nvSpPr>
         <p:spPr>
@@ -313,9 +372,13 @@
             <a:ext cx="6096075" cy="3429000"/>
           </a:xfrm>
           <a:custGeom>
-            <a:rect b="b" l="l" r="r" t="t"/>
+            <a:avLst/>
+            <a:gdLst/>
+            <a:ahLst/>
+            <a:cxnLst/>
+            <a:rect l="l" t="t" r="r" b="b"/>
             <a:pathLst>
-              <a:path extrusionOk="0" h="120000" w="120000">
+              <a:path w="120000" h="120000" extrusionOk="0">
                 <a:moveTo>
                   <a:pt x="0" y="0"/>
                 </a:moveTo>
@@ -333,23 +396,25 @@
             </a:pathLst>
           </a:custGeom>
           <a:noFill/>
-          <a:ln cap="flat" cmpd="sng" w="9525">
+          <a:ln w="9525" cap="flat" cmpd="sng">
             <a:solidFill>
               <a:srgbClr val="000000"/>
             </a:solidFill>
             <a:prstDash val="solid"/>
             <a:round/>
-            <a:headEnd len="sm" w="sm" type="none"/>
-            <a:tailEnd len="sm" w="sm" type="none"/>
+            <a:headEnd type="none" w="sm" len="sm"/>
+            <a:tailEnd type="none" w="sm" len="sm"/>
           </a:ln>
         </p:spPr>
       </p:sp>
       <p:sp>
         <p:nvSpPr>
           <p:cNvPr id="4" name="Google Shape;4;n"/>
-          <p:cNvSpPr txBox="1"/>
+          <p:cNvSpPr txBox="1">
+            <a:spLocks noGrp="1"/>
+          </p:cNvSpPr>
           <p:nvPr>
-            <p:ph idx="1" type="body"/>
+            <p:ph type="body" idx="1"/>
           </p:nvPr>
         </p:nvSpPr>
         <p:spPr>
@@ -366,11 +431,11 @@
           </a:ln>
         </p:spPr>
         <p:txBody>
-          <a:bodyPr anchorCtr="0" anchor="t" bIns="91425" lIns="91425" spcFirstLastPara="1" rIns="91425" wrap="square" tIns="91425">
+          <a:bodyPr spcFirstLastPara="1" wrap="square" lIns="91425" tIns="91425" rIns="91425" bIns="91425" anchor="t" anchorCtr="0">
             <a:noAutofit/>
           </a:bodyPr>
           <a:lstStyle>
-            <a:lvl1pPr indent="-317500" lvl="0" marL="457200">
+            <a:lvl1pPr marL="457200" lvl="0" indent="-317500">
               <a:spcBef>
                 <a:spcPts val="0"/>
               </a:spcBef>
@@ -381,7 +446,7 @@
               <a:buChar char="●"/>
               <a:defRPr sz="1100"/>
             </a:lvl1pPr>
-            <a:lvl2pPr indent="-317500" lvl="1" marL="914400">
+            <a:lvl2pPr marL="914400" lvl="1" indent="-317500">
               <a:spcBef>
                 <a:spcPts val="0"/>
               </a:spcBef>
@@ -392,7 +457,7 @@
               <a:buChar char="○"/>
               <a:defRPr sz="1100"/>
             </a:lvl2pPr>
-            <a:lvl3pPr indent="-317500" lvl="2" marL="1371600">
+            <a:lvl3pPr marL="1371600" lvl="2" indent="-317500">
               <a:spcBef>
                 <a:spcPts val="0"/>
               </a:spcBef>
@@ -403,7 +468,7 @@
               <a:buChar char="■"/>
               <a:defRPr sz="1100"/>
             </a:lvl3pPr>
-            <a:lvl4pPr indent="-317500" lvl="3" marL="1828800">
+            <a:lvl4pPr marL="1828800" lvl="3" indent="-317500">
               <a:spcBef>
                 <a:spcPts val="0"/>
               </a:spcBef>
@@ -414,7 +479,7 @@
               <a:buChar char="●"/>
               <a:defRPr sz="1100"/>
             </a:lvl4pPr>
-            <a:lvl5pPr indent="-317500" lvl="4" marL="2286000">
+            <a:lvl5pPr marL="2286000" lvl="4" indent="-317500">
               <a:spcBef>
                 <a:spcPts val="0"/>
               </a:spcBef>
@@ -425,7 +490,7 @@
               <a:buChar char="○"/>
               <a:defRPr sz="1100"/>
             </a:lvl5pPr>
-            <a:lvl6pPr indent="-317500" lvl="5" marL="2743200">
+            <a:lvl6pPr marL="2743200" lvl="5" indent="-317500">
               <a:spcBef>
                 <a:spcPts val="0"/>
               </a:spcBef>
@@ -436,7 +501,7 @@
               <a:buChar char="■"/>
               <a:defRPr sz="1100"/>
             </a:lvl6pPr>
-            <a:lvl7pPr indent="-317500" lvl="6" marL="3200400">
+            <a:lvl7pPr marL="3200400" lvl="6" indent="-317500">
               <a:spcBef>
                 <a:spcPts val="0"/>
               </a:spcBef>
@@ -447,7 +512,7 @@
               <a:buChar char="●"/>
               <a:defRPr sz="1100"/>
             </a:lvl7pPr>
-            <a:lvl8pPr indent="-317500" lvl="7" marL="3657600">
+            <a:lvl8pPr marL="3657600" lvl="7" indent="-317500">
               <a:spcBef>
                 <a:spcPts val="0"/>
               </a:spcBef>
@@ -458,7 +523,7 @@
               <a:buChar char="○"/>
               <a:defRPr sz="1100"/>
             </a:lvl8pPr>
-            <a:lvl9pPr indent="-317500" lvl="8" marL="4114800">
+            <a:lvl9pPr marL="4114800" lvl="8" indent="-317500">
               <a:spcBef>
                 <a:spcPts val="0"/>
               </a:spcBef>
@@ -470,14 +535,16 @@
               <a:defRPr sz="1100"/>
             </a:lvl9pPr>
           </a:lstStyle>
-          <a:p/>
+          <a:p>
+            <a:endParaRPr/>
+          </a:p>
         </p:txBody>
       </p:sp>
     </p:spTree>
   </p:cSld>
-  <p:clrMap accent1="accent1" accent2="accent2" accent3="accent3" accent4="accent4" accent5="accent5" accent6="accent6" bg1="lt1" bg2="dk2" tx1="dk1" tx2="lt2" folHlink="folHlink" hlink="hlink"/>
+  <p:clrMap bg1="lt1" tx1="dk1" bg2="dk2" tx2="lt2" accent1="accent1" accent2="accent2" accent3="accent3" accent4="accent4" accent5="accent5" accent6="accent6" hlink="hlink" folHlink="folHlink"/>
   <p:notesStyle>
-    <a:defPPr lvl="0" marR="0" rtl="0" algn="l">
+    <a:defPPr marR="0" lvl="0" algn="l" rtl="0">
       <a:lnSpc>
         <a:spcPct val="100000"/>
       </a:lnSpc>
@@ -488,7 +555,7 @@
         <a:spcPts val="0"/>
       </a:spcAft>
     </a:defPPr>
-    <a:lvl1pPr lvl="0" marR="0" rtl="0" algn="l">
+    <a:lvl1pPr marR="0" lvl="0" algn="l" rtl="0">
       <a:lnSpc>
         <a:spcPct val="100000"/>
       </a:lnSpc>
@@ -502,7 +569,7 @@
         <a:srgbClr val="000000"/>
       </a:buClr>
       <a:buFont typeface="Arial"/>
-      <a:defRPr b="0" i="0" sz="1400" u="none" cap="none" strike="noStrike">
+      <a:defRPr sz="1400" b="0" i="0" u="none" strike="noStrike" cap="none">
         <a:solidFill>
           <a:srgbClr val="000000"/>
         </a:solidFill>
@@ -512,7 +579,7 @@
         <a:sym typeface="Arial"/>
       </a:defRPr>
     </a:lvl1pPr>
-    <a:lvl2pPr lvl="1" marR="0" rtl="0" algn="l">
+    <a:lvl2pPr marR="0" lvl="1" algn="l" rtl="0">
       <a:lnSpc>
         <a:spcPct val="100000"/>
       </a:lnSpc>
@@ -526,7 +593,7 @@
         <a:srgbClr val="000000"/>
       </a:buClr>
       <a:buFont typeface="Arial"/>
-      <a:defRPr b="0" i="0" sz="1400" u="none" cap="none" strike="noStrike">
+      <a:defRPr sz="1400" b="0" i="0" u="none" strike="noStrike" cap="none">
         <a:solidFill>
           <a:srgbClr val="000000"/>
         </a:solidFill>
@@ -536,7 +603,7 @@
         <a:sym typeface="Arial"/>
       </a:defRPr>
     </a:lvl2pPr>
-    <a:lvl3pPr lvl="2" marR="0" rtl="0" algn="l">
+    <a:lvl3pPr marR="0" lvl="2" algn="l" rtl="0">
       <a:lnSpc>
         <a:spcPct val="100000"/>
       </a:lnSpc>
@@ -550,7 +617,7 @@
         <a:srgbClr val="000000"/>
       </a:buClr>
       <a:buFont typeface="Arial"/>
-      <a:defRPr b="0" i="0" sz="1400" u="none" cap="none" strike="noStrike">
+      <a:defRPr sz="1400" b="0" i="0" u="none" strike="noStrike" cap="none">
         <a:solidFill>
           <a:srgbClr val="000000"/>
         </a:solidFill>
@@ -560,7 +627,7 @@
         <a:sym typeface="Arial"/>
       </a:defRPr>
     </a:lvl3pPr>
-    <a:lvl4pPr lvl="3" marR="0" rtl="0" algn="l">
+    <a:lvl4pPr marR="0" lvl="3" algn="l" rtl="0">
       <a:lnSpc>
         <a:spcPct val="100000"/>
       </a:lnSpc>
@@ -574,7 +641,7 @@
         <a:srgbClr val="000000"/>
       </a:buClr>
       <a:buFont typeface="Arial"/>
-      <a:defRPr b="0" i="0" sz="1400" u="none" cap="none" strike="noStrike">
+      <a:defRPr sz="1400" b="0" i="0" u="none" strike="noStrike" cap="none">
         <a:solidFill>
           <a:srgbClr val="000000"/>
         </a:solidFill>
@@ -584,7 +651,7 @@
         <a:sym typeface="Arial"/>
       </a:defRPr>
     </a:lvl4pPr>
-    <a:lvl5pPr lvl="4" marR="0" rtl="0" algn="l">
+    <a:lvl5pPr marR="0" lvl="4" algn="l" rtl="0">
       <a:lnSpc>
         <a:spcPct val="100000"/>
       </a:lnSpc>
@@ -598,7 +665,7 @@
         <a:srgbClr val="000000"/>
       </a:buClr>
       <a:buFont typeface="Arial"/>
-      <a:defRPr b="0" i="0" sz="1400" u="none" cap="none" strike="noStrike">
+      <a:defRPr sz="1400" b="0" i="0" u="none" strike="noStrike" cap="none">
         <a:solidFill>
           <a:srgbClr val="000000"/>
         </a:solidFill>
@@ -608,7 +675,7 @@
         <a:sym typeface="Arial"/>
       </a:defRPr>
     </a:lvl5pPr>
-    <a:lvl6pPr lvl="5" marR="0" rtl="0" algn="l">
+    <a:lvl6pPr marR="0" lvl="5" algn="l" rtl="0">
       <a:lnSpc>
         <a:spcPct val="100000"/>
       </a:lnSpc>
@@ -622,7 +689,7 @@
         <a:srgbClr val="000000"/>
       </a:buClr>
       <a:buFont typeface="Arial"/>
-      <a:defRPr b="0" i="0" sz="1400" u="none" cap="none" strike="noStrike">
+      <a:defRPr sz="1400" b="0" i="0" u="none" strike="noStrike" cap="none">
         <a:solidFill>
           <a:srgbClr val="000000"/>
         </a:solidFill>
@@ -632,7 +699,7 @@
         <a:sym typeface="Arial"/>
       </a:defRPr>
     </a:lvl6pPr>
-    <a:lvl7pPr lvl="6" marR="0" rtl="0" algn="l">
+    <a:lvl7pPr marR="0" lvl="6" algn="l" rtl="0">
       <a:lnSpc>
         <a:spcPct val="100000"/>
       </a:lnSpc>
@@ -646,7 +713,7 @@
         <a:srgbClr val="000000"/>
       </a:buClr>
       <a:buFont typeface="Arial"/>
-      <a:defRPr b="0" i="0" sz="1400" u="none" cap="none" strike="noStrike">
+      <a:defRPr sz="1400" b="0" i="0" u="none" strike="noStrike" cap="none">
         <a:solidFill>
           <a:srgbClr val="000000"/>
         </a:solidFill>
@@ -656,7 +723,7 @@
         <a:sym typeface="Arial"/>
       </a:defRPr>
     </a:lvl7pPr>
-    <a:lvl8pPr lvl="7" marR="0" rtl="0" algn="l">
+    <a:lvl8pPr marR="0" lvl="7" algn="l" rtl="0">
       <a:lnSpc>
         <a:spcPct val="100000"/>
       </a:lnSpc>
@@ -670,7 +737,7 @@
         <a:srgbClr val="000000"/>
       </a:buClr>
       <a:buFont typeface="Arial"/>
-      <a:defRPr b="0" i="0" sz="1400" u="none" cap="none" strike="noStrike">
+      <a:defRPr sz="1400" b="0" i="0" u="none" strike="noStrike" cap="none">
         <a:solidFill>
           <a:srgbClr val="000000"/>
         </a:solidFill>
@@ -680,7 +747,7 @@
         <a:sym typeface="Arial"/>
       </a:defRPr>
     </a:lvl8pPr>
-    <a:lvl9pPr lvl="8" marR="0" rtl="0" algn="l">
+    <a:lvl9pPr marR="0" lvl="8" algn="l" rtl="0">
       <a:lnSpc>
         <a:spcPct val="100000"/>
       </a:lnSpc>
@@ -694,7 +761,7 @@
         <a:srgbClr val="000000"/>
       </a:buClr>
       <a:buFont typeface="Arial"/>
-      <a:defRPr b="0" i="0" sz="1400" u="none" cap="none" strike="noStrike">
+      <a:defRPr sz="1400" b="0" i="0" u="none" strike="noStrike" cap="none">
         <a:solidFill>
           <a:srgbClr val="000000"/>
         </a:solidFill>
@@ -709,11 +776,11 @@
 </file>
 
 <file path=ppt/notesSlides/notesSlide1.xml><?xml version="1.0" encoding="utf-8"?>
-<p:notes xmlns:a="http://schemas.openxmlformats.org/drawingml/2006/main" xmlns:r="http://schemas.openxmlformats.org/officeDocument/2006/relationships" xmlns:mc="http://schemas.openxmlformats.org/markup-compatibility/2006" xmlns:mv="urn:schemas-microsoft-com:mac:vml" xmlns:p="http://schemas.openxmlformats.org/presentationml/2006/main" xmlns:c="http://schemas.openxmlformats.org/drawingml/2006/chart" xmlns:dgm="http://schemas.openxmlformats.org/drawingml/2006/diagram" xmlns:o="urn:schemas-microsoft-com:office:office" xmlns:v="urn:schemas-microsoft-com:vml" xmlns:pvml="urn:schemas-microsoft-com:office:powerpoint" xmlns:com="http://schemas.openxmlformats.org/drawingml/2006/compatibility" xmlns:p14="http://schemas.microsoft.com/office/powerpoint/2010/main" xmlns:p15="http://schemas.microsoft.com/office/powerpoint/2012/main" xmlns:ahyp="http://schemas.microsoft.com/office/drawing/2018/hyperlinkcolor" showMasterPhAnim="0" showMasterSp="0">
+<p:notes xmlns:a="http://schemas.openxmlformats.org/drawingml/2006/main" xmlns:r="http://schemas.openxmlformats.org/officeDocument/2006/relationships" xmlns:p="http://schemas.openxmlformats.org/presentationml/2006/main" showMasterSp="0" showMasterPhAnim="0">
   <p:cSld>
     <p:spTree>
       <p:nvGrpSpPr>
-        <p:cNvPr id="81" name="Shape 81"/>
+        <p:cNvPr id="1" name="Shape 81"/>
         <p:cNvGrpSpPr/>
         <p:nvPr/>
       </p:nvGrpSpPr>
@@ -728,20 +795,26 @@
       <p:sp>
         <p:nvSpPr>
           <p:cNvPr id="82" name="Google Shape;82;gc6f9e470d_0_0:notes"/>
-          <p:cNvSpPr/>
+          <p:cNvSpPr>
+            <a:spLocks noGrp="1" noRot="1" noChangeAspect="1"/>
+          </p:cNvSpPr>
           <p:nvPr>
-            <p:ph idx="2" type="sldImg"/>
+            <p:ph type="sldImg" idx="2"/>
           </p:nvPr>
         </p:nvSpPr>
         <p:spPr>
           <a:xfrm>
-            <a:off x="381188" y="685800"/>
-            <a:ext cx="6096300" cy="3429000"/>
+            <a:off x="381000" y="685800"/>
+            <a:ext cx="6096000" cy="3429000"/>
           </a:xfrm>
           <a:custGeom>
-            <a:rect b="b" l="l" r="r" t="t"/>
+            <a:avLst/>
+            <a:gdLst/>
+            <a:ahLst/>
+            <a:cxnLst/>
+            <a:rect l="l" t="t" r="r" b="b"/>
             <a:pathLst>
-              <a:path extrusionOk="0" h="120000" w="120000">
+              <a:path w="120000" h="120000" extrusionOk="0">
                 <a:moveTo>
                   <a:pt x="0" y="0"/>
                 </a:moveTo>
@@ -763,9 +836,11 @@
       <p:sp>
         <p:nvSpPr>
           <p:cNvPr id="83" name="Google Shape;83;gc6f9e470d_0_0:notes"/>
-          <p:cNvSpPr txBox="1"/>
+          <p:cNvSpPr txBox="1">
+            <a:spLocks noGrp="1"/>
+          </p:cNvSpPr>
           <p:nvPr>
-            <p:ph idx="1" type="body"/>
+            <p:ph type="body" idx="1"/>
           </p:nvPr>
         </p:nvSpPr>
         <p:spPr>
@@ -778,12 +853,12 @@
           </a:prstGeom>
         </p:spPr>
         <p:txBody>
-          <a:bodyPr anchorCtr="0" anchor="t" bIns="91425" lIns="91425" spcFirstLastPara="1" rIns="91425" wrap="square" tIns="91425">
+          <a:bodyPr spcFirstLastPara="1" wrap="square" lIns="91425" tIns="91425" rIns="91425" bIns="91425" anchor="t" anchorCtr="0">
             <a:noAutofit/>
           </a:bodyPr>
           <a:lstStyle/>
           <a:p>
-            <a:pPr indent="0" lvl="0" marL="0" rtl="0" algn="l">
+            <a:pPr marL="0" lvl="0" indent="0" algn="l" rtl="0">
               <a:spcBef>
                 <a:spcPts val="0"/>
               </a:spcBef>
@@ -792,9 +867,6 @@
               </a:spcAft>
               <a:buNone/>
             </a:pPr>
-            <a:r>
-              <a:t/>
-            </a:r>
             <a:endParaRPr/>
           </a:p>
         </p:txBody>
@@ -808,11 +880,11 @@
 </file>
 
 <file path=ppt/notesSlides/notesSlide10.xml><?xml version="1.0" encoding="utf-8"?>
-<p:notes xmlns:a="http://schemas.openxmlformats.org/drawingml/2006/main" xmlns:r="http://schemas.openxmlformats.org/officeDocument/2006/relationships" xmlns:mc="http://schemas.openxmlformats.org/markup-compatibility/2006" xmlns:mv="urn:schemas-microsoft-com:mac:vml" xmlns:p="http://schemas.openxmlformats.org/presentationml/2006/main" xmlns:c="http://schemas.openxmlformats.org/drawingml/2006/chart" xmlns:dgm="http://schemas.openxmlformats.org/drawingml/2006/diagram" xmlns:o="urn:schemas-microsoft-com:office:office" xmlns:v="urn:schemas-microsoft-com:vml" xmlns:pvml="urn:schemas-microsoft-com:office:powerpoint" xmlns:com="http://schemas.openxmlformats.org/drawingml/2006/compatibility" xmlns:p14="http://schemas.microsoft.com/office/powerpoint/2010/main" xmlns:p15="http://schemas.microsoft.com/office/powerpoint/2012/main" xmlns:ahyp="http://schemas.microsoft.com/office/drawing/2018/hyperlinkcolor" showMasterPhAnim="0" showMasterSp="0">
+<p:notes xmlns:a="http://schemas.openxmlformats.org/drawingml/2006/main" xmlns:r="http://schemas.openxmlformats.org/officeDocument/2006/relationships" xmlns:p="http://schemas.openxmlformats.org/presentationml/2006/main" showMasterSp="0" showMasterPhAnim="0">
   <p:cSld>
     <p:spTree>
       <p:nvGrpSpPr>
-        <p:cNvPr id="138" name="Shape 138"/>
+        <p:cNvPr id="1" name="Shape 138"/>
         <p:cNvGrpSpPr/>
         <p:nvPr/>
       </p:nvGrpSpPr>
@@ -827,9 +899,11 @@
       <p:sp>
         <p:nvSpPr>
           <p:cNvPr id="139" name="Google Shape;139;g20dc3e7c409_0_103:notes"/>
-          <p:cNvSpPr/>
+          <p:cNvSpPr>
+            <a:spLocks noGrp="1" noRot="1" noChangeAspect="1"/>
+          </p:cNvSpPr>
           <p:nvPr>
-            <p:ph idx="2" type="sldImg"/>
+            <p:ph type="sldImg" idx="2"/>
           </p:nvPr>
         </p:nvSpPr>
         <p:spPr>
@@ -838,9 +912,13 @@
             <a:ext cx="6096300" cy="3429000"/>
           </a:xfrm>
           <a:custGeom>
-            <a:rect b="b" l="l" r="r" t="t"/>
+            <a:avLst/>
+            <a:gdLst/>
+            <a:ahLst/>
+            <a:cxnLst/>
+            <a:rect l="l" t="t" r="r" b="b"/>
             <a:pathLst>
-              <a:path extrusionOk="0" h="120000" w="120000">
+              <a:path w="120000" h="120000" extrusionOk="0">
                 <a:moveTo>
                   <a:pt x="0" y="0"/>
                 </a:moveTo>
@@ -862,9 +940,11 @@
       <p:sp>
         <p:nvSpPr>
           <p:cNvPr id="140" name="Google Shape;140;g20dc3e7c409_0_103:notes"/>
-          <p:cNvSpPr txBox="1"/>
+          <p:cNvSpPr txBox="1">
+            <a:spLocks noGrp="1"/>
+          </p:cNvSpPr>
           <p:nvPr>
-            <p:ph idx="1" type="body"/>
+            <p:ph type="body" idx="1"/>
           </p:nvPr>
         </p:nvSpPr>
         <p:spPr>
@@ -877,12 +957,12 @@
           </a:prstGeom>
         </p:spPr>
         <p:txBody>
-          <a:bodyPr anchorCtr="0" anchor="t" bIns="91425" lIns="91425" spcFirstLastPara="1" rIns="91425" wrap="square" tIns="91425">
+          <a:bodyPr spcFirstLastPara="1" wrap="square" lIns="91425" tIns="91425" rIns="91425" bIns="91425" anchor="t" anchorCtr="0">
             <a:noAutofit/>
           </a:bodyPr>
           <a:lstStyle/>
           <a:p>
-            <a:pPr indent="0" lvl="0" marL="0" rtl="0" algn="l">
+            <a:pPr marL="0" lvl="0" indent="0" algn="l" rtl="0">
               <a:spcBef>
                 <a:spcPts val="0"/>
               </a:spcBef>
@@ -891,9 +971,6 @@
               </a:spcAft>
               <a:buNone/>
             </a:pPr>
-            <a:r>
-              <a:t/>
-            </a:r>
             <a:endParaRPr/>
           </a:p>
         </p:txBody>
@@ -907,11 +984,11 @@
 </file>
 
 <file path=ppt/notesSlides/notesSlide11.xml><?xml version="1.0" encoding="utf-8"?>
-<p:notes xmlns:a="http://schemas.openxmlformats.org/drawingml/2006/main" xmlns:r="http://schemas.openxmlformats.org/officeDocument/2006/relationships" xmlns:mc="http://schemas.openxmlformats.org/markup-compatibility/2006" xmlns:mv="urn:schemas-microsoft-com:mac:vml" xmlns:p="http://schemas.openxmlformats.org/presentationml/2006/main" xmlns:c="http://schemas.openxmlformats.org/drawingml/2006/chart" xmlns:dgm="http://schemas.openxmlformats.org/drawingml/2006/diagram" xmlns:o="urn:schemas-microsoft-com:office:office" xmlns:v="urn:schemas-microsoft-com:vml" xmlns:pvml="urn:schemas-microsoft-com:office:powerpoint" xmlns:com="http://schemas.openxmlformats.org/drawingml/2006/compatibility" xmlns:p14="http://schemas.microsoft.com/office/powerpoint/2010/main" xmlns:p15="http://schemas.microsoft.com/office/powerpoint/2012/main" xmlns:ahyp="http://schemas.microsoft.com/office/drawing/2018/hyperlinkcolor" showMasterPhAnim="0" showMasterSp="0">
+<p:notes xmlns:a="http://schemas.openxmlformats.org/drawingml/2006/main" xmlns:r="http://schemas.openxmlformats.org/officeDocument/2006/relationships" xmlns:p="http://schemas.openxmlformats.org/presentationml/2006/main" showMasterSp="0" showMasterPhAnim="0">
   <p:cSld>
     <p:spTree>
       <p:nvGrpSpPr>
-        <p:cNvPr id="144" name="Shape 144"/>
+        <p:cNvPr id="1" name="Shape 144"/>
         <p:cNvGrpSpPr/>
         <p:nvPr/>
       </p:nvGrpSpPr>
@@ -926,9 +1003,11 @@
       <p:sp>
         <p:nvSpPr>
           <p:cNvPr id="145" name="Google Shape;145;g20dc3e7c409_0_110:notes"/>
-          <p:cNvSpPr/>
+          <p:cNvSpPr>
+            <a:spLocks noGrp="1" noRot="1" noChangeAspect="1"/>
+          </p:cNvSpPr>
           <p:nvPr>
-            <p:ph idx="2" type="sldImg"/>
+            <p:ph type="sldImg" idx="2"/>
           </p:nvPr>
         </p:nvSpPr>
         <p:spPr>
@@ -937,9 +1016,13 @@
             <a:ext cx="6096300" cy="3429000"/>
           </a:xfrm>
           <a:custGeom>
-            <a:rect b="b" l="l" r="r" t="t"/>
+            <a:avLst/>
+            <a:gdLst/>
+            <a:ahLst/>
+            <a:cxnLst/>
+            <a:rect l="l" t="t" r="r" b="b"/>
             <a:pathLst>
-              <a:path extrusionOk="0" h="120000" w="120000">
+              <a:path w="120000" h="120000" extrusionOk="0">
                 <a:moveTo>
                   <a:pt x="0" y="0"/>
                 </a:moveTo>
@@ -961,9 +1044,11 @@
       <p:sp>
         <p:nvSpPr>
           <p:cNvPr id="146" name="Google Shape;146;g20dc3e7c409_0_110:notes"/>
-          <p:cNvSpPr txBox="1"/>
+          <p:cNvSpPr txBox="1">
+            <a:spLocks noGrp="1"/>
+          </p:cNvSpPr>
           <p:nvPr>
-            <p:ph idx="1" type="body"/>
+            <p:ph type="body" idx="1"/>
           </p:nvPr>
         </p:nvSpPr>
         <p:spPr>
@@ -976,12 +1061,12 @@
           </a:prstGeom>
         </p:spPr>
         <p:txBody>
-          <a:bodyPr anchorCtr="0" anchor="t" bIns="91425" lIns="91425" spcFirstLastPara="1" rIns="91425" wrap="square" tIns="91425">
+          <a:bodyPr spcFirstLastPara="1" wrap="square" lIns="91425" tIns="91425" rIns="91425" bIns="91425" anchor="t" anchorCtr="0">
             <a:noAutofit/>
           </a:bodyPr>
           <a:lstStyle/>
           <a:p>
-            <a:pPr indent="0" lvl="0" marL="0" rtl="0" algn="l">
+            <a:pPr marL="0" lvl="0" indent="0" algn="l" rtl="0">
               <a:spcBef>
                 <a:spcPts val="0"/>
               </a:spcBef>
@@ -990,9 +1075,6 @@
               </a:spcAft>
               <a:buNone/>
             </a:pPr>
-            <a:r>
-              <a:t/>
-            </a:r>
             <a:endParaRPr/>
           </a:p>
         </p:txBody>
@@ -1006,11 +1088,11 @@
 </file>
 
 <file path=ppt/notesSlides/notesSlide12.xml><?xml version="1.0" encoding="utf-8"?>
-<p:notes xmlns:a="http://schemas.openxmlformats.org/drawingml/2006/main" xmlns:r="http://schemas.openxmlformats.org/officeDocument/2006/relationships" xmlns:mc="http://schemas.openxmlformats.org/markup-compatibility/2006" xmlns:mv="urn:schemas-microsoft-com:mac:vml" xmlns:p="http://schemas.openxmlformats.org/presentationml/2006/main" xmlns:c="http://schemas.openxmlformats.org/drawingml/2006/chart" xmlns:dgm="http://schemas.openxmlformats.org/drawingml/2006/diagram" xmlns:o="urn:schemas-microsoft-com:office:office" xmlns:v="urn:schemas-microsoft-com:vml" xmlns:pvml="urn:schemas-microsoft-com:office:powerpoint" xmlns:com="http://schemas.openxmlformats.org/drawingml/2006/compatibility" xmlns:p14="http://schemas.microsoft.com/office/powerpoint/2010/main" xmlns:p15="http://schemas.microsoft.com/office/powerpoint/2012/main" xmlns:ahyp="http://schemas.microsoft.com/office/drawing/2018/hyperlinkcolor" showMasterPhAnim="0" showMasterSp="0">
+<p:notes xmlns:a="http://schemas.openxmlformats.org/drawingml/2006/main" xmlns:r="http://schemas.openxmlformats.org/officeDocument/2006/relationships" xmlns:p="http://schemas.openxmlformats.org/presentationml/2006/main" showMasterSp="0" showMasterPhAnim="0">
   <p:cSld>
     <p:spTree>
       <p:nvGrpSpPr>
-        <p:cNvPr id="150" name="Shape 150"/>
+        <p:cNvPr id="1" name="Shape 150"/>
         <p:cNvGrpSpPr/>
         <p:nvPr/>
       </p:nvGrpSpPr>
@@ -1025,9 +1107,11 @@
       <p:sp>
         <p:nvSpPr>
           <p:cNvPr id="151" name="Google Shape;151;g20dc3e7c409_0_118:notes"/>
-          <p:cNvSpPr/>
+          <p:cNvSpPr>
+            <a:spLocks noGrp="1" noRot="1" noChangeAspect="1"/>
+          </p:cNvSpPr>
           <p:nvPr>
-            <p:ph idx="2" type="sldImg"/>
+            <p:ph type="sldImg" idx="2"/>
           </p:nvPr>
         </p:nvSpPr>
         <p:spPr>
@@ -1036,9 +1120,13 @@
             <a:ext cx="6096300" cy="3429000"/>
           </a:xfrm>
           <a:custGeom>
-            <a:rect b="b" l="l" r="r" t="t"/>
+            <a:avLst/>
+            <a:gdLst/>
+            <a:ahLst/>
+            <a:cxnLst/>
+            <a:rect l="l" t="t" r="r" b="b"/>
             <a:pathLst>
-              <a:path extrusionOk="0" h="120000" w="120000">
+              <a:path w="120000" h="120000" extrusionOk="0">
                 <a:moveTo>
                   <a:pt x="0" y="0"/>
                 </a:moveTo>
@@ -1060,9 +1148,11 @@
       <p:sp>
         <p:nvSpPr>
           <p:cNvPr id="152" name="Google Shape;152;g20dc3e7c409_0_118:notes"/>
-          <p:cNvSpPr txBox="1"/>
+          <p:cNvSpPr txBox="1">
+            <a:spLocks noGrp="1"/>
+          </p:cNvSpPr>
           <p:nvPr>
-            <p:ph idx="1" type="body"/>
+            <p:ph type="body" idx="1"/>
           </p:nvPr>
         </p:nvSpPr>
         <p:spPr>
@@ -1075,12 +1165,12 @@
           </a:prstGeom>
         </p:spPr>
         <p:txBody>
-          <a:bodyPr anchorCtr="0" anchor="t" bIns="91425" lIns="91425" spcFirstLastPara="1" rIns="91425" wrap="square" tIns="91425">
+          <a:bodyPr spcFirstLastPara="1" wrap="square" lIns="91425" tIns="91425" rIns="91425" bIns="91425" anchor="t" anchorCtr="0">
             <a:noAutofit/>
           </a:bodyPr>
           <a:lstStyle/>
           <a:p>
-            <a:pPr indent="0" lvl="0" marL="0" rtl="0" algn="l">
+            <a:pPr marL="0" lvl="0" indent="0" algn="l" rtl="0">
               <a:spcBef>
                 <a:spcPts val="0"/>
               </a:spcBef>
@@ -1089,9 +1179,6 @@
               </a:spcAft>
               <a:buNone/>
             </a:pPr>
-            <a:r>
-              <a:t/>
-            </a:r>
             <a:endParaRPr/>
           </a:p>
         </p:txBody>
@@ -1105,11 +1192,11 @@
 </file>
 
 <file path=ppt/notesSlides/notesSlide13.xml><?xml version="1.0" encoding="utf-8"?>
-<p:notes xmlns:a="http://schemas.openxmlformats.org/drawingml/2006/main" xmlns:r="http://schemas.openxmlformats.org/officeDocument/2006/relationships" xmlns:mc="http://schemas.openxmlformats.org/markup-compatibility/2006" xmlns:mv="urn:schemas-microsoft-com:mac:vml" xmlns:p="http://schemas.openxmlformats.org/presentationml/2006/main" xmlns:c="http://schemas.openxmlformats.org/drawingml/2006/chart" xmlns:dgm="http://schemas.openxmlformats.org/drawingml/2006/diagram" xmlns:o="urn:schemas-microsoft-com:office:office" xmlns:v="urn:schemas-microsoft-com:vml" xmlns:pvml="urn:schemas-microsoft-com:office:powerpoint" xmlns:com="http://schemas.openxmlformats.org/drawingml/2006/compatibility" xmlns:p14="http://schemas.microsoft.com/office/powerpoint/2010/main" xmlns:p15="http://schemas.microsoft.com/office/powerpoint/2012/main" xmlns:ahyp="http://schemas.microsoft.com/office/drawing/2018/hyperlinkcolor" showMasterPhAnim="0" showMasterSp="0">
+<p:notes xmlns:a="http://schemas.openxmlformats.org/drawingml/2006/main" xmlns:r="http://schemas.openxmlformats.org/officeDocument/2006/relationships" xmlns:p="http://schemas.openxmlformats.org/presentationml/2006/main" showMasterSp="0" showMasterPhAnim="0">
   <p:cSld>
     <p:spTree>
       <p:nvGrpSpPr>
-        <p:cNvPr id="156" name="Shape 156"/>
+        <p:cNvPr id="1" name="Shape 156"/>
         <p:cNvGrpSpPr/>
         <p:nvPr/>
       </p:nvGrpSpPr>
@@ -1124,20 +1211,26 @@
       <p:sp>
         <p:nvSpPr>
           <p:cNvPr id="157" name="Google Shape;157;g20dc3e7c409_0_84:notes"/>
-          <p:cNvSpPr/>
+          <p:cNvSpPr>
+            <a:spLocks noGrp="1" noRot="1" noChangeAspect="1"/>
+          </p:cNvSpPr>
           <p:nvPr>
-            <p:ph idx="2" type="sldImg"/>
+            <p:ph type="sldImg" idx="2"/>
           </p:nvPr>
         </p:nvSpPr>
         <p:spPr>
           <a:xfrm>
-            <a:off x="381188" y="685800"/>
-            <a:ext cx="6096300" cy="3429000"/>
+            <a:off x="381000" y="685800"/>
+            <a:ext cx="6096000" cy="3429000"/>
           </a:xfrm>
           <a:custGeom>
-            <a:rect b="b" l="l" r="r" t="t"/>
+            <a:avLst/>
+            <a:gdLst/>
+            <a:ahLst/>
+            <a:cxnLst/>
+            <a:rect l="l" t="t" r="r" b="b"/>
             <a:pathLst>
-              <a:path extrusionOk="0" h="120000" w="120000">
+              <a:path w="120000" h="120000" extrusionOk="0">
                 <a:moveTo>
                   <a:pt x="0" y="0"/>
                 </a:moveTo>
@@ -1159,9 +1252,11 @@
       <p:sp>
         <p:nvSpPr>
           <p:cNvPr id="158" name="Google Shape;158;g20dc3e7c409_0_84:notes"/>
-          <p:cNvSpPr txBox="1"/>
+          <p:cNvSpPr txBox="1">
+            <a:spLocks noGrp="1"/>
+          </p:cNvSpPr>
           <p:nvPr>
-            <p:ph idx="1" type="body"/>
+            <p:ph type="body" idx="1"/>
           </p:nvPr>
         </p:nvSpPr>
         <p:spPr>
@@ -1174,12 +1269,12 @@
           </a:prstGeom>
         </p:spPr>
         <p:txBody>
-          <a:bodyPr anchorCtr="0" anchor="t" bIns="91425" lIns="91425" spcFirstLastPara="1" rIns="91425" wrap="square" tIns="91425">
+          <a:bodyPr spcFirstLastPara="1" wrap="square" lIns="91425" tIns="91425" rIns="91425" bIns="91425" anchor="t" anchorCtr="0">
             <a:noAutofit/>
           </a:bodyPr>
           <a:lstStyle/>
           <a:p>
-            <a:pPr indent="0" lvl="0" marL="0" rtl="0" algn="l">
+            <a:pPr marL="0" lvl="0" indent="0" algn="l" rtl="0">
               <a:spcBef>
                 <a:spcPts val="0"/>
               </a:spcBef>
@@ -1188,9 +1283,6 @@
               </a:spcAft>
               <a:buNone/>
             </a:pPr>
-            <a:r>
-              <a:t/>
-            </a:r>
             <a:endParaRPr/>
           </a:p>
         </p:txBody>
@@ -1204,11 +1296,11 @@
 </file>
 
 <file path=ppt/notesSlides/notesSlide14.xml><?xml version="1.0" encoding="utf-8"?>
-<p:notes xmlns:a="http://schemas.openxmlformats.org/drawingml/2006/main" xmlns:r="http://schemas.openxmlformats.org/officeDocument/2006/relationships" xmlns:mc="http://schemas.openxmlformats.org/markup-compatibility/2006" xmlns:mv="urn:schemas-microsoft-com:mac:vml" xmlns:p="http://schemas.openxmlformats.org/presentationml/2006/main" xmlns:c="http://schemas.openxmlformats.org/drawingml/2006/chart" xmlns:dgm="http://schemas.openxmlformats.org/drawingml/2006/diagram" xmlns:o="urn:schemas-microsoft-com:office:office" xmlns:v="urn:schemas-microsoft-com:vml" xmlns:pvml="urn:schemas-microsoft-com:office:powerpoint" xmlns:com="http://schemas.openxmlformats.org/drawingml/2006/compatibility" xmlns:p14="http://schemas.microsoft.com/office/powerpoint/2010/main" xmlns:p15="http://schemas.microsoft.com/office/powerpoint/2012/main" xmlns:ahyp="http://schemas.microsoft.com/office/drawing/2018/hyperlinkcolor" showMasterPhAnim="0" showMasterSp="0">
+<p:notes xmlns:a="http://schemas.openxmlformats.org/drawingml/2006/main" xmlns:r="http://schemas.openxmlformats.org/officeDocument/2006/relationships" xmlns:p="http://schemas.openxmlformats.org/presentationml/2006/main" showMasterSp="0" showMasterPhAnim="0">
   <p:cSld>
     <p:spTree>
       <p:nvGrpSpPr>
-        <p:cNvPr id="161" name="Shape 161"/>
+        <p:cNvPr id="1" name="Shape 161"/>
         <p:cNvGrpSpPr/>
         <p:nvPr/>
       </p:nvGrpSpPr>
@@ -1223,9 +1315,11 @@
       <p:sp>
         <p:nvSpPr>
           <p:cNvPr id="162" name="Google Shape;162;g20dc3e7c409_0_125:notes"/>
-          <p:cNvSpPr/>
+          <p:cNvSpPr>
+            <a:spLocks noGrp="1" noRot="1" noChangeAspect="1"/>
+          </p:cNvSpPr>
           <p:nvPr>
-            <p:ph idx="2" type="sldImg"/>
+            <p:ph type="sldImg" idx="2"/>
           </p:nvPr>
         </p:nvSpPr>
         <p:spPr>
@@ -1234,9 +1328,13 @@
             <a:ext cx="6096300" cy="3429000"/>
           </a:xfrm>
           <a:custGeom>
-            <a:rect b="b" l="l" r="r" t="t"/>
+            <a:avLst/>
+            <a:gdLst/>
+            <a:ahLst/>
+            <a:cxnLst/>
+            <a:rect l="l" t="t" r="r" b="b"/>
             <a:pathLst>
-              <a:path extrusionOk="0" h="120000" w="120000">
+              <a:path w="120000" h="120000" extrusionOk="0">
                 <a:moveTo>
                   <a:pt x="0" y="0"/>
                 </a:moveTo>
@@ -1258,9 +1356,11 @@
       <p:sp>
         <p:nvSpPr>
           <p:cNvPr id="163" name="Google Shape;163;g20dc3e7c409_0_125:notes"/>
-          <p:cNvSpPr txBox="1"/>
+          <p:cNvSpPr txBox="1">
+            <a:spLocks noGrp="1"/>
+          </p:cNvSpPr>
           <p:nvPr>
-            <p:ph idx="1" type="body"/>
+            <p:ph type="body" idx="1"/>
           </p:nvPr>
         </p:nvSpPr>
         <p:spPr>
@@ -1273,12 +1373,12 @@
           </a:prstGeom>
         </p:spPr>
         <p:txBody>
-          <a:bodyPr anchorCtr="0" anchor="t" bIns="91425" lIns="91425" spcFirstLastPara="1" rIns="91425" wrap="square" tIns="91425">
+          <a:bodyPr spcFirstLastPara="1" wrap="square" lIns="91425" tIns="91425" rIns="91425" bIns="91425" anchor="t" anchorCtr="0">
             <a:noAutofit/>
           </a:bodyPr>
           <a:lstStyle/>
           <a:p>
-            <a:pPr indent="0" lvl="0" marL="0" rtl="0" algn="l">
+            <a:pPr marL="0" lvl="0" indent="0" algn="l" rtl="0">
               <a:spcBef>
                 <a:spcPts val="0"/>
               </a:spcBef>
@@ -1287,9 +1387,6 @@
               </a:spcAft>
               <a:buNone/>
             </a:pPr>
-            <a:r>
-              <a:t/>
-            </a:r>
             <a:endParaRPr/>
           </a:p>
         </p:txBody>
@@ -1303,11 +1400,11 @@
 </file>
 
 <file path=ppt/notesSlides/notesSlide2.xml><?xml version="1.0" encoding="utf-8"?>
-<p:notes xmlns:a="http://schemas.openxmlformats.org/drawingml/2006/main" xmlns:r="http://schemas.openxmlformats.org/officeDocument/2006/relationships" xmlns:mc="http://schemas.openxmlformats.org/markup-compatibility/2006" xmlns:mv="urn:schemas-microsoft-com:mac:vml" xmlns:p="http://schemas.openxmlformats.org/presentationml/2006/main" xmlns:c="http://schemas.openxmlformats.org/drawingml/2006/chart" xmlns:dgm="http://schemas.openxmlformats.org/drawingml/2006/diagram" xmlns:o="urn:schemas-microsoft-com:office:office" xmlns:v="urn:schemas-microsoft-com:vml" xmlns:pvml="urn:schemas-microsoft-com:office:powerpoint" xmlns:com="http://schemas.openxmlformats.org/drawingml/2006/compatibility" xmlns:p14="http://schemas.microsoft.com/office/powerpoint/2010/main" xmlns:p15="http://schemas.microsoft.com/office/powerpoint/2012/main" xmlns:ahyp="http://schemas.microsoft.com/office/drawing/2018/hyperlinkcolor" showMasterPhAnim="0" showMasterSp="0">
+<p:notes xmlns:a="http://schemas.openxmlformats.org/drawingml/2006/main" xmlns:r="http://schemas.openxmlformats.org/officeDocument/2006/relationships" xmlns:p="http://schemas.openxmlformats.org/presentationml/2006/main" showMasterSp="0" showMasterPhAnim="0">
   <p:cSld>
     <p:spTree>
       <p:nvGrpSpPr>
-        <p:cNvPr id="89" name="Shape 89"/>
+        <p:cNvPr id="1" name="Shape 89"/>
         <p:cNvGrpSpPr/>
         <p:nvPr/>
       </p:nvGrpSpPr>
@@ -1322,9 +1419,11 @@
       <p:sp>
         <p:nvSpPr>
           <p:cNvPr id="90" name="Google Shape;90;gc6f9e470d_0_5:notes"/>
-          <p:cNvSpPr/>
+          <p:cNvSpPr>
+            <a:spLocks noGrp="1" noRot="1" noChangeAspect="1"/>
+          </p:cNvSpPr>
           <p:nvPr>
-            <p:ph idx="2" type="sldImg"/>
+            <p:ph type="sldImg" idx="2"/>
           </p:nvPr>
         </p:nvSpPr>
         <p:spPr>
@@ -1333,9 +1432,13 @@
             <a:ext cx="6096300" cy="3429000"/>
           </a:xfrm>
           <a:custGeom>
-            <a:rect b="b" l="l" r="r" t="t"/>
+            <a:avLst/>
+            <a:gdLst/>
+            <a:ahLst/>
+            <a:cxnLst/>
+            <a:rect l="l" t="t" r="r" b="b"/>
             <a:pathLst>
-              <a:path extrusionOk="0" h="120000" w="120000">
+              <a:path w="120000" h="120000" extrusionOk="0">
                 <a:moveTo>
                   <a:pt x="0" y="0"/>
                 </a:moveTo>
@@ -1357,9 +1460,11 @@
       <p:sp>
         <p:nvSpPr>
           <p:cNvPr id="91" name="Google Shape;91;gc6f9e470d_0_5:notes"/>
-          <p:cNvSpPr txBox="1"/>
+          <p:cNvSpPr txBox="1">
+            <a:spLocks noGrp="1"/>
+          </p:cNvSpPr>
           <p:nvPr>
-            <p:ph idx="1" type="body"/>
+            <p:ph type="body" idx="1"/>
           </p:nvPr>
         </p:nvSpPr>
         <p:spPr>
@@ -1372,12 +1477,12 @@
           </a:prstGeom>
         </p:spPr>
         <p:txBody>
-          <a:bodyPr anchorCtr="0" anchor="t" bIns="91425" lIns="91425" spcFirstLastPara="1" rIns="91425" wrap="square" tIns="91425">
+          <a:bodyPr spcFirstLastPara="1" wrap="square" lIns="91425" tIns="91425" rIns="91425" bIns="91425" anchor="t" anchorCtr="0">
             <a:noAutofit/>
           </a:bodyPr>
           <a:lstStyle/>
           <a:p>
-            <a:pPr indent="0" lvl="0" marL="0" rtl="0" algn="l">
+            <a:pPr marL="0" lvl="0" indent="0" algn="l" rtl="0">
               <a:spcBef>
                 <a:spcPts val="0"/>
               </a:spcBef>
@@ -1386,9 +1491,6 @@
               </a:spcAft>
               <a:buNone/>
             </a:pPr>
-            <a:r>
-              <a:t/>
-            </a:r>
             <a:endParaRPr/>
           </a:p>
         </p:txBody>
@@ -1402,11 +1504,11 @@
 </file>
 
 <file path=ppt/notesSlides/notesSlide3.xml><?xml version="1.0" encoding="utf-8"?>
-<p:notes xmlns:a="http://schemas.openxmlformats.org/drawingml/2006/main" xmlns:r="http://schemas.openxmlformats.org/officeDocument/2006/relationships" xmlns:mc="http://schemas.openxmlformats.org/markup-compatibility/2006" xmlns:mv="urn:schemas-microsoft-com:mac:vml" xmlns:p="http://schemas.openxmlformats.org/presentationml/2006/main" xmlns:c="http://schemas.openxmlformats.org/drawingml/2006/chart" xmlns:dgm="http://schemas.openxmlformats.org/drawingml/2006/diagram" xmlns:o="urn:schemas-microsoft-com:office:office" xmlns:v="urn:schemas-microsoft-com:vml" xmlns:pvml="urn:schemas-microsoft-com:office:powerpoint" xmlns:com="http://schemas.openxmlformats.org/drawingml/2006/compatibility" xmlns:p14="http://schemas.microsoft.com/office/powerpoint/2010/main" xmlns:p15="http://schemas.microsoft.com/office/powerpoint/2012/main" xmlns:ahyp="http://schemas.microsoft.com/office/drawing/2018/hyperlinkcolor" showMasterPhAnim="0" showMasterSp="0">
+<p:notes xmlns:a="http://schemas.openxmlformats.org/drawingml/2006/main" xmlns:r="http://schemas.openxmlformats.org/officeDocument/2006/relationships" xmlns:p="http://schemas.openxmlformats.org/presentationml/2006/main" showMasterSp="0" showMasterPhAnim="0">
   <p:cSld>
     <p:spTree>
       <p:nvGrpSpPr>
-        <p:cNvPr id="96" name="Shape 96"/>
+        <p:cNvPr id="1" name="Shape 96"/>
         <p:cNvGrpSpPr/>
         <p:nvPr/>
       </p:nvGrpSpPr>
@@ -1421,9 +1523,11 @@
       <p:sp>
         <p:nvSpPr>
           <p:cNvPr id="97" name="Google Shape;97;gc6f9e470d_0_37:notes"/>
-          <p:cNvSpPr/>
+          <p:cNvSpPr>
+            <a:spLocks noGrp="1" noRot="1" noChangeAspect="1"/>
+          </p:cNvSpPr>
           <p:nvPr>
-            <p:ph idx="2" type="sldImg"/>
+            <p:ph type="sldImg" idx="2"/>
           </p:nvPr>
         </p:nvSpPr>
         <p:spPr>
@@ -1432,9 +1536,13 @@
             <a:ext cx="6096300" cy="3429000"/>
           </a:xfrm>
           <a:custGeom>
-            <a:rect b="b" l="l" r="r" t="t"/>
+            <a:avLst/>
+            <a:gdLst/>
+            <a:ahLst/>
+            <a:cxnLst/>
+            <a:rect l="l" t="t" r="r" b="b"/>
             <a:pathLst>
-              <a:path extrusionOk="0" h="120000" w="120000">
+              <a:path w="120000" h="120000" extrusionOk="0">
                 <a:moveTo>
                   <a:pt x="0" y="0"/>
                 </a:moveTo>
@@ -1456,9 +1564,11 @@
       <p:sp>
         <p:nvSpPr>
           <p:cNvPr id="98" name="Google Shape;98;gc6f9e470d_0_37:notes"/>
-          <p:cNvSpPr txBox="1"/>
+          <p:cNvSpPr txBox="1">
+            <a:spLocks noGrp="1"/>
+          </p:cNvSpPr>
           <p:nvPr>
-            <p:ph idx="1" type="body"/>
+            <p:ph type="body" idx="1"/>
           </p:nvPr>
         </p:nvSpPr>
         <p:spPr>
@@ -1471,12 +1581,12 @@
           </a:prstGeom>
         </p:spPr>
         <p:txBody>
-          <a:bodyPr anchorCtr="0" anchor="t" bIns="91425" lIns="91425" spcFirstLastPara="1" rIns="91425" wrap="square" tIns="91425">
+          <a:bodyPr spcFirstLastPara="1" wrap="square" lIns="91425" tIns="91425" rIns="91425" bIns="91425" anchor="t" anchorCtr="0">
             <a:noAutofit/>
           </a:bodyPr>
           <a:lstStyle/>
           <a:p>
-            <a:pPr indent="0" lvl="0" marL="0" rtl="0" algn="l">
+            <a:pPr marL="0" lvl="0" indent="0" algn="l" rtl="0">
               <a:spcBef>
                 <a:spcPts val="0"/>
               </a:spcBef>
@@ -1485,9 +1595,6 @@
               </a:spcAft>
               <a:buNone/>
             </a:pPr>
-            <a:r>
-              <a:t/>
-            </a:r>
             <a:endParaRPr/>
           </a:p>
         </p:txBody>
@@ -1501,11 +1608,11 @@
 </file>
 
 <file path=ppt/notesSlides/notesSlide4.xml><?xml version="1.0" encoding="utf-8"?>
-<p:notes xmlns:a="http://schemas.openxmlformats.org/drawingml/2006/main" xmlns:r="http://schemas.openxmlformats.org/officeDocument/2006/relationships" xmlns:mc="http://schemas.openxmlformats.org/markup-compatibility/2006" xmlns:mv="urn:schemas-microsoft-com:mac:vml" xmlns:p="http://schemas.openxmlformats.org/presentationml/2006/main" xmlns:c="http://schemas.openxmlformats.org/drawingml/2006/chart" xmlns:dgm="http://schemas.openxmlformats.org/drawingml/2006/diagram" xmlns:o="urn:schemas-microsoft-com:office:office" xmlns:v="urn:schemas-microsoft-com:vml" xmlns:pvml="urn:schemas-microsoft-com:office:powerpoint" xmlns:com="http://schemas.openxmlformats.org/drawingml/2006/compatibility" xmlns:p14="http://schemas.microsoft.com/office/powerpoint/2010/main" xmlns:p15="http://schemas.microsoft.com/office/powerpoint/2012/main" xmlns:ahyp="http://schemas.microsoft.com/office/drawing/2018/hyperlinkcolor" showMasterPhAnim="0" showMasterSp="0">
+<p:notes xmlns:a="http://schemas.openxmlformats.org/drawingml/2006/main" xmlns:r="http://schemas.openxmlformats.org/officeDocument/2006/relationships" xmlns:p="http://schemas.openxmlformats.org/presentationml/2006/main" showMasterSp="0" showMasterPhAnim="0">
   <p:cSld>
     <p:spTree>
       <p:nvGrpSpPr>
-        <p:cNvPr id="102" name="Shape 102"/>
+        <p:cNvPr id="1" name="Shape 102"/>
         <p:cNvGrpSpPr/>
         <p:nvPr/>
       </p:nvGrpSpPr>
@@ -1520,9 +1627,11 @@
       <p:sp>
         <p:nvSpPr>
           <p:cNvPr id="103" name="Google Shape;103;g20dc3e7c409_0_32:notes"/>
-          <p:cNvSpPr/>
+          <p:cNvSpPr>
+            <a:spLocks noGrp="1" noRot="1" noChangeAspect="1"/>
+          </p:cNvSpPr>
           <p:nvPr>
-            <p:ph idx="2" type="sldImg"/>
+            <p:ph type="sldImg" idx="2"/>
           </p:nvPr>
         </p:nvSpPr>
         <p:spPr>
@@ -1531,9 +1640,13 @@
             <a:ext cx="6096300" cy="3429000"/>
           </a:xfrm>
           <a:custGeom>
-            <a:rect b="b" l="l" r="r" t="t"/>
+            <a:avLst/>
+            <a:gdLst/>
+            <a:ahLst/>
+            <a:cxnLst/>
+            <a:rect l="l" t="t" r="r" b="b"/>
             <a:pathLst>
-              <a:path extrusionOk="0" h="120000" w="120000">
+              <a:path w="120000" h="120000" extrusionOk="0">
                 <a:moveTo>
                   <a:pt x="0" y="0"/>
                 </a:moveTo>
@@ -1555,9 +1668,11 @@
       <p:sp>
         <p:nvSpPr>
           <p:cNvPr id="104" name="Google Shape;104;g20dc3e7c409_0_32:notes"/>
-          <p:cNvSpPr txBox="1"/>
+          <p:cNvSpPr txBox="1">
+            <a:spLocks noGrp="1"/>
+          </p:cNvSpPr>
           <p:nvPr>
-            <p:ph idx="1" type="body"/>
+            <p:ph type="body" idx="1"/>
           </p:nvPr>
         </p:nvSpPr>
         <p:spPr>
@@ -1570,12 +1685,12 @@
           </a:prstGeom>
         </p:spPr>
         <p:txBody>
-          <a:bodyPr anchorCtr="0" anchor="t" bIns="91425" lIns="91425" spcFirstLastPara="1" rIns="91425" wrap="square" tIns="91425">
+          <a:bodyPr spcFirstLastPara="1" wrap="square" lIns="91425" tIns="91425" rIns="91425" bIns="91425" anchor="t" anchorCtr="0">
             <a:noAutofit/>
           </a:bodyPr>
           <a:lstStyle/>
           <a:p>
-            <a:pPr indent="0" lvl="0" marL="0" rtl="0" algn="l">
+            <a:pPr marL="0" lvl="0" indent="0" algn="l" rtl="0">
               <a:spcBef>
                 <a:spcPts val="0"/>
               </a:spcBef>
@@ -1584,9 +1699,6 @@
               </a:spcAft>
               <a:buNone/>
             </a:pPr>
-            <a:r>
-              <a:t/>
-            </a:r>
             <a:endParaRPr/>
           </a:p>
         </p:txBody>
@@ -1600,11 +1712,11 @@
 </file>
 
 <file path=ppt/notesSlides/notesSlide5.xml><?xml version="1.0" encoding="utf-8"?>
-<p:notes xmlns:a="http://schemas.openxmlformats.org/drawingml/2006/main" xmlns:r="http://schemas.openxmlformats.org/officeDocument/2006/relationships" xmlns:mc="http://schemas.openxmlformats.org/markup-compatibility/2006" xmlns:mv="urn:schemas-microsoft-com:mac:vml" xmlns:p="http://schemas.openxmlformats.org/presentationml/2006/main" xmlns:c="http://schemas.openxmlformats.org/drawingml/2006/chart" xmlns:dgm="http://schemas.openxmlformats.org/drawingml/2006/diagram" xmlns:o="urn:schemas-microsoft-com:office:office" xmlns:v="urn:schemas-microsoft-com:vml" xmlns:pvml="urn:schemas-microsoft-com:office:powerpoint" xmlns:com="http://schemas.openxmlformats.org/drawingml/2006/compatibility" xmlns:p14="http://schemas.microsoft.com/office/powerpoint/2010/main" xmlns:p15="http://schemas.microsoft.com/office/powerpoint/2012/main" xmlns:ahyp="http://schemas.microsoft.com/office/drawing/2018/hyperlinkcolor" showMasterPhAnim="0" showMasterSp="0">
+<p:notes xmlns:a="http://schemas.openxmlformats.org/drawingml/2006/main" xmlns:r="http://schemas.openxmlformats.org/officeDocument/2006/relationships" xmlns:p="http://schemas.openxmlformats.org/presentationml/2006/main" showMasterSp="0" showMasterPhAnim="0">
   <p:cSld>
     <p:spTree>
       <p:nvGrpSpPr>
-        <p:cNvPr id="109" name="Shape 109"/>
+        <p:cNvPr id="1" name="Shape 109"/>
         <p:cNvGrpSpPr/>
         <p:nvPr/>
       </p:nvGrpSpPr>
@@ -1619,9 +1731,11 @@
       <p:sp>
         <p:nvSpPr>
           <p:cNvPr id="110" name="Google Shape;110;g20dc3e7c409_0_54:notes"/>
-          <p:cNvSpPr/>
+          <p:cNvSpPr>
+            <a:spLocks noGrp="1" noRot="1" noChangeAspect="1"/>
+          </p:cNvSpPr>
           <p:nvPr>
-            <p:ph idx="2" type="sldImg"/>
+            <p:ph type="sldImg" idx="2"/>
           </p:nvPr>
         </p:nvSpPr>
         <p:spPr>
@@ -1630,9 +1744,13 @@
             <a:ext cx="6096300" cy="3429000"/>
           </a:xfrm>
           <a:custGeom>
-            <a:rect b="b" l="l" r="r" t="t"/>
+            <a:avLst/>
+            <a:gdLst/>
+            <a:ahLst/>
+            <a:cxnLst/>
+            <a:rect l="l" t="t" r="r" b="b"/>
             <a:pathLst>
-              <a:path extrusionOk="0" h="120000" w="120000">
+              <a:path w="120000" h="120000" extrusionOk="0">
                 <a:moveTo>
                   <a:pt x="0" y="0"/>
                 </a:moveTo>
@@ -1654,9 +1772,11 @@
       <p:sp>
         <p:nvSpPr>
           <p:cNvPr id="111" name="Google Shape;111;g20dc3e7c409_0_54:notes"/>
-          <p:cNvSpPr txBox="1"/>
+          <p:cNvSpPr txBox="1">
+            <a:spLocks noGrp="1"/>
+          </p:cNvSpPr>
           <p:nvPr>
-            <p:ph idx="1" type="body"/>
+            <p:ph type="body" idx="1"/>
           </p:nvPr>
         </p:nvSpPr>
         <p:spPr>
@@ -1669,12 +1789,12 @@
           </a:prstGeom>
         </p:spPr>
         <p:txBody>
-          <a:bodyPr anchorCtr="0" anchor="t" bIns="91425" lIns="91425" spcFirstLastPara="1" rIns="91425" wrap="square" tIns="91425">
+          <a:bodyPr spcFirstLastPara="1" wrap="square" lIns="91425" tIns="91425" rIns="91425" bIns="91425" anchor="t" anchorCtr="0">
             <a:noAutofit/>
           </a:bodyPr>
           <a:lstStyle/>
           <a:p>
-            <a:pPr indent="0" lvl="0" marL="0" rtl="0" algn="l">
+            <a:pPr marL="0" lvl="0" indent="0" algn="l" rtl="0">
               <a:spcBef>
                 <a:spcPts val="0"/>
               </a:spcBef>
@@ -1683,9 +1803,6 @@
               </a:spcAft>
               <a:buNone/>
             </a:pPr>
-            <a:r>
-              <a:t/>
-            </a:r>
             <a:endParaRPr/>
           </a:p>
         </p:txBody>
@@ -1699,11 +1816,11 @@
 </file>
 
 <file path=ppt/notesSlides/notesSlide6.xml><?xml version="1.0" encoding="utf-8"?>
-<p:notes xmlns:a="http://schemas.openxmlformats.org/drawingml/2006/main" xmlns:r="http://schemas.openxmlformats.org/officeDocument/2006/relationships" xmlns:mc="http://schemas.openxmlformats.org/markup-compatibility/2006" xmlns:mv="urn:schemas-microsoft-com:mac:vml" xmlns:p="http://schemas.openxmlformats.org/presentationml/2006/main" xmlns:c="http://schemas.openxmlformats.org/drawingml/2006/chart" xmlns:dgm="http://schemas.openxmlformats.org/drawingml/2006/diagram" xmlns:o="urn:schemas-microsoft-com:office:office" xmlns:v="urn:schemas-microsoft-com:vml" xmlns:pvml="urn:schemas-microsoft-com:office:powerpoint" xmlns:com="http://schemas.openxmlformats.org/drawingml/2006/compatibility" xmlns:p14="http://schemas.microsoft.com/office/powerpoint/2010/main" xmlns:p15="http://schemas.microsoft.com/office/powerpoint/2012/main" xmlns:ahyp="http://schemas.microsoft.com/office/drawing/2018/hyperlinkcolor" showMasterPhAnim="0" showMasterSp="0">
+<p:notes xmlns:a="http://schemas.openxmlformats.org/drawingml/2006/main" xmlns:r="http://schemas.openxmlformats.org/officeDocument/2006/relationships" xmlns:p="http://schemas.openxmlformats.org/presentationml/2006/main" showMasterSp="0" showMasterPhAnim="0">
   <p:cSld>
     <p:spTree>
       <p:nvGrpSpPr>
-        <p:cNvPr id="115" name="Shape 115"/>
+        <p:cNvPr id="1" name="Shape 115"/>
         <p:cNvGrpSpPr/>
         <p:nvPr/>
       </p:nvGrpSpPr>
@@ -1718,9 +1835,11 @@
       <p:sp>
         <p:nvSpPr>
           <p:cNvPr id="116" name="Google Shape;116;g20dc3e7c409_0_63:notes"/>
-          <p:cNvSpPr/>
+          <p:cNvSpPr>
+            <a:spLocks noGrp="1" noRot="1" noChangeAspect="1"/>
+          </p:cNvSpPr>
           <p:nvPr>
-            <p:ph idx="2" type="sldImg"/>
+            <p:ph type="sldImg" idx="2"/>
           </p:nvPr>
         </p:nvSpPr>
         <p:spPr>
@@ -1729,9 +1848,13 @@
             <a:ext cx="6096300" cy="3429000"/>
           </a:xfrm>
           <a:custGeom>
-            <a:rect b="b" l="l" r="r" t="t"/>
+            <a:avLst/>
+            <a:gdLst/>
+            <a:ahLst/>
+            <a:cxnLst/>
+            <a:rect l="l" t="t" r="r" b="b"/>
             <a:pathLst>
-              <a:path extrusionOk="0" h="120000" w="120000">
+              <a:path w="120000" h="120000" extrusionOk="0">
                 <a:moveTo>
                   <a:pt x="0" y="0"/>
                 </a:moveTo>
@@ -1753,9 +1876,11 @@
       <p:sp>
         <p:nvSpPr>
           <p:cNvPr id="117" name="Google Shape;117;g20dc3e7c409_0_63:notes"/>
-          <p:cNvSpPr txBox="1"/>
+          <p:cNvSpPr txBox="1">
+            <a:spLocks noGrp="1"/>
+          </p:cNvSpPr>
           <p:nvPr>
-            <p:ph idx="1" type="body"/>
+            <p:ph type="body" idx="1"/>
           </p:nvPr>
         </p:nvSpPr>
         <p:spPr>
@@ -1768,12 +1893,12 @@
           </a:prstGeom>
         </p:spPr>
         <p:txBody>
-          <a:bodyPr anchorCtr="0" anchor="t" bIns="91425" lIns="91425" spcFirstLastPara="1" rIns="91425" wrap="square" tIns="91425">
+          <a:bodyPr spcFirstLastPara="1" wrap="square" lIns="91425" tIns="91425" rIns="91425" bIns="91425" anchor="t" anchorCtr="0">
             <a:noAutofit/>
           </a:bodyPr>
           <a:lstStyle/>
           <a:p>
-            <a:pPr indent="0" lvl="0" marL="0" rtl="0" algn="l">
+            <a:pPr marL="0" lvl="0" indent="0" algn="l" rtl="0">
               <a:spcBef>
                 <a:spcPts val="0"/>
               </a:spcBef>
@@ -1782,9 +1907,6 @@
               </a:spcAft>
               <a:buNone/>
             </a:pPr>
-            <a:r>
-              <a:t/>
-            </a:r>
             <a:endParaRPr/>
           </a:p>
         </p:txBody>
@@ -1798,11 +1920,11 @@
 </file>
 
 <file path=ppt/notesSlides/notesSlide7.xml><?xml version="1.0" encoding="utf-8"?>
-<p:notes xmlns:a="http://schemas.openxmlformats.org/drawingml/2006/main" xmlns:r="http://schemas.openxmlformats.org/officeDocument/2006/relationships" xmlns:mc="http://schemas.openxmlformats.org/markup-compatibility/2006" xmlns:mv="urn:schemas-microsoft-com:mac:vml" xmlns:p="http://schemas.openxmlformats.org/presentationml/2006/main" xmlns:c="http://schemas.openxmlformats.org/drawingml/2006/chart" xmlns:dgm="http://schemas.openxmlformats.org/drawingml/2006/diagram" xmlns:o="urn:schemas-microsoft-com:office:office" xmlns:v="urn:schemas-microsoft-com:vml" xmlns:pvml="urn:schemas-microsoft-com:office:powerpoint" xmlns:com="http://schemas.openxmlformats.org/drawingml/2006/compatibility" xmlns:p14="http://schemas.microsoft.com/office/powerpoint/2010/main" xmlns:p15="http://schemas.microsoft.com/office/powerpoint/2012/main" xmlns:ahyp="http://schemas.microsoft.com/office/drawing/2018/hyperlinkcolor" showMasterPhAnim="0" showMasterSp="0">
+<p:notes xmlns:a="http://schemas.openxmlformats.org/drawingml/2006/main" xmlns:r="http://schemas.openxmlformats.org/officeDocument/2006/relationships" xmlns:p="http://schemas.openxmlformats.org/presentationml/2006/main" showMasterSp="0" showMasterPhAnim="0">
   <p:cSld>
     <p:spTree>
       <p:nvGrpSpPr>
-        <p:cNvPr id="121" name="Shape 121"/>
+        <p:cNvPr id="1" name="Shape 121"/>
         <p:cNvGrpSpPr/>
         <p:nvPr/>
       </p:nvGrpSpPr>
@@ -1817,9 +1939,11 @@
       <p:sp>
         <p:nvSpPr>
           <p:cNvPr id="122" name="Google Shape;122;gc6f9e470d_0_43:notes"/>
-          <p:cNvSpPr/>
+          <p:cNvSpPr>
+            <a:spLocks noGrp="1" noRot="1" noChangeAspect="1"/>
+          </p:cNvSpPr>
           <p:nvPr>
-            <p:ph idx="2" type="sldImg"/>
+            <p:ph type="sldImg" idx="2"/>
           </p:nvPr>
         </p:nvSpPr>
         <p:spPr>
@@ -1828,9 +1952,13 @@
             <a:ext cx="6096300" cy="3429000"/>
           </a:xfrm>
           <a:custGeom>
-            <a:rect b="b" l="l" r="r" t="t"/>
+            <a:avLst/>
+            <a:gdLst/>
+            <a:ahLst/>
+            <a:cxnLst/>
+            <a:rect l="l" t="t" r="r" b="b"/>
             <a:pathLst>
-              <a:path extrusionOk="0" h="120000" w="120000">
+              <a:path w="120000" h="120000" extrusionOk="0">
                 <a:moveTo>
                   <a:pt x="0" y="0"/>
                 </a:moveTo>
@@ -1852,9 +1980,11 @@
       <p:sp>
         <p:nvSpPr>
           <p:cNvPr id="123" name="Google Shape;123;gc6f9e470d_0_43:notes"/>
-          <p:cNvSpPr txBox="1"/>
+          <p:cNvSpPr txBox="1">
+            <a:spLocks noGrp="1"/>
+          </p:cNvSpPr>
           <p:nvPr>
-            <p:ph idx="1" type="body"/>
+            <p:ph type="body" idx="1"/>
           </p:nvPr>
         </p:nvSpPr>
         <p:spPr>
@@ -1867,12 +1997,12 @@
           </a:prstGeom>
         </p:spPr>
         <p:txBody>
-          <a:bodyPr anchorCtr="0" anchor="t" bIns="91425" lIns="91425" spcFirstLastPara="1" rIns="91425" wrap="square" tIns="91425">
+          <a:bodyPr spcFirstLastPara="1" wrap="square" lIns="91425" tIns="91425" rIns="91425" bIns="91425" anchor="t" anchorCtr="0">
             <a:noAutofit/>
           </a:bodyPr>
           <a:lstStyle/>
           <a:p>
-            <a:pPr indent="0" lvl="0" marL="0" rtl="0" algn="l">
+            <a:pPr marL="0" lvl="0" indent="0" algn="l" rtl="0">
               <a:spcBef>
                 <a:spcPts val="0"/>
               </a:spcBef>
@@ -1881,9 +2011,6 @@
               </a:spcAft>
               <a:buNone/>
             </a:pPr>
-            <a:r>
-              <a:t/>
-            </a:r>
             <a:endParaRPr/>
           </a:p>
         </p:txBody>
@@ -1897,11 +2024,11 @@
 </file>
 
 <file path=ppt/notesSlides/notesSlide8.xml><?xml version="1.0" encoding="utf-8"?>
-<p:notes xmlns:a="http://schemas.openxmlformats.org/drawingml/2006/main" xmlns:r="http://schemas.openxmlformats.org/officeDocument/2006/relationships" xmlns:mc="http://schemas.openxmlformats.org/markup-compatibility/2006" xmlns:mv="urn:schemas-microsoft-com:mac:vml" xmlns:p="http://schemas.openxmlformats.org/presentationml/2006/main" xmlns:c="http://schemas.openxmlformats.org/drawingml/2006/chart" xmlns:dgm="http://schemas.openxmlformats.org/drawingml/2006/diagram" xmlns:o="urn:schemas-microsoft-com:office:office" xmlns:v="urn:schemas-microsoft-com:vml" xmlns:pvml="urn:schemas-microsoft-com:office:powerpoint" xmlns:com="http://schemas.openxmlformats.org/drawingml/2006/compatibility" xmlns:p14="http://schemas.microsoft.com/office/powerpoint/2010/main" xmlns:p15="http://schemas.microsoft.com/office/powerpoint/2012/main" xmlns:ahyp="http://schemas.microsoft.com/office/drawing/2018/hyperlinkcolor" showMasterPhAnim="0" showMasterSp="0">
+<p:notes xmlns:a="http://schemas.openxmlformats.org/drawingml/2006/main" xmlns:r="http://schemas.openxmlformats.org/officeDocument/2006/relationships" xmlns:p="http://schemas.openxmlformats.org/presentationml/2006/main" showMasterSp="0" showMasterPhAnim="0">
   <p:cSld>
     <p:spTree>
       <p:nvGrpSpPr>
-        <p:cNvPr id="126" name="Shape 126"/>
+        <p:cNvPr id="1" name="Shape 126"/>
         <p:cNvGrpSpPr/>
         <p:nvPr/>
       </p:nvGrpSpPr>
@@ -1916,9 +2043,11 @@
       <p:sp>
         <p:nvSpPr>
           <p:cNvPr id="127" name="Google Shape;127;g20dc3e7c409_0_89:notes"/>
-          <p:cNvSpPr/>
+          <p:cNvSpPr>
+            <a:spLocks noGrp="1" noRot="1" noChangeAspect="1"/>
+          </p:cNvSpPr>
           <p:nvPr>
-            <p:ph idx="2" type="sldImg"/>
+            <p:ph type="sldImg" idx="2"/>
           </p:nvPr>
         </p:nvSpPr>
         <p:spPr>
@@ -1927,9 +2056,13 @@
             <a:ext cx="6096300" cy="3429000"/>
           </a:xfrm>
           <a:custGeom>
-            <a:rect b="b" l="l" r="r" t="t"/>
+            <a:avLst/>
+            <a:gdLst/>
+            <a:ahLst/>
+            <a:cxnLst/>
+            <a:rect l="l" t="t" r="r" b="b"/>
             <a:pathLst>
-              <a:path extrusionOk="0" h="120000" w="120000">
+              <a:path w="120000" h="120000" extrusionOk="0">
                 <a:moveTo>
                   <a:pt x="0" y="0"/>
                 </a:moveTo>
@@ -1951,9 +2084,11 @@
       <p:sp>
         <p:nvSpPr>
           <p:cNvPr id="128" name="Google Shape;128;g20dc3e7c409_0_89:notes"/>
-          <p:cNvSpPr txBox="1"/>
+          <p:cNvSpPr txBox="1">
+            <a:spLocks noGrp="1"/>
+          </p:cNvSpPr>
           <p:nvPr>
-            <p:ph idx="1" type="body"/>
+            <p:ph type="body" idx="1"/>
           </p:nvPr>
         </p:nvSpPr>
         <p:spPr>
@@ -1966,12 +2101,12 @@
           </a:prstGeom>
         </p:spPr>
         <p:txBody>
-          <a:bodyPr anchorCtr="0" anchor="t" bIns="91425" lIns="91425" spcFirstLastPara="1" rIns="91425" wrap="square" tIns="91425">
+          <a:bodyPr spcFirstLastPara="1" wrap="square" lIns="91425" tIns="91425" rIns="91425" bIns="91425" anchor="t" anchorCtr="0">
             <a:noAutofit/>
           </a:bodyPr>
           <a:lstStyle/>
           <a:p>
-            <a:pPr indent="0" lvl="0" marL="0" rtl="0" algn="l">
+            <a:pPr marL="0" lvl="0" indent="0" algn="l" rtl="0">
               <a:spcBef>
                 <a:spcPts val="0"/>
               </a:spcBef>
@@ -1980,9 +2115,6 @@
               </a:spcAft>
               <a:buNone/>
             </a:pPr>
-            <a:r>
-              <a:t/>
-            </a:r>
             <a:endParaRPr/>
           </a:p>
         </p:txBody>
@@ -1996,11 +2128,11 @@
 </file>
 
 <file path=ppt/notesSlides/notesSlide9.xml><?xml version="1.0" encoding="utf-8"?>
-<p:notes xmlns:a="http://schemas.openxmlformats.org/drawingml/2006/main" xmlns:r="http://schemas.openxmlformats.org/officeDocument/2006/relationships" xmlns:mc="http://schemas.openxmlformats.org/markup-compatibility/2006" xmlns:mv="urn:schemas-microsoft-com:mac:vml" xmlns:p="http://schemas.openxmlformats.org/presentationml/2006/main" xmlns:c="http://schemas.openxmlformats.org/drawingml/2006/chart" xmlns:dgm="http://schemas.openxmlformats.org/drawingml/2006/diagram" xmlns:o="urn:schemas-microsoft-com:office:office" xmlns:v="urn:schemas-microsoft-com:vml" xmlns:pvml="urn:schemas-microsoft-com:office:powerpoint" xmlns:com="http://schemas.openxmlformats.org/drawingml/2006/compatibility" xmlns:p14="http://schemas.microsoft.com/office/powerpoint/2010/main" xmlns:p15="http://schemas.microsoft.com/office/powerpoint/2012/main" xmlns:ahyp="http://schemas.microsoft.com/office/drawing/2018/hyperlinkcolor" showMasterPhAnim="0" showMasterSp="0">
+<p:notes xmlns:a="http://schemas.openxmlformats.org/drawingml/2006/main" xmlns:r="http://schemas.openxmlformats.org/officeDocument/2006/relationships" xmlns:p="http://schemas.openxmlformats.org/presentationml/2006/main" showMasterSp="0" showMasterPhAnim="0">
   <p:cSld>
     <p:spTree>
       <p:nvGrpSpPr>
-        <p:cNvPr id="132" name="Shape 132"/>
+        <p:cNvPr id="1" name="Shape 132"/>
         <p:cNvGrpSpPr/>
         <p:nvPr/>
       </p:nvGrpSpPr>
@@ -2015,9 +2147,11 @@
       <p:sp>
         <p:nvSpPr>
           <p:cNvPr id="133" name="Google Shape;133;g20dc3e7c409_0_96:notes"/>
-          <p:cNvSpPr/>
+          <p:cNvSpPr>
+            <a:spLocks noGrp="1" noRot="1" noChangeAspect="1"/>
+          </p:cNvSpPr>
           <p:nvPr>
-            <p:ph idx="2" type="sldImg"/>
+            <p:ph type="sldImg" idx="2"/>
           </p:nvPr>
         </p:nvSpPr>
         <p:spPr>
@@ -2026,9 +2160,13 @@
             <a:ext cx="6096300" cy="3429000"/>
           </a:xfrm>
           <a:custGeom>
-            <a:rect b="b" l="l" r="r" t="t"/>
+            <a:avLst/>
+            <a:gdLst/>
+            <a:ahLst/>
+            <a:cxnLst/>
+            <a:rect l="l" t="t" r="r" b="b"/>
             <a:pathLst>
-              <a:path extrusionOk="0" h="120000" w="120000">
+              <a:path w="120000" h="120000" extrusionOk="0">
                 <a:moveTo>
                   <a:pt x="0" y="0"/>
                 </a:moveTo>
@@ -2050,9 +2188,11 @@
       <p:sp>
         <p:nvSpPr>
           <p:cNvPr id="134" name="Google Shape;134;g20dc3e7c409_0_96:notes"/>
-          <p:cNvSpPr txBox="1"/>
+          <p:cNvSpPr txBox="1">
+            <a:spLocks noGrp="1"/>
+          </p:cNvSpPr>
           <p:nvPr>
-            <p:ph idx="1" type="body"/>
+            <p:ph type="body" idx="1"/>
           </p:nvPr>
         </p:nvSpPr>
         <p:spPr>
@@ -2065,12 +2205,12 @@
           </a:prstGeom>
         </p:spPr>
         <p:txBody>
-          <a:bodyPr anchorCtr="0" anchor="t" bIns="91425" lIns="91425" spcFirstLastPara="1" rIns="91425" wrap="square" tIns="91425">
+          <a:bodyPr spcFirstLastPara="1" wrap="square" lIns="91425" tIns="91425" rIns="91425" bIns="91425" anchor="t" anchorCtr="0">
             <a:noAutofit/>
           </a:bodyPr>
           <a:lstStyle/>
           <a:p>
-            <a:pPr indent="0" lvl="0" marL="0" rtl="0" algn="l">
+            <a:pPr marL="0" lvl="0" indent="0" algn="l" rtl="0">
               <a:spcBef>
                 <a:spcPts val="0"/>
               </a:spcBef>
@@ -2079,9 +2219,6 @@
               </a:spcAft>
               <a:buNone/>
             </a:pPr>
-            <a:r>
-              <a:t/>
-            </a:r>
             <a:endParaRPr/>
           </a:p>
         </p:txBody>
@@ -2095,18 +2232,19 @@
 </file>
 
 <file path=ppt/slideLayouts/slideLayout1.xml><?xml version="1.0" encoding="utf-8"?>
-<p:sldLayout xmlns:a="http://schemas.openxmlformats.org/drawingml/2006/main" xmlns:r="http://schemas.openxmlformats.org/officeDocument/2006/relationships" xmlns:mc="http://schemas.openxmlformats.org/markup-compatibility/2006" xmlns:mv="urn:schemas-microsoft-com:mac:vml" xmlns:p="http://schemas.openxmlformats.org/presentationml/2006/main" xmlns:c="http://schemas.openxmlformats.org/drawingml/2006/chart" xmlns:dgm="http://schemas.openxmlformats.org/drawingml/2006/diagram" xmlns:o="urn:schemas-microsoft-com:office:office" xmlns:v="urn:schemas-microsoft-com:vml" xmlns:pvml="urn:schemas-microsoft-com:office:powerpoint" xmlns:com="http://schemas.openxmlformats.org/drawingml/2006/compatibility" xmlns:p14="http://schemas.microsoft.com/office/powerpoint/2010/main" xmlns:p15="http://schemas.microsoft.com/office/powerpoint/2012/main" xmlns:ahyp="http://schemas.microsoft.com/office/drawing/2018/hyperlinkcolor" matchingName="Title slide" type="title">
+<p:sldLayout xmlns:a="http://schemas.openxmlformats.org/drawingml/2006/main" xmlns:r="http://schemas.openxmlformats.org/officeDocument/2006/relationships" xmlns:p="http://schemas.openxmlformats.org/presentationml/2006/main" matchingName="Title slide" type="title">
   <p:cSld name="TITLE">
     <p:bg>
       <p:bgPr>
         <a:solidFill>
           <a:schemeClr val="dk1"/>
         </a:solidFill>
+        <a:effectLst/>
       </p:bgPr>
     </p:bg>
     <p:spTree>
       <p:nvGrpSpPr>
-        <p:cNvPr id="9" name="Shape 9"/>
+        <p:cNvPr id="1" name="Shape 9"/>
         <p:cNvGrpSpPr/>
         <p:nvPr/>
       </p:nvGrpSpPr>
@@ -2154,12 +2292,12 @@
             </a:ln>
           </p:spPr>
           <p:txBody>
-            <a:bodyPr anchorCtr="0" anchor="ctr" bIns="91425" lIns="91425" spcFirstLastPara="1" rIns="91425" wrap="square" tIns="91425">
+            <a:bodyPr spcFirstLastPara="1" wrap="square" lIns="91425" tIns="91425" rIns="91425" bIns="91425" anchor="ctr" anchorCtr="0">
               <a:noAutofit/>
             </a:bodyPr>
             <a:lstStyle/>
             <a:p>
-              <a:pPr indent="0" lvl="0" marL="0" rtl="0" algn="l">
+              <a:pPr marL="0" lvl="0" indent="0" algn="l" rtl="0">
                 <a:spcBef>
                   <a:spcPts val="0"/>
                 </a:spcBef>
@@ -2168,9 +2306,6 @@
                 </a:spcAft>
                 <a:buNone/>
               </a:pPr>
-              <a:r>
-                <a:t/>
-              </a:r>
               <a:endParaRPr/>
             </a:p>
           </p:txBody>
@@ -2197,12 +2332,12 @@
             </a:ln>
           </p:spPr>
           <p:txBody>
-            <a:bodyPr anchorCtr="0" anchor="ctr" bIns="91425" lIns="91425" spcFirstLastPara="1" rIns="91425" wrap="square" tIns="91425">
+            <a:bodyPr spcFirstLastPara="1" wrap="square" lIns="91425" tIns="91425" rIns="91425" bIns="91425" anchor="ctr" anchorCtr="0">
               <a:noAutofit/>
             </a:bodyPr>
             <a:lstStyle/>
             <a:p>
-              <a:pPr indent="0" lvl="0" marL="0" rtl="0" algn="l">
+              <a:pPr marL="0" lvl="0" indent="0" algn="l" rtl="0">
                 <a:spcBef>
                   <a:spcPts val="0"/>
                 </a:spcBef>
@@ -2211,9 +2346,6 @@
                 </a:spcAft>
                 <a:buNone/>
               </a:pPr>
-              <a:r>
-                <a:t/>
-              </a:r>
               <a:endParaRPr/>
             </a:p>
           </p:txBody>
@@ -2225,7 +2357,7 @@
             <p:nvPr/>
           </p:nvSpPr>
           <p:spPr>
-            <a:xfrm flipH="1" rot="10800000">
+            <a:xfrm rot="10800000" flipH="1">
               <a:off x="7113588" y="107"/>
               <a:ext cx="1015200" cy="1015200"/>
             </a:xfrm>
@@ -2240,12 +2372,12 @@
             </a:ln>
           </p:spPr>
           <p:txBody>
-            <a:bodyPr anchorCtr="0" anchor="ctr" bIns="91425" lIns="91425" spcFirstLastPara="1" rIns="91425" wrap="square" tIns="91425">
+            <a:bodyPr spcFirstLastPara="1" wrap="square" lIns="91425" tIns="91425" rIns="91425" bIns="91425" anchor="ctr" anchorCtr="0">
               <a:noAutofit/>
             </a:bodyPr>
             <a:lstStyle/>
             <a:p>
-              <a:pPr indent="0" lvl="0" marL="0" rtl="0" algn="l">
+              <a:pPr marL="0" lvl="0" indent="0" algn="l" rtl="0">
                 <a:spcBef>
                   <a:spcPts val="0"/>
                 </a:spcBef>
@@ -2254,9 +2386,6 @@
                 </a:spcAft>
                 <a:buNone/>
               </a:pPr>
-              <a:r>
-                <a:t/>
-              </a:r>
               <a:endParaRPr/>
             </a:p>
           </p:txBody>
@@ -2283,12 +2412,12 @@
             </a:ln>
           </p:spPr>
           <p:txBody>
-            <a:bodyPr anchorCtr="0" anchor="ctr" bIns="91425" lIns="91425" spcFirstLastPara="1" rIns="91425" wrap="square" tIns="91425">
+            <a:bodyPr spcFirstLastPara="1" wrap="square" lIns="91425" tIns="91425" rIns="91425" bIns="91425" anchor="ctr" anchorCtr="0">
               <a:noAutofit/>
             </a:bodyPr>
             <a:lstStyle/>
             <a:p>
-              <a:pPr indent="0" lvl="0" marL="0" rtl="0" algn="l">
+              <a:pPr marL="0" lvl="0" indent="0" algn="l" rtl="0">
                 <a:spcBef>
                   <a:spcPts val="0"/>
                 </a:spcBef>
@@ -2297,9 +2426,6 @@
                 </a:spcAft>
                 <a:buNone/>
               </a:pPr>
-              <a:r>
-                <a:t/>
-              </a:r>
               <a:endParaRPr/>
             </a:p>
           </p:txBody>
@@ -2326,12 +2452,12 @@
             </a:ln>
           </p:spPr>
           <p:txBody>
-            <a:bodyPr anchorCtr="0" anchor="ctr" bIns="91425" lIns="91425" spcFirstLastPara="1" rIns="91425" wrap="square" tIns="91425">
+            <a:bodyPr spcFirstLastPara="1" wrap="square" lIns="91425" tIns="91425" rIns="91425" bIns="91425" anchor="ctr" anchorCtr="0">
               <a:noAutofit/>
             </a:bodyPr>
             <a:lstStyle/>
             <a:p>
-              <a:pPr indent="0" lvl="0" marL="0" rtl="0" algn="l">
+              <a:pPr marL="0" lvl="0" indent="0" algn="l" rtl="0">
                 <a:spcBef>
                   <a:spcPts val="0"/>
                 </a:spcBef>
@@ -2340,9 +2466,6 @@
                 </a:spcAft>
                 <a:buNone/>
               </a:pPr>
-              <a:r>
-                <a:t/>
-              </a:r>
               <a:endParaRPr/>
             </a:p>
           </p:txBody>
@@ -2351,7 +2474,9 @@
       <p:sp>
         <p:nvSpPr>
           <p:cNvPr id="16" name="Google Shape;16;p2"/>
-          <p:cNvSpPr txBox="1"/>
+          <p:cNvSpPr txBox="1">
+            <a:spLocks noGrp="1"/>
+          </p:cNvSpPr>
           <p:nvPr>
             <p:ph type="ctrTitle"/>
           </p:nvPr>
@@ -2366,7 +2491,7 @@
           </a:prstGeom>
         </p:spPr>
         <p:txBody>
-          <a:bodyPr anchorCtr="0" anchor="b" bIns="91425" lIns="91425" spcFirstLastPara="1" rIns="91425" wrap="square" tIns="91425">
+          <a:bodyPr spcFirstLastPara="1" wrap="square" lIns="91425" tIns="91425" rIns="91425" bIns="91425" anchor="b" anchorCtr="0">
             <a:noAutofit/>
           </a:bodyPr>
           <a:lstStyle>
@@ -2533,15 +2658,19 @@
               </a:defRPr>
             </a:lvl9pPr>
           </a:lstStyle>
-          <a:p/>
+          <a:p>
+            <a:endParaRPr/>
+          </a:p>
         </p:txBody>
       </p:sp>
       <p:sp>
         <p:nvSpPr>
           <p:cNvPr id="17" name="Google Shape;17;p2"/>
-          <p:cNvSpPr txBox="1"/>
+          <p:cNvSpPr txBox="1">
+            <a:spLocks noGrp="1"/>
+          </p:cNvSpPr>
           <p:nvPr>
-            <p:ph idx="1" type="subTitle"/>
+            <p:ph type="subTitle" idx="1"/>
           </p:nvPr>
         </p:nvSpPr>
         <p:spPr>
@@ -2554,7 +2683,7 @@
           </a:prstGeom>
         </p:spPr>
         <p:txBody>
-          <a:bodyPr anchorCtr="0" anchor="t" bIns="91425" lIns="91425" spcFirstLastPara="1" rIns="91425" wrap="square" tIns="91425">
+          <a:bodyPr spcFirstLastPara="1" wrap="square" lIns="91425" tIns="91425" rIns="91425" bIns="91425" anchor="t" anchorCtr="0">
             <a:noAutofit/>
           </a:bodyPr>
           <a:lstStyle>
@@ -2748,15 +2877,19 @@
               </a:defRPr>
             </a:lvl9pPr>
           </a:lstStyle>
-          <a:p/>
+          <a:p>
+            <a:endParaRPr/>
+          </a:p>
         </p:txBody>
       </p:sp>
       <p:sp>
         <p:nvSpPr>
           <p:cNvPr id="18" name="Google Shape;18;p2"/>
-          <p:cNvSpPr txBox="1"/>
+          <p:cNvSpPr txBox="1">
+            <a:spLocks noGrp="1"/>
+          </p:cNvSpPr>
           <p:nvPr>
-            <p:ph idx="12" type="sldNum"/>
+            <p:ph type="sldNum" idx="12"/>
           </p:nvPr>
         </p:nvSpPr>
         <p:spPr>
@@ -2769,7 +2902,7 @@
           </a:prstGeom>
         </p:spPr>
         <p:txBody>
-          <a:bodyPr anchorCtr="0" anchor="ctr" bIns="91425" lIns="91425" spcFirstLastPara="1" rIns="91425" wrap="square" tIns="91425">
+          <a:bodyPr spcFirstLastPara="1" wrap="square" lIns="91425" tIns="91425" rIns="91425" bIns="91425" anchor="ctr" anchorCtr="0">
             <a:noAutofit/>
           </a:bodyPr>
           <a:lstStyle>
@@ -2811,7 +2944,7 @@
             </a:lvl9pPr>
           </a:lstStyle>
           <a:p>
-            <a:pPr indent="0" lvl="0" marL="0" rtl="0" algn="r">
+            <a:pPr marL="0" lvl="0" indent="0" algn="r" rtl="0">
               <a:spcBef>
                 <a:spcPts val="0"/>
               </a:spcBef>
@@ -2837,18 +2970,19 @@
 </file>
 
 <file path=ppt/slideLayouts/slideLayout10.xml><?xml version="1.0" encoding="utf-8"?>
-<p:sldLayout xmlns:a="http://schemas.openxmlformats.org/drawingml/2006/main" xmlns:r="http://schemas.openxmlformats.org/officeDocument/2006/relationships" xmlns:mc="http://schemas.openxmlformats.org/markup-compatibility/2006" xmlns:mv="urn:schemas-microsoft-com:mac:vml" xmlns:p="http://schemas.openxmlformats.org/presentationml/2006/main" xmlns:c="http://schemas.openxmlformats.org/drawingml/2006/chart" xmlns:dgm="http://schemas.openxmlformats.org/drawingml/2006/diagram" xmlns:o="urn:schemas-microsoft-com:office:office" xmlns:v="urn:schemas-microsoft-com:vml" xmlns:pvml="urn:schemas-microsoft-com:office:powerpoint" xmlns:com="http://schemas.openxmlformats.org/drawingml/2006/compatibility" xmlns:p14="http://schemas.microsoft.com/office/powerpoint/2010/main" xmlns:p15="http://schemas.microsoft.com/office/powerpoint/2012/main" xmlns:ahyp="http://schemas.microsoft.com/office/drawing/2018/hyperlinkcolor" matchingName="Big number">
+<p:sldLayout xmlns:a="http://schemas.openxmlformats.org/drawingml/2006/main" xmlns:r="http://schemas.openxmlformats.org/officeDocument/2006/relationships" xmlns:p="http://schemas.openxmlformats.org/presentationml/2006/main" matchingName="Big number">
   <p:cSld name="BIG_NUMBER">
     <p:bg>
       <p:bgPr>
         <a:solidFill>
           <a:schemeClr val="dk1"/>
         </a:solidFill>
+        <a:effectLst/>
       </p:bgPr>
     </p:bg>
     <p:spTree>
       <p:nvGrpSpPr>
-        <p:cNvPr id="69" name="Shape 69"/>
+        <p:cNvPr id="1" name="Shape 69"/>
         <p:cNvGrpSpPr/>
         <p:nvPr/>
       </p:nvGrpSpPr>
@@ -2896,12 +3030,12 @@
             </a:ln>
           </p:spPr>
           <p:txBody>
-            <a:bodyPr anchorCtr="0" anchor="ctr" bIns="91425" lIns="91425" spcFirstLastPara="1" rIns="91425" wrap="square" tIns="91425">
+            <a:bodyPr spcFirstLastPara="1" wrap="square" lIns="91425" tIns="91425" rIns="91425" bIns="91425" anchor="ctr" anchorCtr="0">
               <a:noAutofit/>
             </a:bodyPr>
             <a:lstStyle/>
             <a:p>
-              <a:pPr indent="0" lvl="0" marL="0" rtl="0" algn="l">
+              <a:pPr marL="0" lvl="0" indent="0" algn="l" rtl="0">
                 <a:spcBef>
                   <a:spcPts val="0"/>
                 </a:spcBef>
@@ -2910,9 +3044,6 @@
                 </a:spcAft>
                 <a:buNone/>
               </a:pPr>
-              <a:r>
-                <a:t/>
-              </a:r>
               <a:endParaRPr/>
             </a:p>
           </p:txBody>
@@ -2939,12 +3070,12 @@
             </a:ln>
           </p:spPr>
           <p:txBody>
-            <a:bodyPr anchorCtr="0" anchor="ctr" bIns="91425" lIns="91425" spcFirstLastPara="1" rIns="91425" wrap="square" tIns="91425">
+            <a:bodyPr spcFirstLastPara="1" wrap="square" lIns="91425" tIns="91425" rIns="91425" bIns="91425" anchor="ctr" anchorCtr="0">
               <a:noAutofit/>
             </a:bodyPr>
             <a:lstStyle/>
             <a:p>
-              <a:pPr indent="0" lvl="0" marL="0" rtl="0" algn="l">
+              <a:pPr marL="0" lvl="0" indent="0" algn="l" rtl="0">
                 <a:spcBef>
                   <a:spcPts val="0"/>
                 </a:spcBef>
@@ -2953,9 +3084,6 @@
                 </a:spcAft>
                 <a:buNone/>
               </a:pPr>
-              <a:r>
-                <a:t/>
-              </a:r>
               <a:endParaRPr/>
             </a:p>
           </p:txBody>
@@ -2967,7 +3095,7 @@
             <p:nvPr/>
           </p:nvSpPr>
           <p:spPr>
-            <a:xfrm flipH="1" rot="10800000">
+            <a:xfrm rot="10800000" flipH="1">
               <a:off x="7113588" y="107"/>
               <a:ext cx="1015200" cy="1015200"/>
             </a:xfrm>
@@ -2982,12 +3110,12 @@
             </a:ln>
           </p:spPr>
           <p:txBody>
-            <a:bodyPr anchorCtr="0" anchor="ctr" bIns="91425" lIns="91425" spcFirstLastPara="1" rIns="91425" wrap="square" tIns="91425">
+            <a:bodyPr spcFirstLastPara="1" wrap="square" lIns="91425" tIns="91425" rIns="91425" bIns="91425" anchor="ctr" anchorCtr="0">
               <a:noAutofit/>
             </a:bodyPr>
             <a:lstStyle/>
             <a:p>
-              <a:pPr indent="0" lvl="0" marL="0" rtl="0" algn="l">
+              <a:pPr marL="0" lvl="0" indent="0" algn="l" rtl="0">
                 <a:spcBef>
                   <a:spcPts val="0"/>
                 </a:spcBef>
@@ -2996,9 +3124,6 @@
                 </a:spcAft>
                 <a:buNone/>
               </a:pPr>
-              <a:r>
-                <a:t/>
-              </a:r>
               <a:endParaRPr/>
             </a:p>
           </p:txBody>
@@ -3025,12 +3150,12 @@
             </a:ln>
           </p:spPr>
           <p:txBody>
-            <a:bodyPr anchorCtr="0" anchor="ctr" bIns="91425" lIns="91425" spcFirstLastPara="1" rIns="91425" wrap="square" tIns="91425">
+            <a:bodyPr spcFirstLastPara="1" wrap="square" lIns="91425" tIns="91425" rIns="91425" bIns="91425" anchor="ctr" anchorCtr="0">
               <a:noAutofit/>
             </a:bodyPr>
             <a:lstStyle/>
             <a:p>
-              <a:pPr indent="0" lvl="0" marL="0" rtl="0" algn="l">
+              <a:pPr marL="0" lvl="0" indent="0" algn="l" rtl="0">
                 <a:spcBef>
                   <a:spcPts val="0"/>
                 </a:spcBef>
@@ -3039,9 +3164,6 @@
                 </a:spcAft>
                 <a:buNone/>
               </a:pPr>
-              <a:r>
-                <a:t/>
-              </a:r>
               <a:endParaRPr/>
             </a:p>
           </p:txBody>
@@ -3068,12 +3190,12 @@
             </a:ln>
           </p:spPr>
           <p:txBody>
-            <a:bodyPr anchorCtr="0" anchor="ctr" bIns="91425" lIns="91425" spcFirstLastPara="1" rIns="91425" wrap="square" tIns="91425">
+            <a:bodyPr spcFirstLastPara="1" wrap="square" lIns="91425" tIns="91425" rIns="91425" bIns="91425" anchor="ctr" anchorCtr="0">
               <a:noAutofit/>
             </a:bodyPr>
             <a:lstStyle/>
             <a:p>
-              <a:pPr indent="0" lvl="0" marL="0" rtl="0" algn="l">
+              <a:pPr marL="0" lvl="0" indent="0" algn="l" rtl="0">
                 <a:spcBef>
                   <a:spcPts val="0"/>
                 </a:spcBef>
@@ -3082,9 +3204,6 @@
                 </a:spcAft>
                 <a:buNone/>
               </a:pPr>
-              <a:r>
-                <a:t/>
-              </a:r>
               <a:endParaRPr/>
             </a:p>
           </p:txBody>
@@ -3093,9 +3212,11 @@
       <p:sp>
         <p:nvSpPr>
           <p:cNvPr id="76" name="Google Shape;76;p11"/>
-          <p:cNvSpPr txBox="1"/>
+          <p:cNvSpPr txBox="1">
+            <a:spLocks noGrp="1"/>
+          </p:cNvSpPr>
           <p:nvPr>
-            <p:ph hasCustomPrompt="1" type="title"/>
+            <p:ph type="title" hasCustomPrompt="1"/>
           </p:nvPr>
         </p:nvSpPr>
         <p:spPr>
@@ -3108,7 +3229,7 @@
           </a:prstGeom>
         </p:spPr>
         <p:txBody>
-          <a:bodyPr anchorCtr="0" anchor="b" bIns="91425" lIns="91425" spcFirstLastPara="1" rIns="91425" wrap="square" tIns="91425">
+          <a:bodyPr spcFirstLastPara="1" wrap="square" lIns="91425" tIns="91425" rIns="91425" bIns="91425" anchor="b" anchorCtr="0">
             <a:noAutofit/>
           </a:bodyPr>
           <a:lstStyle>
@@ -3285,9 +3406,11 @@
       <p:sp>
         <p:nvSpPr>
           <p:cNvPr id="77" name="Google Shape;77;p11"/>
-          <p:cNvSpPr txBox="1"/>
+          <p:cNvSpPr txBox="1">
+            <a:spLocks noGrp="1"/>
+          </p:cNvSpPr>
           <p:nvPr>
-            <p:ph idx="1" type="body"/>
+            <p:ph type="body" idx="1"/>
           </p:nvPr>
         </p:nvSpPr>
         <p:spPr>
@@ -3300,11 +3423,11 @@
           </a:prstGeom>
         </p:spPr>
         <p:txBody>
-          <a:bodyPr anchorCtr="0" anchor="t" bIns="91425" lIns="91425" spcFirstLastPara="1" rIns="91425" wrap="square" tIns="91425">
+          <a:bodyPr spcFirstLastPara="1" wrap="square" lIns="91425" tIns="91425" rIns="91425" bIns="91425" anchor="t" anchorCtr="0">
             <a:noAutofit/>
           </a:bodyPr>
           <a:lstStyle>
-            <a:lvl1pPr indent="-342900" lvl="0" marL="457200" algn="ctr">
+            <a:lvl1pPr marL="457200" lvl="0" indent="-342900" algn="ctr">
               <a:spcBef>
                 <a:spcPts val="0"/>
               </a:spcBef>
@@ -3322,7 +3445,7 @@
                 </a:solidFill>
               </a:defRPr>
             </a:lvl1pPr>
-            <a:lvl2pPr indent="-317500" lvl="1" marL="914400" algn="ctr">
+            <a:lvl2pPr marL="914400" lvl="1" indent="-317500" algn="ctr">
               <a:spcBef>
                 <a:spcPts val="1600"/>
               </a:spcBef>
@@ -3340,7 +3463,7 @@
                 </a:solidFill>
               </a:defRPr>
             </a:lvl2pPr>
-            <a:lvl3pPr indent="-317500" lvl="2" marL="1371600" algn="ctr">
+            <a:lvl3pPr marL="1371600" lvl="2" indent="-317500" algn="ctr">
               <a:spcBef>
                 <a:spcPts val="1600"/>
               </a:spcBef>
@@ -3358,7 +3481,7 @@
                 </a:solidFill>
               </a:defRPr>
             </a:lvl3pPr>
-            <a:lvl4pPr indent="-317500" lvl="3" marL="1828800" algn="ctr">
+            <a:lvl4pPr marL="1828800" lvl="3" indent="-317500" algn="ctr">
               <a:spcBef>
                 <a:spcPts val="1600"/>
               </a:spcBef>
@@ -3376,7 +3499,7 @@
                 </a:solidFill>
               </a:defRPr>
             </a:lvl4pPr>
-            <a:lvl5pPr indent="-317500" lvl="4" marL="2286000" algn="ctr">
+            <a:lvl5pPr marL="2286000" lvl="4" indent="-317500" algn="ctr">
               <a:spcBef>
                 <a:spcPts val="1600"/>
               </a:spcBef>
@@ -3394,7 +3517,7 @@
                 </a:solidFill>
               </a:defRPr>
             </a:lvl5pPr>
-            <a:lvl6pPr indent="-317500" lvl="5" marL="2743200" algn="ctr">
+            <a:lvl6pPr marL="2743200" lvl="5" indent="-317500" algn="ctr">
               <a:spcBef>
                 <a:spcPts val="1600"/>
               </a:spcBef>
@@ -3412,7 +3535,7 @@
                 </a:solidFill>
               </a:defRPr>
             </a:lvl6pPr>
-            <a:lvl7pPr indent="-317500" lvl="6" marL="3200400" algn="ctr">
+            <a:lvl7pPr marL="3200400" lvl="6" indent="-317500" algn="ctr">
               <a:spcBef>
                 <a:spcPts val="1600"/>
               </a:spcBef>
@@ -3430,7 +3553,7 @@
                 </a:solidFill>
               </a:defRPr>
             </a:lvl7pPr>
-            <a:lvl8pPr indent="-317500" lvl="7" marL="3657600" algn="ctr">
+            <a:lvl8pPr marL="3657600" lvl="7" indent="-317500" algn="ctr">
               <a:spcBef>
                 <a:spcPts val="1600"/>
               </a:spcBef>
@@ -3448,7 +3571,7 @@
                 </a:solidFill>
               </a:defRPr>
             </a:lvl8pPr>
-            <a:lvl9pPr indent="-317500" lvl="8" marL="4114800" algn="ctr">
+            <a:lvl9pPr marL="4114800" lvl="8" indent="-317500" algn="ctr">
               <a:spcBef>
                 <a:spcPts val="1600"/>
               </a:spcBef>
@@ -3467,15 +3590,19 @@
               </a:defRPr>
             </a:lvl9pPr>
           </a:lstStyle>
-          <a:p/>
+          <a:p>
+            <a:endParaRPr/>
+          </a:p>
         </p:txBody>
       </p:sp>
       <p:sp>
         <p:nvSpPr>
           <p:cNvPr id="78" name="Google Shape;78;p11"/>
-          <p:cNvSpPr txBox="1"/>
+          <p:cNvSpPr txBox="1">
+            <a:spLocks noGrp="1"/>
+          </p:cNvSpPr>
           <p:nvPr>
-            <p:ph idx="12" type="sldNum"/>
+            <p:ph type="sldNum" idx="12"/>
           </p:nvPr>
         </p:nvSpPr>
         <p:spPr>
@@ -3488,7 +3615,7 @@
           </a:prstGeom>
         </p:spPr>
         <p:txBody>
-          <a:bodyPr anchorCtr="0" anchor="ctr" bIns="91425" lIns="91425" spcFirstLastPara="1" rIns="91425" wrap="square" tIns="91425">
+          <a:bodyPr spcFirstLastPara="1" wrap="square" lIns="91425" tIns="91425" rIns="91425" bIns="91425" anchor="ctr" anchorCtr="0">
             <a:noAutofit/>
           </a:bodyPr>
           <a:lstStyle>
@@ -3530,7 +3657,7 @@
             </a:lvl9pPr>
           </a:lstStyle>
           <a:p>
-            <a:pPr indent="0" lvl="0" marL="0" rtl="0" algn="r">
+            <a:pPr marL="0" lvl="0" indent="0" algn="r" rtl="0">
               <a:spcBef>
                 <a:spcPts val="0"/>
               </a:spcBef>
@@ -3556,11 +3683,11 @@
 </file>
 
 <file path=ppt/slideLayouts/slideLayout11.xml><?xml version="1.0" encoding="utf-8"?>
-<p:sldLayout xmlns:a="http://schemas.openxmlformats.org/drawingml/2006/main" xmlns:r="http://schemas.openxmlformats.org/officeDocument/2006/relationships" xmlns:mc="http://schemas.openxmlformats.org/markup-compatibility/2006" xmlns:mv="urn:schemas-microsoft-com:mac:vml" xmlns:p="http://schemas.openxmlformats.org/presentationml/2006/main" xmlns:c="http://schemas.openxmlformats.org/drawingml/2006/chart" xmlns:dgm="http://schemas.openxmlformats.org/drawingml/2006/diagram" xmlns:o="urn:schemas-microsoft-com:office:office" xmlns:v="urn:schemas-microsoft-com:vml" xmlns:pvml="urn:schemas-microsoft-com:office:powerpoint" xmlns:com="http://schemas.openxmlformats.org/drawingml/2006/compatibility" xmlns:p14="http://schemas.microsoft.com/office/powerpoint/2010/main" xmlns:p15="http://schemas.microsoft.com/office/powerpoint/2012/main" xmlns:ahyp="http://schemas.microsoft.com/office/drawing/2018/hyperlinkcolor" matchingName="Blank" type="blank">
+<p:sldLayout xmlns:a="http://schemas.openxmlformats.org/drawingml/2006/main" xmlns:r="http://schemas.openxmlformats.org/officeDocument/2006/relationships" xmlns:p="http://schemas.openxmlformats.org/presentationml/2006/main" matchingName="Blank" type="blank">
   <p:cSld name="BLANK">
     <p:spTree>
       <p:nvGrpSpPr>
-        <p:cNvPr id="79" name="Shape 79"/>
+        <p:cNvPr id="1" name="Shape 79"/>
         <p:cNvGrpSpPr/>
         <p:nvPr/>
       </p:nvGrpSpPr>
@@ -3575,9 +3702,11 @@
       <p:sp>
         <p:nvSpPr>
           <p:cNvPr id="80" name="Google Shape;80;p12"/>
-          <p:cNvSpPr txBox="1"/>
+          <p:cNvSpPr txBox="1">
+            <a:spLocks noGrp="1"/>
+          </p:cNvSpPr>
           <p:nvPr>
-            <p:ph idx="12" type="sldNum"/>
+            <p:ph type="sldNum" idx="12"/>
           </p:nvPr>
         </p:nvSpPr>
         <p:spPr>
@@ -3590,7 +3719,7 @@
           </a:prstGeom>
         </p:spPr>
         <p:txBody>
-          <a:bodyPr anchorCtr="0" anchor="ctr" bIns="91425" lIns="91425" spcFirstLastPara="1" rIns="91425" wrap="square" tIns="91425">
+          <a:bodyPr spcFirstLastPara="1" wrap="square" lIns="91425" tIns="91425" rIns="91425" bIns="91425" anchor="ctr" anchorCtr="0">
             <a:noAutofit/>
           </a:bodyPr>
           <a:lstStyle>
@@ -3668,7 +3797,7 @@
             </a:lvl9pPr>
           </a:lstStyle>
           <a:p>
-            <a:pPr indent="0" lvl="0" marL="0" rtl="0" algn="r">
+            <a:pPr marL="0" lvl="0" indent="0" algn="r" rtl="0">
               <a:spcBef>
                 <a:spcPts val="0"/>
               </a:spcBef>
@@ -3694,18 +3823,19 @@
 </file>
 
 <file path=ppt/slideLayouts/slideLayout2.xml><?xml version="1.0" encoding="utf-8"?>
-<p:sldLayout xmlns:a="http://schemas.openxmlformats.org/drawingml/2006/main" xmlns:r="http://schemas.openxmlformats.org/officeDocument/2006/relationships" xmlns:mc="http://schemas.openxmlformats.org/markup-compatibility/2006" xmlns:mv="urn:schemas-microsoft-com:mac:vml" xmlns:p="http://schemas.openxmlformats.org/presentationml/2006/main" xmlns:c="http://schemas.openxmlformats.org/drawingml/2006/chart" xmlns:dgm="http://schemas.openxmlformats.org/drawingml/2006/diagram" xmlns:o="urn:schemas-microsoft-com:office:office" xmlns:v="urn:schemas-microsoft-com:vml" xmlns:pvml="urn:schemas-microsoft-com:office:powerpoint" xmlns:com="http://schemas.openxmlformats.org/drawingml/2006/compatibility" xmlns:p14="http://schemas.microsoft.com/office/powerpoint/2010/main" xmlns:p15="http://schemas.microsoft.com/office/powerpoint/2012/main" xmlns:ahyp="http://schemas.microsoft.com/office/drawing/2018/hyperlinkcolor" matchingName="Section header" type="secHead">
+<p:sldLayout xmlns:a="http://schemas.openxmlformats.org/drawingml/2006/main" xmlns:r="http://schemas.openxmlformats.org/officeDocument/2006/relationships" xmlns:p="http://schemas.openxmlformats.org/presentationml/2006/main" matchingName="Section header" type="secHead">
   <p:cSld name="SECTION_HEADER">
     <p:bg>
       <p:bgPr>
         <a:solidFill>
           <a:schemeClr val="dk1"/>
         </a:solidFill>
+        <a:effectLst/>
       </p:bgPr>
     </p:bg>
     <p:spTree>
       <p:nvGrpSpPr>
-        <p:cNvPr id="19" name="Shape 19"/>
+        <p:cNvPr id="1" name="Shape 19"/>
         <p:cNvGrpSpPr/>
         <p:nvPr/>
       </p:nvGrpSpPr>
@@ -3753,12 +3883,12 @@
             </a:ln>
           </p:spPr>
           <p:txBody>
-            <a:bodyPr anchorCtr="0" anchor="ctr" bIns="91425" lIns="91425" spcFirstLastPara="1" rIns="91425" wrap="square" tIns="91425">
+            <a:bodyPr spcFirstLastPara="1" wrap="square" lIns="91425" tIns="91425" rIns="91425" bIns="91425" anchor="ctr" anchorCtr="0">
               <a:noAutofit/>
             </a:bodyPr>
             <a:lstStyle/>
             <a:p>
-              <a:pPr indent="0" lvl="0" marL="0" rtl="0" algn="l">
+              <a:pPr marL="0" lvl="0" indent="0" algn="l" rtl="0">
                 <a:spcBef>
                   <a:spcPts val="0"/>
                 </a:spcBef>
@@ -3767,9 +3897,6 @@
                 </a:spcAft>
                 <a:buNone/>
               </a:pPr>
-              <a:r>
-                <a:t/>
-              </a:r>
               <a:endParaRPr/>
             </a:p>
           </p:txBody>
@@ -3796,12 +3923,12 @@
             </a:ln>
           </p:spPr>
           <p:txBody>
-            <a:bodyPr anchorCtr="0" anchor="ctr" bIns="91425" lIns="91425" spcFirstLastPara="1" rIns="91425" wrap="square" tIns="91425">
+            <a:bodyPr spcFirstLastPara="1" wrap="square" lIns="91425" tIns="91425" rIns="91425" bIns="91425" anchor="ctr" anchorCtr="0">
               <a:noAutofit/>
             </a:bodyPr>
             <a:lstStyle/>
             <a:p>
-              <a:pPr indent="0" lvl="0" marL="0" rtl="0" algn="l">
+              <a:pPr marL="0" lvl="0" indent="0" algn="l" rtl="0">
                 <a:spcBef>
                   <a:spcPts val="0"/>
                 </a:spcBef>
@@ -3810,9 +3937,6 @@
                 </a:spcAft>
                 <a:buNone/>
               </a:pPr>
-              <a:r>
-                <a:t/>
-              </a:r>
               <a:endParaRPr/>
             </a:p>
           </p:txBody>
@@ -3824,7 +3948,7 @@
             <p:nvPr/>
           </p:nvSpPr>
           <p:spPr>
-            <a:xfrm flipH="1" rot="10800000">
+            <a:xfrm rot="10800000" flipH="1">
               <a:off x="7113588" y="107"/>
               <a:ext cx="1015200" cy="1015200"/>
             </a:xfrm>
@@ -3839,12 +3963,12 @@
             </a:ln>
           </p:spPr>
           <p:txBody>
-            <a:bodyPr anchorCtr="0" anchor="ctr" bIns="91425" lIns="91425" spcFirstLastPara="1" rIns="91425" wrap="square" tIns="91425">
+            <a:bodyPr spcFirstLastPara="1" wrap="square" lIns="91425" tIns="91425" rIns="91425" bIns="91425" anchor="ctr" anchorCtr="0">
               <a:noAutofit/>
             </a:bodyPr>
             <a:lstStyle/>
             <a:p>
-              <a:pPr indent="0" lvl="0" marL="0" rtl="0" algn="l">
+              <a:pPr marL="0" lvl="0" indent="0" algn="l" rtl="0">
                 <a:spcBef>
                   <a:spcPts val="0"/>
                 </a:spcBef>
@@ -3853,9 +3977,6 @@
                 </a:spcAft>
                 <a:buNone/>
               </a:pPr>
-              <a:r>
-                <a:t/>
-              </a:r>
               <a:endParaRPr/>
             </a:p>
           </p:txBody>
@@ -3882,12 +4003,12 @@
             </a:ln>
           </p:spPr>
           <p:txBody>
-            <a:bodyPr anchorCtr="0" anchor="ctr" bIns="91425" lIns="91425" spcFirstLastPara="1" rIns="91425" wrap="square" tIns="91425">
+            <a:bodyPr spcFirstLastPara="1" wrap="square" lIns="91425" tIns="91425" rIns="91425" bIns="91425" anchor="ctr" anchorCtr="0">
               <a:noAutofit/>
             </a:bodyPr>
             <a:lstStyle/>
             <a:p>
-              <a:pPr indent="0" lvl="0" marL="0" rtl="0" algn="l">
+              <a:pPr marL="0" lvl="0" indent="0" algn="l" rtl="0">
                 <a:spcBef>
                   <a:spcPts val="0"/>
                 </a:spcBef>
@@ -3896,9 +4017,6 @@
                 </a:spcAft>
                 <a:buNone/>
               </a:pPr>
-              <a:r>
-                <a:t/>
-              </a:r>
               <a:endParaRPr/>
             </a:p>
           </p:txBody>
@@ -3925,12 +4043,12 @@
             </a:ln>
           </p:spPr>
           <p:txBody>
-            <a:bodyPr anchorCtr="0" anchor="ctr" bIns="91425" lIns="91425" spcFirstLastPara="1" rIns="91425" wrap="square" tIns="91425">
+            <a:bodyPr spcFirstLastPara="1" wrap="square" lIns="91425" tIns="91425" rIns="91425" bIns="91425" anchor="ctr" anchorCtr="0">
               <a:noAutofit/>
             </a:bodyPr>
             <a:lstStyle/>
             <a:p>
-              <a:pPr indent="0" lvl="0" marL="0" rtl="0" algn="l">
+              <a:pPr marL="0" lvl="0" indent="0" algn="l" rtl="0">
                 <a:spcBef>
                   <a:spcPts val="0"/>
                 </a:spcBef>
@@ -3939,9 +4057,6 @@
                 </a:spcAft>
                 <a:buNone/>
               </a:pPr>
-              <a:r>
-                <a:t/>
-              </a:r>
               <a:endParaRPr/>
             </a:p>
           </p:txBody>
@@ -3950,7 +4065,9 @@
       <p:sp>
         <p:nvSpPr>
           <p:cNvPr id="26" name="Google Shape;26;p3"/>
-          <p:cNvSpPr txBox="1"/>
+          <p:cNvSpPr txBox="1">
+            <a:spLocks noGrp="1"/>
+          </p:cNvSpPr>
           <p:nvPr>
             <p:ph type="title"/>
           </p:nvPr>
@@ -3965,7 +4082,7 @@
           </a:prstGeom>
         </p:spPr>
         <p:txBody>
-          <a:bodyPr anchorCtr="0" anchor="ctr" bIns="91425" lIns="91425" spcFirstLastPara="1" rIns="91425" wrap="square" tIns="91425">
+          <a:bodyPr spcFirstLastPara="1" wrap="square" lIns="91425" tIns="91425" rIns="91425" bIns="91425" anchor="ctr" anchorCtr="0">
             <a:noAutofit/>
           </a:bodyPr>
           <a:lstStyle>
@@ -4132,15 +4249,19 @@
               </a:defRPr>
             </a:lvl9pPr>
           </a:lstStyle>
-          <a:p/>
+          <a:p>
+            <a:endParaRPr/>
+          </a:p>
         </p:txBody>
       </p:sp>
       <p:sp>
         <p:nvSpPr>
           <p:cNvPr id="27" name="Google Shape;27;p3"/>
-          <p:cNvSpPr txBox="1"/>
+          <p:cNvSpPr txBox="1">
+            <a:spLocks noGrp="1"/>
+          </p:cNvSpPr>
           <p:nvPr>
-            <p:ph idx="12" type="sldNum"/>
+            <p:ph type="sldNum" idx="12"/>
           </p:nvPr>
         </p:nvSpPr>
         <p:spPr>
@@ -4153,7 +4274,7 @@
           </a:prstGeom>
         </p:spPr>
         <p:txBody>
-          <a:bodyPr anchorCtr="0" anchor="ctr" bIns="91425" lIns="91425" spcFirstLastPara="1" rIns="91425" wrap="square" tIns="91425">
+          <a:bodyPr spcFirstLastPara="1" wrap="square" lIns="91425" tIns="91425" rIns="91425" bIns="91425" anchor="ctr" anchorCtr="0">
             <a:noAutofit/>
           </a:bodyPr>
           <a:lstStyle>
@@ -4195,7 +4316,7 @@
             </a:lvl9pPr>
           </a:lstStyle>
           <a:p>
-            <a:pPr indent="0" lvl="0" marL="0" rtl="0" algn="r">
+            <a:pPr marL="0" lvl="0" indent="0" algn="r" rtl="0">
               <a:spcBef>
                 <a:spcPts val="0"/>
               </a:spcBef>
@@ -4221,11 +4342,11 @@
 </file>
 
 <file path=ppt/slideLayouts/slideLayout3.xml><?xml version="1.0" encoding="utf-8"?>
-<p:sldLayout xmlns:a="http://schemas.openxmlformats.org/drawingml/2006/main" xmlns:r="http://schemas.openxmlformats.org/officeDocument/2006/relationships" xmlns:mc="http://schemas.openxmlformats.org/markup-compatibility/2006" xmlns:mv="urn:schemas-microsoft-com:mac:vml" xmlns:p="http://schemas.openxmlformats.org/presentationml/2006/main" xmlns:c="http://schemas.openxmlformats.org/drawingml/2006/chart" xmlns:dgm="http://schemas.openxmlformats.org/drawingml/2006/diagram" xmlns:o="urn:schemas-microsoft-com:office:office" xmlns:v="urn:schemas-microsoft-com:vml" xmlns:pvml="urn:schemas-microsoft-com:office:powerpoint" xmlns:com="http://schemas.openxmlformats.org/drawingml/2006/compatibility" xmlns:p14="http://schemas.microsoft.com/office/powerpoint/2010/main" xmlns:p15="http://schemas.microsoft.com/office/powerpoint/2012/main" xmlns:ahyp="http://schemas.microsoft.com/office/drawing/2018/hyperlinkcolor" matchingName="Title and body" type="tx">
+<p:sldLayout xmlns:a="http://schemas.openxmlformats.org/drawingml/2006/main" xmlns:r="http://schemas.openxmlformats.org/officeDocument/2006/relationships" xmlns:p="http://schemas.openxmlformats.org/presentationml/2006/main" matchingName="Title and body" type="tx">
   <p:cSld name="TITLE_AND_BODY">
     <p:spTree>
       <p:nvGrpSpPr>
-        <p:cNvPr id="28" name="Shape 28"/>
+        <p:cNvPr id="1" name="Shape 28"/>
         <p:cNvGrpSpPr/>
         <p:nvPr/>
       </p:nvGrpSpPr>
@@ -4273,12 +4394,12 @@
             </a:ln>
           </p:spPr>
           <p:txBody>
-            <a:bodyPr anchorCtr="0" anchor="ctr" bIns="91425" lIns="91425" spcFirstLastPara="1" rIns="91425" wrap="square" tIns="91425">
+            <a:bodyPr spcFirstLastPara="1" wrap="square" lIns="91425" tIns="91425" rIns="91425" bIns="91425" anchor="ctr" anchorCtr="0">
               <a:noAutofit/>
             </a:bodyPr>
             <a:lstStyle/>
             <a:p>
-              <a:pPr indent="0" lvl="0" marL="0" rtl="0" algn="l">
+              <a:pPr marL="0" lvl="0" indent="0" algn="l" rtl="0">
                 <a:spcBef>
                   <a:spcPts val="0"/>
                 </a:spcBef>
@@ -4287,9 +4408,6 @@
                 </a:spcAft>
                 <a:buNone/>
               </a:pPr>
-              <a:r>
-                <a:t/>
-              </a:r>
               <a:endParaRPr/>
             </a:p>
           </p:txBody>
@@ -4316,12 +4434,12 @@
             </a:ln>
           </p:spPr>
           <p:txBody>
-            <a:bodyPr anchorCtr="0" anchor="ctr" bIns="91425" lIns="91425" spcFirstLastPara="1" rIns="91425" wrap="square" tIns="91425">
+            <a:bodyPr spcFirstLastPara="1" wrap="square" lIns="91425" tIns="91425" rIns="91425" bIns="91425" anchor="ctr" anchorCtr="0">
               <a:noAutofit/>
             </a:bodyPr>
             <a:lstStyle/>
             <a:p>
-              <a:pPr indent="0" lvl="0" marL="0" rtl="0" algn="l">
+              <a:pPr marL="0" lvl="0" indent="0" algn="l" rtl="0">
                 <a:spcBef>
                   <a:spcPts val="0"/>
                 </a:spcBef>
@@ -4330,9 +4448,6 @@
                 </a:spcAft>
                 <a:buNone/>
               </a:pPr>
-              <a:r>
-                <a:t/>
-              </a:r>
               <a:endParaRPr/>
             </a:p>
           </p:txBody>
@@ -4359,12 +4474,12 @@
             </a:ln>
           </p:spPr>
           <p:txBody>
-            <a:bodyPr anchorCtr="0" anchor="ctr" bIns="91425" lIns="91425" spcFirstLastPara="1" rIns="91425" wrap="square" tIns="91425">
+            <a:bodyPr spcFirstLastPara="1" wrap="square" lIns="91425" tIns="91425" rIns="91425" bIns="91425" anchor="ctr" anchorCtr="0">
               <a:noAutofit/>
             </a:bodyPr>
             <a:lstStyle/>
             <a:p>
-              <a:pPr indent="0" lvl="0" marL="0" rtl="0" algn="l">
+              <a:pPr marL="0" lvl="0" indent="0" algn="l" rtl="0">
                 <a:spcBef>
                   <a:spcPts val="0"/>
                 </a:spcBef>
@@ -4373,9 +4488,6 @@
                 </a:spcAft>
                 <a:buNone/>
               </a:pPr>
-              <a:r>
-                <a:t/>
-              </a:r>
               <a:endParaRPr/>
             </a:p>
           </p:txBody>
@@ -4402,12 +4514,12 @@
             </a:ln>
           </p:spPr>
           <p:txBody>
-            <a:bodyPr anchorCtr="0" anchor="ctr" bIns="91425" lIns="91425" spcFirstLastPara="1" rIns="91425" wrap="square" tIns="91425">
+            <a:bodyPr spcFirstLastPara="1" wrap="square" lIns="91425" tIns="91425" rIns="91425" bIns="91425" anchor="ctr" anchorCtr="0">
               <a:noAutofit/>
             </a:bodyPr>
             <a:lstStyle/>
             <a:p>
-              <a:pPr indent="0" lvl="0" marL="0" rtl="0" algn="l">
+              <a:pPr marL="0" lvl="0" indent="0" algn="l" rtl="0">
                 <a:spcBef>
                   <a:spcPts val="0"/>
                 </a:spcBef>
@@ -4416,9 +4528,6 @@
                 </a:spcAft>
                 <a:buNone/>
               </a:pPr>
-              <a:r>
-                <a:t/>
-              </a:r>
               <a:endParaRPr/>
             </a:p>
           </p:txBody>
@@ -4445,12 +4554,12 @@
             </a:ln>
           </p:spPr>
           <p:txBody>
-            <a:bodyPr anchorCtr="0" anchor="ctr" bIns="91425" lIns="91425" spcFirstLastPara="1" rIns="91425" wrap="square" tIns="91425">
+            <a:bodyPr spcFirstLastPara="1" wrap="square" lIns="91425" tIns="91425" rIns="91425" bIns="91425" anchor="ctr" anchorCtr="0">
               <a:noAutofit/>
             </a:bodyPr>
             <a:lstStyle/>
             <a:p>
-              <a:pPr indent="0" lvl="0" marL="0" rtl="0" algn="l">
+              <a:pPr marL="0" lvl="0" indent="0" algn="l" rtl="0">
                 <a:spcBef>
                   <a:spcPts val="0"/>
                 </a:spcBef>
@@ -4459,9 +4568,6 @@
                 </a:spcAft>
                 <a:buNone/>
               </a:pPr>
-              <a:r>
-                <a:t/>
-              </a:r>
               <a:endParaRPr/>
             </a:p>
           </p:txBody>
@@ -4470,7 +4576,9 @@
       <p:sp>
         <p:nvSpPr>
           <p:cNvPr id="35" name="Google Shape;35;p4"/>
-          <p:cNvSpPr txBox="1"/>
+          <p:cNvSpPr txBox="1">
+            <a:spLocks noGrp="1"/>
+          </p:cNvSpPr>
           <p:nvPr>
             <p:ph type="title"/>
           </p:nvPr>
@@ -4485,7 +4593,7 @@
           </a:prstGeom>
         </p:spPr>
         <p:txBody>
-          <a:bodyPr anchorCtr="0" anchor="t" bIns="91425" lIns="91425" spcFirstLastPara="1" rIns="91425" wrap="square" tIns="91425">
+          <a:bodyPr spcFirstLastPara="1" wrap="square" lIns="91425" tIns="91425" rIns="91425" bIns="91425" anchor="t" anchorCtr="0">
             <a:noAutofit/>
           </a:bodyPr>
           <a:lstStyle>
@@ -4589,15 +4697,19 @@
               <a:defRPr/>
             </a:lvl9pPr>
           </a:lstStyle>
-          <a:p/>
+          <a:p>
+            <a:endParaRPr/>
+          </a:p>
         </p:txBody>
       </p:sp>
       <p:sp>
         <p:nvSpPr>
           <p:cNvPr id="36" name="Google Shape;36;p4"/>
-          <p:cNvSpPr txBox="1"/>
+          <p:cNvSpPr txBox="1">
+            <a:spLocks noGrp="1"/>
+          </p:cNvSpPr>
           <p:nvPr>
-            <p:ph idx="1" type="body"/>
+            <p:ph type="body" idx="1"/>
           </p:nvPr>
         </p:nvSpPr>
         <p:spPr>
@@ -4610,11 +4722,11 @@
           </a:prstGeom>
         </p:spPr>
         <p:txBody>
-          <a:bodyPr anchorCtr="0" anchor="t" bIns="91425" lIns="91425" spcFirstLastPara="1" rIns="91425" wrap="square" tIns="91425">
+          <a:bodyPr spcFirstLastPara="1" wrap="square" lIns="91425" tIns="91425" rIns="91425" bIns="91425" anchor="t" anchorCtr="0">
             <a:noAutofit/>
           </a:bodyPr>
           <a:lstStyle>
-            <a:lvl1pPr indent="-342900" lvl="0" marL="457200">
+            <a:lvl1pPr marL="457200" lvl="0" indent="-342900">
               <a:spcBef>
                 <a:spcPts val="0"/>
               </a:spcBef>
@@ -4625,7 +4737,7 @@
               <a:buChar char="●"/>
               <a:defRPr/>
             </a:lvl1pPr>
-            <a:lvl2pPr indent="-317500" lvl="1" marL="914400">
+            <a:lvl2pPr marL="914400" lvl="1" indent="-317500">
               <a:spcBef>
                 <a:spcPts val="1600"/>
               </a:spcBef>
@@ -4636,7 +4748,7 @@
               <a:buChar char="○"/>
               <a:defRPr/>
             </a:lvl2pPr>
-            <a:lvl3pPr indent="-317500" lvl="2" marL="1371600">
+            <a:lvl3pPr marL="1371600" lvl="2" indent="-317500">
               <a:spcBef>
                 <a:spcPts val="1600"/>
               </a:spcBef>
@@ -4647,7 +4759,7 @@
               <a:buChar char="■"/>
               <a:defRPr/>
             </a:lvl3pPr>
-            <a:lvl4pPr indent="-317500" lvl="3" marL="1828800">
+            <a:lvl4pPr marL="1828800" lvl="3" indent="-317500">
               <a:spcBef>
                 <a:spcPts val="1600"/>
               </a:spcBef>
@@ -4658,7 +4770,7 @@
               <a:buChar char="●"/>
               <a:defRPr/>
             </a:lvl4pPr>
-            <a:lvl5pPr indent="-317500" lvl="4" marL="2286000">
+            <a:lvl5pPr marL="2286000" lvl="4" indent="-317500">
               <a:spcBef>
                 <a:spcPts val="1600"/>
               </a:spcBef>
@@ -4669,7 +4781,7 @@
               <a:buChar char="○"/>
               <a:defRPr/>
             </a:lvl5pPr>
-            <a:lvl6pPr indent="-317500" lvl="5" marL="2743200">
+            <a:lvl6pPr marL="2743200" lvl="5" indent="-317500">
               <a:spcBef>
                 <a:spcPts val="1600"/>
               </a:spcBef>
@@ -4680,7 +4792,7 @@
               <a:buChar char="■"/>
               <a:defRPr/>
             </a:lvl6pPr>
-            <a:lvl7pPr indent="-317500" lvl="6" marL="3200400">
+            <a:lvl7pPr marL="3200400" lvl="6" indent="-317500">
               <a:spcBef>
                 <a:spcPts val="1600"/>
               </a:spcBef>
@@ -4691,7 +4803,7 @@
               <a:buChar char="●"/>
               <a:defRPr/>
             </a:lvl7pPr>
-            <a:lvl8pPr indent="-317500" lvl="7" marL="3657600">
+            <a:lvl8pPr marL="3657600" lvl="7" indent="-317500">
               <a:spcBef>
                 <a:spcPts val="1600"/>
               </a:spcBef>
@@ -4702,7 +4814,7 @@
               <a:buChar char="○"/>
               <a:defRPr/>
             </a:lvl8pPr>
-            <a:lvl9pPr indent="-317500" lvl="8" marL="4114800">
+            <a:lvl9pPr marL="4114800" lvl="8" indent="-317500">
               <a:spcBef>
                 <a:spcPts val="1600"/>
               </a:spcBef>
@@ -4714,15 +4826,19 @@
               <a:defRPr/>
             </a:lvl9pPr>
           </a:lstStyle>
-          <a:p/>
+          <a:p>
+            <a:endParaRPr/>
+          </a:p>
         </p:txBody>
       </p:sp>
       <p:sp>
         <p:nvSpPr>
           <p:cNvPr id="37" name="Google Shape;37;p4"/>
-          <p:cNvSpPr txBox="1"/>
+          <p:cNvSpPr txBox="1">
+            <a:spLocks noGrp="1"/>
+          </p:cNvSpPr>
           <p:nvPr>
-            <p:ph idx="12" type="sldNum"/>
+            <p:ph type="sldNum" idx="12"/>
           </p:nvPr>
         </p:nvSpPr>
         <p:spPr>
@@ -4735,7 +4851,7 @@
           </a:prstGeom>
         </p:spPr>
         <p:txBody>
-          <a:bodyPr anchorCtr="0" anchor="ctr" bIns="91425" lIns="91425" spcFirstLastPara="1" rIns="91425" wrap="square" tIns="91425">
+          <a:bodyPr spcFirstLastPara="1" wrap="square" lIns="91425" tIns="91425" rIns="91425" bIns="91425" anchor="ctr" anchorCtr="0">
             <a:noAutofit/>
           </a:bodyPr>
           <a:lstStyle>
@@ -4777,7 +4893,7 @@
             </a:lvl9pPr>
           </a:lstStyle>
           <a:p>
-            <a:pPr indent="0" lvl="0" marL="0" rtl="0" algn="r">
+            <a:pPr marL="0" lvl="0" indent="0" algn="r" rtl="0">
               <a:spcBef>
                 <a:spcPts val="0"/>
               </a:spcBef>
@@ -4803,11 +4919,11 @@
 </file>
 
 <file path=ppt/slideLayouts/slideLayout4.xml><?xml version="1.0" encoding="utf-8"?>
-<p:sldLayout xmlns:a="http://schemas.openxmlformats.org/drawingml/2006/main" xmlns:r="http://schemas.openxmlformats.org/officeDocument/2006/relationships" xmlns:mc="http://schemas.openxmlformats.org/markup-compatibility/2006" xmlns:mv="urn:schemas-microsoft-com:mac:vml" xmlns:p="http://schemas.openxmlformats.org/presentationml/2006/main" xmlns:c="http://schemas.openxmlformats.org/drawingml/2006/chart" xmlns:dgm="http://schemas.openxmlformats.org/drawingml/2006/diagram" xmlns:o="urn:schemas-microsoft-com:office:office" xmlns:v="urn:schemas-microsoft-com:vml" xmlns:pvml="urn:schemas-microsoft-com:office:powerpoint" xmlns:com="http://schemas.openxmlformats.org/drawingml/2006/compatibility" xmlns:p14="http://schemas.microsoft.com/office/powerpoint/2010/main" xmlns:p15="http://schemas.microsoft.com/office/powerpoint/2012/main" xmlns:ahyp="http://schemas.microsoft.com/office/drawing/2018/hyperlinkcolor" matchingName="Title and two columns" type="twoColTx">
+<p:sldLayout xmlns:a="http://schemas.openxmlformats.org/drawingml/2006/main" xmlns:r="http://schemas.openxmlformats.org/officeDocument/2006/relationships" xmlns:p="http://schemas.openxmlformats.org/presentationml/2006/main" matchingName="Title and two columns" type="twoColTx">
   <p:cSld name="TITLE_AND_TWO_COLUMNS">
     <p:spTree>
       <p:nvGrpSpPr>
-        <p:cNvPr id="38" name="Shape 38"/>
+        <p:cNvPr id="1" name="Shape 38"/>
         <p:cNvGrpSpPr/>
         <p:nvPr/>
       </p:nvGrpSpPr>
@@ -4822,7 +4938,9 @@
       <p:sp>
         <p:nvSpPr>
           <p:cNvPr id="39" name="Google Shape;39;p5"/>
-          <p:cNvSpPr txBox="1"/>
+          <p:cNvSpPr txBox="1">
+            <a:spLocks noGrp="1"/>
+          </p:cNvSpPr>
           <p:nvPr>
             <p:ph type="title"/>
           </p:nvPr>
@@ -4837,7 +4955,7 @@
           </a:prstGeom>
         </p:spPr>
         <p:txBody>
-          <a:bodyPr anchorCtr="0" anchor="t" bIns="91425" lIns="91425" spcFirstLastPara="1" rIns="91425" wrap="square" tIns="91425">
+          <a:bodyPr spcFirstLastPara="1" wrap="square" lIns="91425" tIns="91425" rIns="91425" bIns="91425" anchor="t" anchorCtr="0">
             <a:noAutofit/>
           </a:bodyPr>
           <a:lstStyle>
@@ -4941,15 +5059,19 @@
               <a:defRPr/>
             </a:lvl9pPr>
           </a:lstStyle>
-          <a:p/>
+          <a:p>
+            <a:endParaRPr/>
+          </a:p>
         </p:txBody>
       </p:sp>
       <p:sp>
         <p:nvSpPr>
           <p:cNvPr id="40" name="Google Shape;40;p5"/>
-          <p:cNvSpPr txBox="1"/>
+          <p:cNvSpPr txBox="1">
+            <a:spLocks noGrp="1"/>
+          </p:cNvSpPr>
           <p:nvPr>
-            <p:ph idx="1" type="body"/>
+            <p:ph type="body" idx="1"/>
           </p:nvPr>
         </p:nvSpPr>
         <p:spPr>
@@ -4962,11 +5084,11 @@
           </a:prstGeom>
         </p:spPr>
         <p:txBody>
-          <a:bodyPr anchorCtr="0" anchor="t" bIns="91425" lIns="91425" spcFirstLastPara="1" rIns="91425" wrap="square" tIns="91425">
+          <a:bodyPr spcFirstLastPara="1" wrap="square" lIns="91425" tIns="91425" rIns="91425" bIns="91425" anchor="t" anchorCtr="0">
             <a:noAutofit/>
           </a:bodyPr>
           <a:lstStyle>
-            <a:lvl1pPr indent="-317500" lvl="0" marL="457200">
+            <a:lvl1pPr marL="457200" lvl="0" indent="-317500">
               <a:spcBef>
                 <a:spcPts val="0"/>
               </a:spcBef>
@@ -4977,7 +5099,7 @@
               <a:buChar char="●"/>
               <a:defRPr sz="1400"/>
             </a:lvl1pPr>
-            <a:lvl2pPr indent="-304800" lvl="1" marL="914400">
+            <a:lvl2pPr marL="914400" lvl="1" indent="-304800">
               <a:spcBef>
                 <a:spcPts val="1600"/>
               </a:spcBef>
@@ -4988,7 +5110,7 @@
               <a:buChar char="○"/>
               <a:defRPr sz="1200"/>
             </a:lvl2pPr>
-            <a:lvl3pPr indent="-304800" lvl="2" marL="1371600">
+            <a:lvl3pPr marL="1371600" lvl="2" indent="-304800">
               <a:spcBef>
                 <a:spcPts val="1600"/>
               </a:spcBef>
@@ -4999,7 +5121,7 @@
               <a:buChar char="■"/>
               <a:defRPr sz="1200"/>
             </a:lvl3pPr>
-            <a:lvl4pPr indent="-304800" lvl="3" marL="1828800">
+            <a:lvl4pPr marL="1828800" lvl="3" indent="-304800">
               <a:spcBef>
                 <a:spcPts val="1600"/>
               </a:spcBef>
@@ -5010,7 +5132,7 @@
               <a:buChar char="●"/>
               <a:defRPr sz="1200"/>
             </a:lvl4pPr>
-            <a:lvl5pPr indent="-304800" lvl="4" marL="2286000">
+            <a:lvl5pPr marL="2286000" lvl="4" indent="-304800">
               <a:spcBef>
                 <a:spcPts val="1600"/>
               </a:spcBef>
@@ -5021,7 +5143,7 @@
               <a:buChar char="○"/>
               <a:defRPr sz="1200"/>
             </a:lvl5pPr>
-            <a:lvl6pPr indent="-304800" lvl="5" marL="2743200">
+            <a:lvl6pPr marL="2743200" lvl="5" indent="-304800">
               <a:spcBef>
                 <a:spcPts val="1600"/>
               </a:spcBef>
@@ -5032,7 +5154,7 @@
               <a:buChar char="■"/>
               <a:defRPr sz="1200"/>
             </a:lvl6pPr>
-            <a:lvl7pPr indent="-304800" lvl="6" marL="3200400">
+            <a:lvl7pPr marL="3200400" lvl="6" indent="-304800">
               <a:spcBef>
                 <a:spcPts val="1600"/>
               </a:spcBef>
@@ -5043,7 +5165,7 @@
               <a:buChar char="●"/>
               <a:defRPr sz="1200"/>
             </a:lvl7pPr>
-            <a:lvl8pPr indent="-304800" lvl="7" marL="3657600">
+            <a:lvl8pPr marL="3657600" lvl="7" indent="-304800">
               <a:spcBef>
                 <a:spcPts val="1600"/>
               </a:spcBef>
@@ -5054,7 +5176,7 @@
               <a:buChar char="○"/>
               <a:defRPr sz="1200"/>
             </a:lvl8pPr>
-            <a:lvl9pPr indent="-304800" lvl="8" marL="4114800">
+            <a:lvl9pPr marL="4114800" lvl="8" indent="-304800">
               <a:spcBef>
                 <a:spcPts val="1600"/>
               </a:spcBef>
@@ -5066,15 +5188,19 @@
               <a:defRPr sz="1200"/>
             </a:lvl9pPr>
           </a:lstStyle>
-          <a:p/>
+          <a:p>
+            <a:endParaRPr/>
+          </a:p>
         </p:txBody>
       </p:sp>
       <p:sp>
         <p:nvSpPr>
           <p:cNvPr id="41" name="Google Shape;41;p5"/>
-          <p:cNvSpPr txBox="1"/>
+          <p:cNvSpPr txBox="1">
+            <a:spLocks noGrp="1"/>
+          </p:cNvSpPr>
           <p:nvPr>
-            <p:ph idx="2" type="body"/>
+            <p:ph type="body" idx="2"/>
           </p:nvPr>
         </p:nvSpPr>
         <p:spPr>
@@ -5087,11 +5213,11 @@
           </a:prstGeom>
         </p:spPr>
         <p:txBody>
-          <a:bodyPr anchorCtr="0" anchor="t" bIns="91425" lIns="91425" spcFirstLastPara="1" rIns="91425" wrap="square" tIns="91425">
+          <a:bodyPr spcFirstLastPara="1" wrap="square" lIns="91425" tIns="91425" rIns="91425" bIns="91425" anchor="t" anchorCtr="0">
             <a:noAutofit/>
           </a:bodyPr>
           <a:lstStyle>
-            <a:lvl1pPr indent="-317500" lvl="0" marL="457200">
+            <a:lvl1pPr marL="457200" lvl="0" indent="-317500">
               <a:spcBef>
                 <a:spcPts val="0"/>
               </a:spcBef>
@@ -5102,7 +5228,7 @@
               <a:buChar char="●"/>
               <a:defRPr sz="1400"/>
             </a:lvl1pPr>
-            <a:lvl2pPr indent="-304800" lvl="1" marL="914400">
+            <a:lvl2pPr marL="914400" lvl="1" indent="-304800">
               <a:spcBef>
                 <a:spcPts val="1600"/>
               </a:spcBef>
@@ -5113,7 +5239,7 @@
               <a:buChar char="○"/>
               <a:defRPr sz="1200"/>
             </a:lvl2pPr>
-            <a:lvl3pPr indent="-304800" lvl="2" marL="1371600">
+            <a:lvl3pPr marL="1371600" lvl="2" indent="-304800">
               <a:spcBef>
                 <a:spcPts val="1600"/>
               </a:spcBef>
@@ -5124,7 +5250,7 @@
               <a:buChar char="■"/>
               <a:defRPr sz="1200"/>
             </a:lvl3pPr>
-            <a:lvl4pPr indent="-304800" lvl="3" marL="1828800">
+            <a:lvl4pPr marL="1828800" lvl="3" indent="-304800">
               <a:spcBef>
                 <a:spcPts val="1600"/>
               </a:spcBef>
@@ -5135,7 +5261,7 @@
               <a:buChar char="●"/>
               <a:defRPr sz="1200"/>
             </a:lvl4pPr>
-            <a:lvl5pPr indent="-304800" lvl="4" marL="2286000">
+            <a:lvl5pPr marL="2286000" lvl="4" indent="-304800">
               <a:spcBef>
                 <a:spcPts val="1600"/>
               </a:spcBef>
@@ -5146,7 +5272,7 @@
               <a:buChar char="○"/>
               <a:defRPr sz="1200"/>
             </a:lvl5pPr>
-            <a:lvl6pPr indent="-304800" lvl="5" marL="2743200">
+            <a:lvl6pPr marL="2743200" lvl="5" indent="-304800">
               <a:spcBef>
                 <a:spcPts val="1600"/>
               </a:spcBef>
@@ -5157,7 +5283,7 @@
               <a:buChar char="■"/>
               <a:defRPr sz="1200"/>
             </a:lvl6pPr>
-            <a:lvl7pPr indent="-304800" lvl="6" marL="3200400">
+            <a:lvl7pPr marL="3200400" lvl="6" indent="-304800">
               <a:spcBef>
                 <a:spcPts val="1600"/>
               </a:spcBef>
@@ -5168,7 +5294,7 @@
               <a:buChar char="●"/>
               <a:defRPr sz="1200"/>
             </a:lvl7pPr>
-            <a:lvl8pPr indent="-304800" lvl="7" marL="3657600">
+            <a:lvl8pPr marL="3657600" lvl="7" indent="-304800">
               <a:spcBef>
                 <a:spcPts val="1600"/>
               </a:spcBef>
@@ -5179,7 +5305,7 @@
               <a:buChar char="○"/>
               <a:defRPr sz="1200"/>
             </a:lvl8pPr>
-            <a:lvl9pPr indent="-304800" lvl="8" marL="4114800">
+            <a:lvl9pPr marL="4114800" lvl="8" indent="-304800">
               <a:spcBef>
                 <a:spcPts val="1600"/>
               </a:spcBef>
@@ -5191,15 +5317,19 @@
               <a:defRPr sz="1200"/>
             </a:lvl9pPr>
           </a:lstStyle>
-          <a:p/>
+          <a:p>
+            <a:endParaRPr/>
+          </a:p>
         </p:txBody>
       </p:sp>
       <p:sp>
         <p:nvSpPr>
           <p:cNvPr id="42" name="Google Shape;42;p5"/>
-          <p:cNvSpPr txBox="1"/>
+          <p:cNvSpPr txBox="1">
+            <a:spLocks noGrp="1"/>
+          </p:cNvSpPr>
           <p:nvPr>
-            <p:ph idx="12" type="sldNum"/>
+            <p:ph type="sldNum" idx="12"/>
           </p:nvPr>
         </p:nvSpPr>
         <p:spPr>
@@ -5212,7 +5342,7 @@
           </a:prstGeom>
         </p:spPr>
         <p:txBody>
-          <a:bodyPr anchorCtr="0" anchor="ctr" bIns="91425" lIns="91425" spcFirstLastPara="1" rIns="91425" wrap="square" tIns="91425">
+          <a:bodyPr spcFirstLastPara="1" wrap="square" lIns="91425" tIns="91425" rIns="91425" bIns="91425" anchor="ctr" anchorCtr="0">
             <a:noAutofit/>
           </a:bodyPr>
           <a:lstStyle>
@@ -5290,7 +5420,7 @@
             </a:lvl9pPr>
           </a:lstStyle>
           <a:p>
-            <a:pPr indent="0" lvl="0" marL="0" rtl="0" algn="r">
+            <a:pPr marL="0" lvl="0" indent="0" algn="r" rtl="0">
               <a:spcBef>
                 <a:spcPts val="0"/>
               </a:spcBef>
@@ -5316,11 +5446,11 @@
 </file>
 
 <file path=ppt/slideLayouts/slideLayout5.xml><?xml version="1.0" encoding="utf-8"?>
-<p:sldLayout xmlns:a="http://schemas.openxmlformats.org/drawingml/2006/main" xmlns:r="http://schemas.openxmlformats.org/officeDocument/2006/relationships" xmlns:mc="http://schemas.openxmlformats.org/markup-compatibility/2006" xmlns:mv="urn:schemas-microsoft-com:mac:vml" xmlns:p="http://schemas.openxmlformats.org/presentationml/2006/main" xmlns:c="http://schemas.openxmlformats.org/drawingml/2006/chart" xmlns:dgm="http://schemas.openxmlformats.org/drawingml/2006/diagram" xmlns:o="urn:schemas-microsoft-com:office:office" xmlns:v="urn:schemas-microsoft-com:vml" xmlns:pvml="urn:schemas-microsoft-com:office:powerpoint" xmlns:com="http://schemas.openxmlformats.org/drawingml/2006/compatibility" xmlns:p14="http://schemas.microsoft.com/office/powerpoint/2010/main" xmlns:p15="http://schemas.microsoft.com/office/powerpoint/2012/main" xmlns:ahyp="http://schemas.microsoft.com/office/drawing/2018/hyperlinkcolor" matchingName="Title only" type="titleOnly">
+<p:sldLayout xmlns:a="http://schemas.openxmlformats.org/drawingml/2006/main" xmlns:r="http://schemas.openxmlformats.org/officeDocument/2006/relationships" xmlns:p="http://schemas.openxmlformats.org/presentationml/2006/main" matchingName="Title only" type="titleOnly">
   <p:cSld name="TITLE_ONLY">
     <p:spTree>
       <p:nvGrpSpPr>
-        <p:cNvPr id="43" name="Shape 43"/>
+        <p:cNvPr id="1" name="Shape 43"/>
         <p:cNvGrpSpPr/>
         <p:nvPr/>
       </p:nvGrpSpPr>
@@ -5335,7 +5465,9 @@
       <p:sp>
         <p:nvSpPr>
           <p:cNvPr id="44" name="Google Shape;44;p6"/>
-          <p:cNvSpPr txBox="1"/>
+          <p:cNvSpPr txBox="1">
+            <a:spLocks noGrp="1"/>
+          </p:cNvSpPr>
           <p:nvPr>
             <p:ph type="title"/>
           </p:nvPr>
@@ -5350,7 +5482,7 @@
           </a:prstGeom>
         </p:spPr>
         <p:txBody>
-          <a:bodyPr anchorCtr="0" anchor="t" bIns="91425" lIns="91425" spcFirstLastPara="1" rIns="91425" wrap="square" tIns="91425">
+          <a:bodyPr spcFirstLastPara="1" wrap="square" lIns="91425" tIns="91425" rIns="91425" bIns="91425" anchor="t" anchorCtr="0">
             <a:noAutofit/>
           </a:bodyPr>
           <a:lstStyle>
@@ -5454,15 +5586,19 @@
               <a:defRPr/>
             </a:lvl9pPr>
           </a:lstStyle>
-          <a:p/>
+          <a:p>
+            <a:endParaRPr/>
+          </a:p>
         </p:txBody>
       </p:sp>
       <p:sp>
         <p:nvSpPr>
           <p:cNvPr id="45" name="Google Shape;45;p6"/>
-          <p:cNvSpPr txBox="1"/>
+          <p:cNvSpPr txBox="1">
+            <a:spLocks noGrp="1"/>
+          </p:cNvSpPr>
           <p:nvPr>
-            <p:ph idx="12" type="sldNum"/>
+            <p:ph type="sldNum" idx="12"/>
           </p:nvPr>
         </p:nvSpPr>
         <p:spPr>
@@ -5475,7 +5611,7 @@
           </a:prstGeom>
         </p:spPr>
         <p:txBody>
-          <a:bodyPr anchorCtr="0" anchor="ctr" bIns="91425" lIns="91425" spcFirstLastPara="1" rIns="91425" wrap="square" tIns="91425">
+          <a:bodyPr spcFirstLastPara="1" wrap="square" lIns="91425" tIns="91425" rIns="91425" bIns="91425" anchor="ctr" anchorCtr="0">
             <a:noAutofit/>
           </a:bodyPr>
           <a:lstStyle>
@@ -5553,7 +5689,7 @@
             </a:lvl9pPr>
           </a:lstStyle>
           <a:p>
-            <a:pPr indent="0" lvl="0" marL="0" rtl="0" algn="r">
+            <a:pPr marL="0" lvl="0" indent="0" algn="r" rtl="0">
               <a:spcBef>
                 <a:spcPts val="0"/>
               </a:spcBef>
@@ -5579,11 +5715,11 @@
 </file>
 
 <file path=ppt/slideLayouts/slideLayout6.xml><?xml version="1.0" encoding="utf-8"?>
-<p:sldLayout xmlns:a="http://schemas.openxmlformats.org/drawingml/2006/main" xmlns:r="http://schemas.openxmlformats.org/officeDocument/2006/relationships" xmlns:mc="http://schemas.openxmlformats.org/markup-compatibility/2006" xmlns:mv="urn:schemas-microsoft-com:mac:vml" xmlns:p="http://schemas.openxmlformats.org/presentationml/2006/main" xmlns:c="http://schemas.openxmlformats.org/drawingml/2006/chart" xmlns:dgm="http://schemas.openxmlformats.org/drawingml/2006/diagram" xmlns:o="urn:schemas-microsoft-com:office:office" xmlns:v="urn:schemas-microsoft-com:vml" xmlns:pvml="urn:schemas-microsoft-com:office:powerpoint" xmlns:com="http://schemas.openxmlformats.org/drawingml/2006/compatibility" xmlns:p14="http://schemas.microsoft.com/office/powerpoint/2010/main" xmlns:p15="http://schemas.microsoft.com/office/powerpoint/2012/main" xmlns:ahyp="http://schemas.microsoft.com/office/drawing/2018/hyperlinkcolor" matchingName="One column text">
+<p:sldLayout xmlns:a="http://schemas.openxmlformats.org/drawingml/2006/main" xmlns:r="http://schemas.openxmlformats.org/officeDocument/2006/relationships" xmlns:p="http://schemas.openxmlformats.org/presentationml/2006/main" matchingName="One column text">
   <p:cSld name="ONE_COLUMN_TEXT">
     <p:spTree>
       <p:nvGrpSpPr>
-        <p:cNvPr id="46" name="Shape 46"/>
+        <p:cNvPr id="1" name="Shape 46"/>
         <p:cNvGrpSpPr/>
         <p:nvPr/>
       </p:nvGrpSpPr>
@@ -5598,7 +5734,9 @@
       <p:sp>
         <p:nvSpPr>
           <p:cNvPr id="47" name="Google Shape;47;p7"/>
-          <p:cNvSpPr txBox="1"/>
+          <p:cNvSpPr txBox="1">
+            <a:spLocks noGrp="1"/>
+          </p:cNvSpPr>
           <p:nvPr>
             <p:ph type="title"/>
           </p:nvPr>
@@ -5613,7 +5751,7 @@
           </a:prstGeom>
         </p:spPr>
         <p:txBody>
-          <a:bodyPr anchorCtr="0" anchor="b" bIns="91425" lIns="91425" spcFirstLastPara="1" rIns="91425" wrap="square" tIns="91425">
+          <a:bodyPr spcFirstLastPara="1" wrap="square" lIns="91425" tIns="91425" rIns="91425" bIns="91425" anchor="b" anchorCtr="0">
             <a:noAutofit/>
           </a:bodyPr>
           <a:lstStyle>
@@ -5717,15 +5855,19 @@
               <a:defRPr sz="2400"/>
             </a:lvl9pPr>
           </a:lstStyle>
-          <a:p/>
+          <a:p>
+            <a:endParaRPr/>
+          </a:p>
         </p:txBody>
       </p:sp>
       <p:sp>
         <p:nvSpPr>
           <p:cNvPr id="48" name="Google Shape;48;p7"/>
-          <p:cNvSpPr txBox="1"/>
+          <p:cNvSpPr txBox="1">
+            <a:spLocks noGrp="1"/>
+          </p:cNvSpPr>
           <p:nvPr>
-            <p:ph idx="1" type="body"/>
+            <p:ph type="body" idx="1"/>
           </p:nvPr>
         </p:nvSpPr>
         <p:spPr>
@@ -5738,11 +5880,11 @@
           </a:prstGeom>
         </p:spPr>
         <p:txBody>
-          <a:bodyPr anchorCtr="0" anchor="t" bIns="91425" lIns="91425" spcFirstLastPara="1" rIns="91425" wrap="square" tIns="91425">
+          <a:bodyPr spcFirstLastPara="1" wrap="square" lIns="91425" tIns="91425" rIns="91425" bIns="91425" anchor="t" anchorCtr="0">
             <a:noAutofit/>
           </a:bodyPr>
           <a:lstStyle>
-            <a:lvl1pPr indent="-304800" lvl="0" marL="457200">
+            <a:lvl1pPr marL="457200" lvl="0" indent="-304800">
               <a:spcBef>
                 <a:spcPts val="0"/>
               </a:spcBef>
@@ -5753,7 +5895,7 @@
               <a:buChar char="●"/>
               <a:defRPr sz="1200"/>
             </a:lvl1pPr>
-            <a:lvl2pPr indent="-304800" lvl="1" marL="914400">
+            <a:lvl2pPr marL="914400" lvl="1" indent="-304800">
               <a:spcBef>
                 <a:spcPts val="1600"/>
               </a:spcBef>
@@ -5764,7 +5906,7 @@
               <a:buChar char="○"/>
               <a:defRPr sz="1200"/>
             </a:lvl2pPr>
-            <a:lvl3pPr indent="-304800" lvl="2" marL="1371600">
+            <a:lvl3pPr marL="1371600" lvl="2" indent="-304800">
               <a:spcBef>
                 <a:spcPts val="1600"/>
               </a:spcBef>
@@ -5775,7 +5917,7 @@
               <a:buChar char="■"/>
               <a:defRPr sz="1200"/>
             </a:lvl3pPr>
-            <a:lvl4pPr indent="-304800" lvl="3" marL="1828800">
+            <a:lvl4pPr marL="1828800" lvl="3" indent="-304800">
               <a:spcBef>
                 <a:spcPts val="1600"/>
               </a:spcBef>
@@ -5786,7 +5928,7 @@
               <a:buChar char="●"/>
               <a:defRPr sz="1200"/>
             </a:lvl4pPr>
-            <a:lvl5pPr indent="-304800" lvl="4" marL="2286000">
+            <a:lvl5pPr marL="2286000" lvl="4" indent="-304800">
               <a:spcBef>
                 <a:spcPts val="1600"/>
               </a:spcBef>
@@ -5797,7 +5939,7 @@
               <a:buChar char="○"/>
               <a:defRPr sz="1200"/>
             </a:lvl5pPr>
-            <a:lvl6pPr indent="-304800" lvl="5" marL="2743200">
+            <a:lvl6pPr marL="2743200" lvl="5" indent="-304800">
               <a:spcBef>
                 <a:spcPts val="1600"/>
               </a:spcBef>
@@ -5808,7 +5950,7 @@
               <a:buChar char="■"/>
               <a:defRPr sz="1200"/>
             </a:lvl6pPr>
-            <a:lvl7pPr indent="-304800" lvl="6" marL="3200400">
+            <a:lvl7pPr marL="3200400" lvl="6" indent="-304800">
               <a:spcBef>
                 <a:spcPts val="1600"/>
               </a:spcBef>
@@ -5819,7 +5961,7 @@
               <a:buChar char="●"/>
               <a:defRPr sz="1200"/>
             </a:lvl7pPr>
-            <a:lvl8pPr indent="-304800" lvl="7" marL="3657600">
+            <a:lvl8pPr marL="3657600" lvl="7" indent="-304800">
               <a:spcBef>
                 <a:spcPts val="1600"/>
               </a:spcBef>
@@ -5830,7 +5972,7 @@
               <a:buChar char="○"/>
               <a:defRPr sz="1200"/>
             </a:lvl8pPr>
-            <a:lvl9pPr indent="-304800" lvl="8" marL="4114800">
+            <a:lvl9pPr marL="4114800" lvl="8" indent="-304800">
               <a:spcBef>
                 <a:spcPts val="1600"/>
               </a:spcBef>
@@ -5842,15 +5984,19 @@
               <a:defRPr sz="1200"/>
             </a:lvl9pPr>
           </a:lstStyle>
-          <a:p/>
+          <a:p>
+            <a:endParaRPr/>
+          </a:p>
         </p:txBody>
       </p:sp>
       <p:sp>
         <p:nvSpPr>
           <p:cNvPr id="49" name="Google Shape;49;p7"/>
-          <p:cNvSpPr txBox="1"/>
+          <p:cNvSpPr txBox="1">
+            <a:spLocks noGrp="1"/>
+          </p:cNvSpPr>
           <p:nvPr>
-            <p:ph idx="12" type="sldNum"/>
+            <p:ph type="sldNum" idx="12"/>
           </p:nvPr>
         </p:nvSpPr>
         <p:spPr>
@@ -5863,7 +6009,7 @@
           </a:prstGeom>
         </p:spPr>
         <p:txBody>
-          <a:bodyPr anchorCtr="0" anchor="ctr" bIns="91425" lIns="91425" spcFirstLastPara="1" rIns="91425" wrap="square" tIns="91425">
+          <a:bodyPr spcFirstLastPara="1" wrap="square" lIns="91425" tIns="91425" rIns="91425" bIns="91425" anchor="ctr" anchorCtr="0">
             <a:noAutofit/>
           </a:bodyPr>
           <a:lstStyle>
@@ -5941,7 +6087,7 @@
             </a:lvl9pPr>
           </a:lstStyle>
           <a:p>
-            <a:pPr indent="0" lvl="0" marL="0" rtl="0" algn="r">
+            <a:pPr marL="0" lvl="0" indent="0" algn="r" rtl="0">
               <a:spcBef>
                 <a:spcPts val="0"/>
               </a:spcBef>
@@ -5967,18 +6113,19 @@
 </file>
 
 <file path=ppt/slideLayouts/slideLayout7.xml><?xml version="1.0" encoding="utf-8"?>
-<p:sldLayout xmlns:a="http://schemas.openxmlformats.org/drawingml/2006/main" xmlns:r="http://schemas.openxmlformats.org/officeDocument/2006/relationships" xmlns:mc="http://schemas.openxmlformats.org/markup-compatibility/2006" xmlns:mv="urn:schemas-microsoft-com:mac:vml" xmlns:p="http://schemas.openxmlformats.org/presentationml/2006/main" xmlns:c="http://schemas.openxmlformats.org/drawingml/2006/chart" xmlns:dgm="http://schemas.openxmlformats.org/drawingml/2006/diagram" xmlns:o="urn:schemas-microsoft-com:office:office" xmlns:v="urn:schemas-microsoft-com:vml" xmlns:pvml="urn:schemas-microsoft-com:office:powerpoint" xmlns:com="http://schemas.openxmlformats.org/drawingml/2006/compatibility" xmlns:p14="http://schemas.microsoft.com/office/powerpoint/2010/main" xmlns:p15="http://schemas.microsoft.com/office/powerpoint/2012/main" xmlns:ahyp="http://schemas.microsoft.com/office/drawing/2018/hyperlinkcolor" matchingName="Main point">
+<p:sldLayout xmlns:a="http://schemas.openxmlformats.org/drawingml/2006/main" xmlns:r="http://schemas.openxmlformats.org/officeDocument/2006/relationships" xmlns:p="http://schemas.openxmlformats.org/presentationml/2006/main" matchingName="Main point">
   <p:cSld name="MAIN_POINT">
     <p:bg>
       <p:bgPr>
         <a:solidFill>
           <a:schemeClr val="accent4"/>
         </a:solidFill>
+        <a:effectLst/>
       </p:bgPr>
     </p:bg>
     <p:spTree>
       <p:nvGrpSpPr>
-        <p:cNvPr id="50" name="Shape 50"/>
+        <p:cNvPr id="1" name="Shape 50"/>
         <p:cNvGrpSpPr/>
         <p:nvPr/>
       </p:nvGrpSpPr>
@@ -6026,12 +6173,12 @@
             </a:ln>
           </p:spPr>
           <p:txBody>
-            <a:bodyPr anchorCtr="0" anchor="ctr" bIns="91425" lIns="91425" spcFirstLastPara="1" rIns="91425" wrap="square" tIns="91425">
+            <a:bodyPr spcFirstLastPara="1" wrap="square" lIns="91425" tIns="91425" rIns="91425" bIns="91425" anchor="ctr" anchorCtr="0">
               <a:noAutofit/>
             </a:bodyPr>
             <a:lstStyle/>
             <a:p>
-              <a:pPr indent="0" lvl="0" marL="0" rtl="0" algn="l">
+              <a:pPr marL="0" lvl="0" indent="0" algn="l" rtl="0">
                 <a:spcBef>
                   <a:spcPts val="0"/>
                 </a:spcBef>
@@ -6040,9 +6187,6 @@
                 </a:spcAft>
                 <a:buNone/>
               </a:pPr>
-              <a:r>
-                <a:t/>
-              </a:r>
               <a:endParaRPr/>
             </a:p>
           </p:txBody>
@@ -6069,12 +6213,12 @@
             </a:ln>
           </p:spPr>
           <p:txBody>
-            <a:bodyPr anchorCtr="0" anchor="ctr" bIns="91425" lIns="91425" spcFirstLastPara="1" rIns="91425" wrap="square" tIns="91425">
+            <a:bodyPr spcFirstLastPara="1" wrap="square" lIns="91425" tIns="91425" rIns="91425" bIns="91425" anchor="ctr" anchorCtr="0">
               <a:noAutofit/>
             </a:bodyPr>
             <a:lstStyle/>
             <a:p>
-              <a:pPr indent="0" lvl="0" marL="0" rtl="0" algn="l">
+              <a:pPr marL="0" lvl="0" indent="0" algn="l" rtl="0">
                 <a:spcBef>
                   <a:spcPts val="0"/>
                 </a:spcBef>
@@ -6083,9 +6227,6 @@
                 </a:spcAft>
                 <a:buNone/>
               </a:pPr>
-              <a:r>
-                <a:t/>
-              </a:r>
               <a:endParaRPr/>
             </a:p>
           </p:txBody>
@@ -6097,7 +6238,7 @@
             <p:nvPr/>
           </p:nvSpPr>
           <p:spPr>
-            <a:xfrm flipH="1" rot="10800000">
+            <a:xfrm rot="10800000" flipH="1">
               <a:off x="7113588" y="107"/>
               <a:ext cx="1015200" cy="1015200"/>
             </a:xfrm>
@@ -6112,12 +6253,12 @@
             </a:ln>
           </p:spPr>
           <p:txBody>
-            <a:bodyPr anchorCtr="0" anchor="ctr" bIns="91425" lIns="91425" spcFirstLastPara="1" rIns="91425" wrap="square" tIns="91425">
+            <a:bodyPr spcFirstLastPara="1" wrap="square" lIns="91425" tIns="91425" rIns="91425" bIns="91425" anchor="ctr" anchorCtr="0">
               <a:noAutofit/>
             </a:bodyPr>
             <a:lstStyle/>
             <a:p>
-              <a:pPr indent="0" lvl="0" marL="0" rtl="0" algn="l">
+              <a:pPr marL="0" lvl="0" indent="0" algn="l" rtl="0">
                 <a:spcBef>
                   <a:spcPts val="0"/>
                 </a:spcBef>
@@ -6126,9 +6267,6 @@
                 </a:spcAft>
                 <a:buNone/>
               </a:pPr>
-              <a:r>
-                <a:t/>
-              </a:r>
               <a:endParaRPr/>
             </a:p>
           </p:txBody>
@@ -6155,12 +6293,12 @@
             </a:ln>
           </p:spPr>
           <p:txBody>
-            <a:bodyPr anchorCtr="0" anchor="ctr" bIns="91425" lIns="91425" spcFirstLastPara="1" rIns="91425" wrap="square" tIns="91425">
+            <a:bodyPr spcFirstLastPara="1" wrap="square" lIns="91425" tIns="91425" rIns="91425" bIns="91425" anchor="ctr" anchorCtr="0">
               <a:noAutofit/>
             </a:bodyPr>
             <a:lstStyle/>
             <a:p>
-              <a:pPr indent="0" lvl="0" marL="0" rtl="0" algn="l">
+              <a:pPr marL="0" lvl="0" indent="0" algn="l" rtl="0">
                 <a:spcBef>
                   <a:spcPts val="0"/>
                 </a:spcBef>
@@ -6169,9 +6307,6 @@
                 </a:spcAft>
                 <a:buNone/>
               </a:pPr>
-              <a:r>
-                <a:t/>
-              </a:r>
               <a:endParaRPr/>
             </a:p>
           </p:txBody>
@@ -6198,12 +6333,12 @@
             </a:ln>
           </p:spPr>
           <p:txBody>
-            <a:bodyPr anchorCtr="0" anchor="ctr" bIns="91425" lIns="91425" spcFirstLastPara="1" rIns="91425" wrap="square" tIns="91425">
+            <a:bodyPr spcFirstLastPara="1" wrap="square" lIns="91425" tIns="91425" rIns="91425" bIns="91425" anchor="ctr" anchorCtr="0">
               <a:noAutofit/>
             </a:bodyPr>
             <a:lstStyle/>
             <a:p>
-              <a:pPr indent="0" lvl="0" marL="0" rtl="0" algn="l">
+              <a:pPr marL="0" lvl="0" indent="0" algn="l" rtl="0">
                 <a:spcBef>
                   <a:spcPts val="0"/>
                 </a:spcBef>
@@ -6212,9 +6347,6 @@
                 </a:spcAft>
                 <a:buNone/>
               </a:pPr>
-              <a:r>
-                <a:t/>
-              </a:r>
               <a:endParaRPr/>
             </a:p>
           </p:txBody>
@@ -6223,7 +6355,9 @@
       <p:sp>
         <p:nvSpPr>
           <p:cNvPr id="57" name="Google Shape;57;p8"/>
-          <p:cNvSpPr txBox="1"/>
+          <p:cNvSpPr txBox="1">
+            <a:spLocks noGrp="1"/>
+          </p:cNvSpPr>
           <p:nvPr>
             <p:ph type="title"/>
           </p:nvPr>
@@ -6238,7 +6372,7 @@
           </a:prstGeom>
         </p:spPr>
         <p:txBody>
-          <a:bodyPr anchorCtr="0" anchor="ctr" bIns="91425" lIns="91425" spcFirstLastPara="1" rIns="91425" wrap="square" tIns="91425">
+          <a:bodyPr spcFirstLastPara="1" wrap="square" lIns="91425" tIns="91425" rIns="91425" bIns="91425" anchor="ctr" anchorCtr="0">
             <a:noAutofit/>
           </a:bodyPr>
           <a:lstStyle>
@@ -6405,15 +6539,19 @@
               </a:defRPr>
             </a:lvl9pPr>
           </a:lstStyle>
-          <a:p/>
+          <a:p>
+            <a:endParaRPr/>
+          </a:p>
         </p:txBody>
       </p:sp>
       <p:sp>
         <p:nvSpPr>
           <p:cNvPr id="58" name="Google Shape;58;p8"/>
-          <p:cNvSpPr txBox="1"/>
+          <p:cNvSpPr txBox="1">
+            <a:spLocks noGrp="1"/>
+          </p:cNvSpPr>
           <p:nvPr>
-            <p:ph idx="12" type="sldNum"/>
+            <p:ph type="sldNum" idx="12"/>
           </p:nvPr>
         </p:nvSpPr>
         <p:spPr>
@@ -6426,7 +6564,7 @@
           </a:prstGeom>
         </p:spPr>
         <p:txBody>
-          <a:bodyPr anchorCtr="0" anchor="ctr" bIns="91425" lIns="91425" spcFirstLastPara="1" rIns="91425" wrap="square" tIns="91425">
+          <a:bodyPr spcFirstLastPara="1" wrap="square" lIns="91425" tIns="91425" rIns="91425" bIns="91425" anchor="ctr" anchorCtr="0">
             <a:noAutofit/>
           </a:bodyPr>
           <a:lstStyle>
@@ -6468,7 +6606,7 @@
             </a:lvl9pPr>
           </a:lstStyle>
           <a:p>
-            <a:pPr indent="0" lvl="0" marL="0" rtl="0" algn="r">
+            <a:pPr marL="0" lvl="0" indent="0" algn="r" rtl="0">
               <a:spcBef>
                 <a:spcPts val="0"/>
               </a:spcBef>
@@ -6494,11 +6632,11 @@
 </file>
 
 <file path=ppt/slideLayouts/slideLayout8.xml><?xml version="1.0" encoding="utf-8"?>
-<p:sldLayout xmlns:a="http://schemas.openxmlformats.org/drawingml/2006/main" xmlns:r="http://schemas.openxmlformats.org/officeDocument/2006/relationships" xmlns:mc="http://schemas.openxmlformats.org/markup-compatibility/2006" xmlns:mv="urn:schemas-microsoft-com:mac:vml" xmlns:p="http://schemas.openxmlformats.org/presentationml/2006/main" xmlns:c="http://schemas.openxmlformats.org/drawingml/2006/chart" xmlns:dgm="http://schemas.openxmlformats.org/drawingml/2006/diagram" xmlns:o="urn:schemas-microsoft-com:office:office" xmlns:v="urn:schemas-microsoft-com:vml" xmlns:pvml="urn:schemas-microsoft-com:office:powerpoint" xmlns:com="http://schemas.openxmlformats.org/drawingml/2006/compatibility" xmlns:p14="http://schemas.microsoft.com/office/powerpoint/2010/main" xmlns:p15="http://schemas.microsoft.com/office/powerpoint/2012/main" xmlns:ahyp="http://schemas.microsoft.com/office/drawing/2018/hyperlinkcolor" matchingName="Section title and description">
+<p:sldLayout xmlns:a="http://schemas.openxmlformats.org/drawingml/2006/main" xmlns:r="http://schemas.openxmlformats.org/officeDocument/2006/relationships" xmlns:p="http://schemas.openxmlformats.org/presentationml/2006/main" matchingName="Section title and description">
   <p:cSld name="SECTION_TITLE_AND_DESCRIPTION">
     <p:spTree>
       <p:nvGrpSpPr>
-        <p:cNvPr id="59" name="Shape 59"/>
+        <p:cNvPr id="1" name="Shape 59"/>
         <p:cNvGrpSpPr/>
         <p:nvPr/>
       </p:nvGrpSpPr>
@@ -6532,12 +6670,12 @@
           </a:ln>
         </p:spPr>
         <p:txBody>
-          <a:bodyPr anchorCtr="0" anchor="ctr" bIns="91425" lIns="91425" spcFirstLastPara="1" rIns="91425" wrap="square" tIns="91425">
+          <a:bodyPr spcFirstLastPara="1" wrap="square" lIns="91425" tIns="91425" rIns="91425" bIns="91425" anchor="ctr" anchorCtr="0">
             <a:noAutofit/>
           </a:bodyPr>
           <a:lstStyle/>
           <a:p>
-            <a:pPr indent="0" lvl="0" marL="0" rtl="0" algn="l">
+            <a:pPr marL="0" lvl="0" indent="0" algn="l" rtl="0">
               <a:spcBef>
                 <a:spcPts val="0"/>
               </a:spcBef>
@@ -6546,9 +6684,6 @@
               </a:spcAft>
               <a:buNone/>
             </a:pPr>
-            <a:r>
-              <a:t/>
-            </a:r>
             <a:endParaRPr/>
           </a:p>
         </p:txBody>
@@ -6568,21 +6703,23 @@
             <a:avLst/>
           </a:prstGeom>
           <a:noFill/>
-          <a:ln cap="flat" cmpd="sng" w="19050">
+          <a:ln w="19050" cap="flat" cmpd="sng">
             <a:solidFill>
               <a:schemeClr val="lt1"/>
             </a:solidFill>
             <a:prstDash val="solid"/>
             <a:round/>
-            <a:headEnd len="sm" w="sm" type="none"/>
-            <a:tailEnd len="sm" w="sm" type="none"/>
+            <a:headEnd type="none" w="sm" len="sm"/>
+            <a:tailEnd type="none" w="sm" len="sm"/>
           </a:ln>
         </p:spPr>
       </p:cxnSp>
       <p:sp>
         <p:nvSpPr>
           <p:cNvPr id="62" name="Google Shape;62;p9"/>
-          <p:cNvSpPr txBox="1"/>
+          <p:cNvSpPr txBox="1">
+            <a:spLocks noGrp="1"/>
+          </p:cNvSpPr>
           <p:nvPr>
             <p:ph type="title"/>
           </p:nvPr>
@@ -6597,7 +6734,7 @@
           </a:prstGeom>
         </p:spPr>
         <p:txBody>
-          <a:bodyPr anchorCtr="0" anchor="b" bIns="91425" lIns="91425" spcFirstLastPara="1" rIns="91425" wrap="square" tIns="91425">
+          <a:bodyPr spcFirstLastPara="1" wrap="square" lIns="91425" tIns="91425" rIns="91425" bIns="91425" anchor="b" anchorCtr="0">
             <a:noAutofit/>
           </a:bodyPr>
           <a:lstStyle>
@@ -6701,15 +6838,19 @@
               <a:defRPr sz="4200"/>
             </a:lvl9pPr>
           </a:lstStyle>
-          <a:p/>
+          <a:p>
+            <a:endParaRPr/>
+          </a:p>
         </p:txBody>
       </p:sp>
       <p:sp>
         <p:nvSpPr>
           <p:cNvPr id="63" name="Google Shape;63;p9"/>
-          <p:cNvSpPr txBox="1"/>
+          <p:cNvSpPr txBox="1">
+            <a:spLocks noGrp="1"/>
+          </p:cNvSpPr>
           <p:nvPr>
-            <p:ph idx="1" type="subTitle"/>
+            <p:ph type="subTitle" idx="1"/>
           </p:nvPr>
         </p:nvSpPr>
         <p:spPr>
@@ -6722,7 +6863,7 @@
           </a:prstGeom>
         </p:spPr>
         <p:txBody>
-          <a:bodyPr anchorCtr="0" anchor="t" bIns="91425" lIns="91425" spcFirstLastPara="1" rIns="91425" wrap="square" tIns="91425">
+          <a:bodyPr spcFirstLastPara="1" wrap="square" lIns="91425" tIns="91425" rIns="91425" bIns="91425" anchor="t" anchorCtr="0">
             <a:noAutofit/>
           </a:bodyPr>
           <a:lstStyle>
@@ -6853,15 +6994,19 @@
               <a:defRPr sz="2100"/>
             </a:lvl9pPr>
           </a:lstStyle>
-          <a:p/>
+          <a:p>
+            <a:endParaRPr/>
+          </a:p>
         </p:txBody>
       </p:sp>
       <p:sp>
         <p:nvSpPr>
           <p:cNvPr id="64" name="Google Shape;64;p9"/>
-          <p:cNvSpPr txBox="1"/>
+          <p:cNvSpPr txBox="1">
+            <a:spLocks noGrp="1"/>
+          </p:cNvSpPr>
           <p:nvPr>
-            <p:ph idx="2" type="body"/>
+            <p:ph type="body" idx="2"/>
           </p:nvPr>
         </p:nvSpPr>
         <p:spPr>
@@ -6874,11 +7019,11 @@
           </a:prstGeom>
         </p:spPr>
         <p:txBody>
-          <a:bodyPr anchorCtr="0" anchor="ctr" bIns="91425" lIns="91425" spcFirstLastPara="1" rIns="91425" wrap="square" tIns="91425">
+          <a:bodyPr spcFirstLastPara="1" wrap="square" lIns="91425" tIns="91425" rIns="91425" bIns="91425" anchor="ctr" anchorCtr="0">
             <a:noAutofit/>
           </a:bodyPr>
           <a:lstStyle>
-            <a:lvl1pPr indent="-342900" lvl="0" marL="457200">
+            <a:lvl1pPr marL="457200" lvl="0" indent="-342900">
               <a:spcBef>
                 <a:spcPts val="0"/>
               </a:spcBef>
@@ -6896,7 +7041,7 @@
                 </a:solidFill>
               </a:defRPr>
             </a:lvl1pPr>
-            <a:lvl2pPr indent="-317500" lvl="1" marL="914400">
+            <a:lvl2pPr marL="914400" lvl="1" indent="-317500">
               <a:spcBef>
                 <a:spcPts val="1600"/>
               </a:spcBef>
@@ -6914,7 +7059,7 @@
                 </a:solidFill>
               </a:defRPr>
             </a:lvl2pPr>
-            <a:lvl3pPr indent="-317500" lvl="2" marL="1371600">
+            <a:lvl3pPr marL="1371600" lvl="2" indent="-317500">
               <a:spcBef>
                 <a:spcPts val="1600"/>
               </a:spcBef>
@@ -6932,7 +7077,7 @@
                 </a:solidFill>
               </a:defRPr>
             </a:lvl3pPr>
-            <a:lvl4pPr indent="-317500" lvl="3" marL="1828800">
+            <a:lvl4pPr marL="1828800" lvl="3" indent="-317500">
               <a:spcBef>
                 <a:spcPts val="1600"/>
               </a:spcBef>
@@ -6950,7 +7095,7 @@
                 </a:solidFill>
               </a:defRPr>
             </a:lvl4pPr>
-            <a:lvl5pPr indent="-317500" lvl="4" marL="2286000">
+            <a:lvl5pPr marL="2286000" lvl="4" indent="-317500">
               <a:spcBef>
                 <a:spcPts val="1600"/>
               </a:spcBef>
@@ -6968,7 +7113,7 @@
                 </a:solidFill>
               </a:defRPr>
             </a:lvl5pPr>
-            <a:lvl6pPr indent="-317500" lvl="5" marL="2743200">
+            <a:lvl6pPr marL="2743200" lvl="5" indent="-317500">
               <a:spcBef>
                 <a:spcPts val="1600"/>
               </a:spcBef>
@@ -6986,7 +7131,7 @@
                 </a:solidFill>
               </a:defRPr>
             </a:lvl6pPr>
-            <a:lvl7pPr indent="-317500" lvl="6" marL="3200400">
+            <a:lvl7pPr marL="3200400" lvl="6" indent="-317500">
               <a:spcBef>
                 <a:spcPts val="1600"/>
               </a:spcBef>
@@ -7004,7 +7149,7 @@
                 </a:solidFill>
               </a:defRPr>
             </a:lvl7pPr>
-            <a:lvl8pPr indent="-317500" lvl="7" marL="3657600">
+            <a:lvl8pPr marL="3657600" lvl="7" indent="-317500">
               <a:spcBef>
                 <a:spcPts val="1600"/>
               </a:spcBef>
@@ -7022,7 +7167,7 @@
                 </a:solidFill>
               </a:defRPr>
             </a:lvl8pPr>
-            <a:lvl9pPr indent="-317500" lvl="8" marL="4114800">
+            <a:lvl9pPr marL="4114800" lvl="8" indent="-317500">
               <a:spcBef>
                 <a:spcPts val="1600"/>
               </a:spcBef>
@@ -7041,15 +7186,19 @@
               </a:defRPr>
             </a:lvl9pPr>
           </a:lstStyle>
-          <a:p/>
+          <a:p>
+            <a:endParaRPr/>
+          </a:p>
         </p:txBody>
       </p:sp>
       <p:sp>
         <p:nvSpPr>
           <p:cNvPr id="65" name="Google Shape;65;p9"/>
-          <p:cNvSpPr txBox="1"/>
+          <p:cNvSpPr txBox="1">
+            <a:spLocks noGrp="1"/>
+          </p:cNvSpPr>
           <p:nvPr>
-            <p:ph idx="12" type="sldNum"/>
+            <p:ph type="sldNum" idx="12"/>
           </p:nvPr>
         </p:nvSpPr>
         <p:spPr>
@@ -7062,7 +7211,7 @@
           </a:prstGeom>
         </p:spPr>
         <p:txBody>
-          <a:bodyPr anchorCtr="0" anchor="ctr" bIns="91425" lIns="91425" spcFirstLastPara="1" rIns="91425" wrap="square" tIns="91425">
+          <a:bodyPr spcFirstLastPara="1" wrap="square" lIns="91425" tIns="91425" rIns="91425" bIns="91425" anchor="ctr" anchorCtr="0">
             <a:noAutofit/>
           </a:bodyPr>
           <a:lstStyle>
@@ -7104,7 +7253,7 @@
             </a:lvl9pPr>
           </a:lstStyle>
           <a:p>
-            <a:pPr indent="0" lvl="0" marL="0" rtl="0" algn="r">
+            <a:pPr marL="0" lvl="0" indent="0" algn="r" rtl="0">
               <a:spcBef>
                 <a:spcPts val="0"/>
               </a:spcBef>
@@ -7130,11 +7279,11 @@
 </file>
 
 <file path=ppt/slideLayouts/slideLayout9.xml><?xml version="1.0" encoding="utf-8"?>
-<p:sldLayout xmlns:a="http://schemas.openxmlformats.org/drawingml/2006/main" xmlns:r="http://schemas.openxmlformats.org/officeDocument/2006/relationships" xmlns:mc="http://schemas.openxmlformats.org/markup-compatibility/2006" xmlns:mv="urn:schemas-microsoft-com:mac:vml" xmlns:p="http://schemas.openxmlformats.org/presentationml/2006/main" xmlns:c="http://schemas.openxmlformats.org/drawingml/2006/chart" xmlns:dgm="http://schemas.openxmlformats.org/drawingml/2006/diagram" xmlns:o="urn:schemas-microsoft-com:office:office" xmlns:v="urn:schemas-microsoft-com:vml" xmlns:pvml="urn:schemas-microsoft-com:office:powerpoint" xmlns:com="http://schemas.openxmlformats.org/drawingml/2006/compatibility" xmlns:p14="http://schemas.microsoft.com/office/powerpoint/2010/main" xmlns:p15="http://schemas.microsoft.com/office/powerpoint/2012/main" xmlns:ahyp="http://schemas.microsoft.com/office/drawing/2018/hyperlinkcolor" matchingName="Caption">
+<p:sldLayout xmlns:a="http://schemas.openxmlformats.org/drawingml/2006/main" xmlns:r="http://schemas.openxmlformats.org/officeDocument/2006/relationships" xmlns:p="http://schemas.openxmlformats.org/presentationml/2006/main" matchingName="Caption">
   <p:cSld name="CAPTION_ONLY">
     <p:spTree>
       <p:nvGrpSpPr>
-        <p:cNvPr id="66" name="Shape 66"/>
+        <p:cNvPr id="1" name="Shape 66"/>
         <p:cNvGrpSpPr/>
         <p:nvPr/>
       </p:nvGrpSpPr>
@@ -7149,9 +7298,11 @@
       <p:sp>
         <p:nvSpPr>
           <p:cNvPr id="67" name="Google Shape;67;p10"/>
-          <p:cNvSpPr txBox="1"/>
+          <p:cNvSpPr txBox="1">
+            <a:spLocks noGrp="1"/>
+          </p:cNvSpPr>
           <p:nvPr>
-            <p:ph idx="1" type="body"/>
+            <p:ph type="body" idx="1"/>
           </p:nvPr>
         </p:nvSpPr>
         <p:spPr>
@@ -7164,11 +7315,11 @@
           </a:prstGeom>
         </p:spPr>
         <p:txBody>
-          <a:bodyPr anchorCtr="0" anchor="ctr" bIns="91425" lIns="91425" spcFirstLastPara="1" rIns="91425" wrap="square" tIns="91425">
+          <a:bodyPr spcFirstLastPara="1" wrap="square" lIns="91425" tIns="91425" rIns="91425" bIns="91425" anchor="ctr" anchorCtr="0">
             <a:noAutofit/>
           </a:bodyPr>
           <a:lstStyle>
-            <a:lvl1pPr indent="-228600" lvl="0" marL="457200">
+            <a:lvl1pPr marL="457200" lvl="0" indent="-228600">
               <a:lnSpc>
                 <a:spcPct val="100000"/>
               </a:lnSpc>
@@ -7183,15 +7334,19 @@
               <a:defRPr/>
             </a:lvl1pPr>
           </a:lstStyle>
-          <a:p/>
+          <a:p>
+            <a:endParaRPr/>
+          </a:p>
         </p:txBody>
       </p:sp>
       <p:sp>
         <p:nvSpPr>
           <p:cNvPr id="68" name="Google Shape;68;p10"/>
-          <p:cNvSpPr txBox="1"/>
+          <p:cNvSpPr txBox="1">
+            <a:spLocks noGrp="1"/>
+          </p:cNvSpPr>
           <p:nvPr>
-            <p:ph idx="12" type="sldNum"/>
+            <p:ph type="sldNum" idx="12"/>
           </p:nvPr>
         </p:nvSpPr>
         <p:spPr>
@@ -7204,7 +7359,7 @@
           </a:prstGeom>
         </p:spPr>
         <p:txBody>
-          <a:bodyPr anchorCtr="0" anchor="ctr" bIns="91425" lIns="91425" spcFirstLastPara="1" rIns="91425" wrap="square" tIns="91425">
+          <a:bodyPr spcFirstLastPara="1" wrap="square" lIns="91425" tIns="91425" rIns="91425" bIns="91425" anchor="ctr" anchorCtr="0">
             <a:noAutofit/>
           </a:bodyPr>
           <a:lstStyle>
@@ -7282,7 +7437,7 @@
             </a:lvl9pPr>
           </a:lstStyle>
           <a:p>
-            <a:pPr indent="0" lvl="0" marL="0" rtl="0" algn="r">
+            <a:pPr marL="0" lvl="0" indent="0" algn="r" rtl="0">
               <a:spcBef>
                 <a:spcPts val="0"/>
               </a:spcBef>
@@ -7308,18 +7463,19 @@
 </file>
 
 <file path=ppt/slideMasters/slideMaster1.xml><?xml version="1.0" encoding="utf-8"?>
-<p:sldMaster xmlns:a="http://schemas.openxmlformats.org/drawingml/2006/main" xmlns:r="http://schemas.openxmlformats.org/officeDocument/2006/relationships" xmlns:mc="http://schemas.openxmlformats.org/markup-compatibility/2006" xmlns:mv="urn:schemas-microsoft-com:mac:vml" xmlns:p="http://schemas.openxmlformats.org/presentationml/2006/main" xmlns:c="http://schemas.openxmlformats.org/drawingml/2006/chart" xmlns:dgm="http://schemas.openxmlformats.org/drawingml/2006/diagram" xmlns:o="urn:schemas-microsoft-com:office:office" xmlns:v="urn:schemas-microsoft-com:vml" xmlns:pvml="urn:schemas-microsoft-com:office:powerpoint" xmlns:com="http://schemas.openxmlformats.org/drawingml/2006/compatibility" xmlns:p14="http://schemas.microsoft.com/office/powerpoint/2010/main" xmlns:p15="http://schemas.microsoft.com/office/powerpoint/2012/main" xmlns:ahyp="http://schemas.microsoft.com/office/drawing/2018/hyperlinkcolor">
+<p:sldMaster xmlns:a="http://schemas.openxmlformats.org/drawingml/2006/main" xmlns:r="http://schemas.openxmlformats.org/officeDocument/2006/relationships" xmlns:p="http://schemas.openxmlformats.org/presentationml/2006/main">
   <p:cSld name="geometric">
     <p:bg>
       <p:bgPr>
         <a:solidFill>
           <a:schemeClr val="lt1"/>
         </a:solidFill>
+        <a:effectLst/>
       </p:bgPr>
     </p:bg>
     <p:spTree>
       <p:nvGrpSpPr>
-        <p:cNvPr id="5" name="Shape 5"/>
+        <p:cNvPr id="1" name="Shape 5"/>
         <p:cNvGrpSpPr/>
         <p:nvPr/>
       </p:nvGrpSpPr>
@@ -7334,7 +7490,9 @@
       <p:sp>
         <p:nvSpPr>
           <p:cNvPr id="6" name="Google Shape;6;p1"/>
-          <p:cNvSpPr txBox="1"/>
+          <p:cNvSpPr txBox="1">
+            <a:spLocks noGrp="1"/>
+          </p:cNvSpPr>
           <p:nvPr>
             <p:ph type="title"/>
           </p:nvPr>
@@ -7353,7 +7511,7 @@
           </a:ln>
         </p:spPr>
         <p:txBody>
-          <a:bodyPr anchorCtr="0" anchor="t" bIns="91425" lIns="91425" spcFirstLastPara="1" rIns="91425" wrap="square" tIns="91425">
+          <a:bodyPr spcFirstLastPara="1" wrap="square" lIns="91425" tIns="91425" rIns="91425" bIns="91425" anchor="t" anchorCtr="0">
             <a:noAutofit/>
           </a:bodyPr>
           <a:lstStyle>
@@ -7565,15 +7723,19 @@
               </a:defRPr>
             </a:lvl9pPr>
           </a:lstStyle>
-          <a:p/>
+          <a:p>
+            <a:endParaRPr/>
+          </a:p>
         </p:txBody>
       </p:sp>
       <p:sp>
         <p:nvSpPr>
           <p:cNvPr id="7" name="Google Shape;7;p1"/>
-          <p:cNvSpPr txBox="1"/>
+          <p:cNvSpPr txBox="1">
+            <a:spLocks noGrp="1"/>
+          </p:cNvSpPr>
           <p:nvPr>
-            <p:ph idx="1" type="body"/>
+            <p:ph type="body" idx="1"/>
           </p:nvPr>
         </p:nvSpPr>
         <p:spPr>
@@ -7590,11 +7752,11 @@
           </a:ln>
         </p:spPr>
         <p:txBody>
-          <a:bodyPr anchorCtr="0" anchor="t" bIns="91425" lIns="91425" spcFirstLastPara="1" rIns="91425" wrap="square" tIns="91425">
+          <a:bodyPr spcFirstLastPara="1" wrap="square" lIns="91425" tIns="91425" rIns="91425" bIns="91425" anchor="t" anchorCtr="0">
             <a:noAutofit/>
           </a:bodyPr>
           <a:lstStyle>
-            <a:lvl1pPr indent="-342900" lvl="0" marL="457200">
+            <a:lvl1pPr marL="457200" lvl="0" indent="-342900">
               <a:lnSpc>
                 <a:spcPct val="115000"/>
               </a:lnSpc>
@@ -7620,7 +7782,7 @@
                 <a:sym typeface="Roboto"/>
               </a:defRPr>
             </a:lvl1pPr>
-            <a:lvl2pPr indent="-317500" lvl="1" marL="914400">
+            <a:lvl2pPr marL="914400" lvl="1" indent="-317500">
               <a:lnSpc>
                 <a:spcPct val="115000"/>
               </a:lnSpc>
@@ -7646,7 +7808,7 @@
                 <a:sym typeface="Roboto"/>
               </a:defRPr>
             </a:lvl2pPr>
-            <a:lvl3pPr indent="-317500" lvl="2" marL="1371600">
+            <a:lvl3pPr marL="1371600" lvl="2" indent="-317500">
               <a:lnSpc>
                 <a:spcPct val="115000"/>
               </a:lnSpc>
@@ -7672,7 +7834,7 @@
                 <a:sym typeface="Roboto"/>
               </a:defRPr>
             </a:lvl3pPr>
-            <a:lvl4pPr indent="-317500" lvl="3" marL="1828800">
+            <a:lvl4pPr marL="1828800" lvl="3" indent="-317500">
               <a:lnSpc>
                 <a:spcPct val="115000"/>
               </a:lnSpc>
@@ -7698,7 +7860,7 @@
                 <a:sym typeface="Roboto"/>
               </a:defRPr>
             </a:lvl4pPr>
-            <a:lvl5pPr indent="-317500" lvl="4" marL="2286000">
+            <a:lvl5pPr marL="2286000" lvl="4" indent="-317500">
               <a:lnSpc>
                 <a:spcPct val="115000"/>
               </a:lnSpc>
@@ -7724,7 +7886,7 @@
                 <a:sym typeface="Roboto"/>
               </a:defRPr>
             </a:lvl5pPr>
-            <a:lvl6pPr indent="-317500" lvl="5" marL="2743200">
+            <a:lvl6pPr marL="2743200" lvl="5" indent="-317500">
               <a:lnSpc>
                 <a:spcPct val="115000"/>
               </a:lnSpc>
@@ -7750,7 +7912,7 @@
                 <a:sym typeface="Roboto"/>
               </a:defRPr>
             </a:lvl6pPr>
-            <a:lvl7pPr indent="-317500" lvl="6" marL="3200400">
+            <a:lvl7pPr marL="3200400" lvl="6" indent="-317500">
               <a:lnSpc>
                 <a:spcPct val="115000"/>
               </a:lnSpc>
@@ -7776,7 +7938,7 @@
                 <a:sym typeface="Roboto"/>
               </a:defRPr>
             </a:lvl7pPr>
-            <a:lvl8pPr indent="-317500" lvl="7" marL="3657600">
+            <a:lvl8pPr marL="3657600" lvl="7" indent="-317500">
               <a:lnSpc>
                 <a:spcPct val="115000"/>
               </a:lnSpc>
@@ -7802,7 +7964,7 @@
                 <a:sym typeface="Roboto"/>
               </a:defRPr>
             </a:lvl8pPr>
-            <a:lvl9pPr indent="-317500" lvl="8" marL="4114800">
+            <a:lvl9pPr marL="4114800" lvl="8" indent="-317500">
               <a:lnSpc>
                 <a:spcPct val="115000"/>
               </a:lnSpc>
@@ -7829,15 +7991,19 @@
               </a:defRPr>
             </a:lvl9pPr>
           </a:lstStyle>
-          <a:p/>
+          <a:p>
+            <a:endParaRPr/>
+          </a:p>
         </p:txBody>
       </p:sp>
       <p:sp>
         <p:nvSpPr>
           <p:cNvPr id="8" name="Google Shape;8;p1"/>
-          <p:cNvSpPr txBox="1"/>
+          <p:cNvSpPr txBox="1">
+            <a:spLocks noGrp="1"/>
+          </p:cNvSpPr>
           <p:nvPr>
-            <p:ph idx="12" type="sldNum"/>
+            <p:ph type="sldNum" idx="12"/>
           </p:nvPr>
         </p:nvSpPr>
         <p:spPr>
@@ -7854,7 +8020,7 @@
           </a:ln>
         </p:spPr>
         <p:txBody>
-          <a:bodyPr anchorCtr="0" anchor="ctr" bIns="91425" lIns="91425" spcFirstLastPara="1" rIns="91425" wrap="square" tIns="91425">
+          <a:bodyPr spcFirstLastPara="1" wrap="square" lIns="91425" tIns="91425" rIns="91425" bIns="91425" anchor="ctr" anchorCtr="0">
             <a:noAutofit/>
           </a:bodyPr>
           <a:lstStyle>
@@ -7968,7 +8134,7 @@
             </a:lvl9pPr>
           </a:lstStyle>
           <a:p>
-            <a:pPr indent="0" lvl="0" marL="0" rtl="0" algn="r">
+            <a:pPr marL="0" lvl="0" indent="0" algn="r" rtl="0">
               <a:spcBef>
                 <a:spcPts val="0"/>
               </a:spcBef>
@@ -7987,7 +8153,7 @@
       </p:sp>
     </p:spTree>
   </p:cSld>
-  <p:clrMap accent1="accent1" accent2="accent2" accent3="accent3" accent4="accent4" accent5="accent5" accent6="accent6" bg1="lt1" bg2="dk2" tx1="dk1" tx2="lt2" folHlink="folHlink" hlink="hlink"/>
+  <p:clrMap bg1="lt1" tx1="dk1" bg2="dk2" tx2="lt2" accent1="accent1" accent2="accent2" accent3="accent3" accent4="accent4" accent5="accent5" accent6="accent6" hlink="hlink" folHlink="folHlink"/>
   <p:sldLayoutIdLst>
     <p:sldLayoutId id="2147483648" r:id="rId1"/>
     <p:sldLayoutId id="2147483649" r:id="rId2"/>
@@ -8001,10 +8167,10 @@
     <p:sldLayoutId id="2147483657" r:id="rId10"/>
     <p:sldLayoutId id="2147483658" r:id="rId11"/>
   </p:sldLayoutIdLst>
-  <p:hf dt="0" ftr="0" hdr="0" sldNum="0"/>
+  <p:hf sldNum="0" hdr="0" ftr="0" dt="0"/>
   <p:txStyles>
     <p:titleStyle>
-      <a:defPPr lvl="0" marR="0" rtl="0" algn="l">
+      <a:defPPr marR="0" lvl="0" algn="l" rtl="0">
         <a:lnSpc>
           <a:spcPct val="100000"/>
         </a:lnSpc>
@@ -8015,7 +8181,7 @@
           <a:spcPts val="0"/>
         </a:spcAft>
       </a:defPPr>
-      <a:lvl1pPr lvl="0" marR="0" rtl="0" algn="l">
+      <a:lvl1pPr marR="0" lvl="0" algn="l" rtl="0">
         <a:lnSpc>
           <a:spcPct val="100000"/>
         </a:lnSpc>
@@ -8029,7 +8195,7 @@
           <a:srgbClr val="000000"/>
         </a:buClr>
         <a:buFont typeface="Arial"/>
-        <a:defRPr b="0" i="0" sz="1400" u="none" cap="none" strike="noStrike">
+        <a:defRPr sz="1400" b="0" i="0" u="none" strike="noStrike" cap="none">
           <a:solidFill>
             <a:srgbClr val="000000"/>
           </a:solidFill>
@@ -8039,7 +8205,7 @@
           <a:sym typeface="Arial"/>
         </a:defRPr>
       </a:lvl1pPr>
-      <a:lvl2pPr lvl="1" marR="0" rtl="0" algn="l">
+      <a:lvl2pPr marR="0" lvl="1" algn="l" rtl="0">
         <a:lnSpc>
           <a:spcPct val="100000"/>
         </a:lnSpc>
@@ -8053,7 +8219,7 @@
           <a:srgbClr val="000000"/>
         </a:buClr>
         <a:buFont typeface="Arial"/>
-        <a:defRPr b="0" i="0" sz="1400" u="none" cap="none" strike="noStrike">
+        <a:defRPr sz="1400" b="0" i="0" u="none" strike="noStrike" cap="none">
           <a:solidFill>
             <a:srgbClr val="000000"/>
           </a:solidFill>
@@ -8063,7 +8229,7 @@
           <a:sym typeface="Arial"/>
         </a:defRPr>
       </a:lvl2pPr>
-      <a:lvl3pPr lvl="2" marR="0" rtl="0" algn="l">
+      <a:lvl3pPr marR="0" lvl="2" algn="l" rtl="0">
         <a:lnSpc>
           <a:spcPct val="100000"/>
         </a:lnSpc>
@@ -8077,7 +8243,7 @@
           <a:srgbClr val="000000"/>
         </a:buClr>
         <a:buFont typeface="Arial"/>
-        <a:defRPr b="0" i="0" sz="1400" u="none" cap="none" strike="noStrike">
+        <a:defRPr sz="1400" b="0" i="0" u="none" strike="noStrike" cap="none">
           <a:solidFill>
             <a:srgbClr val="000000"/>
           </a:solidFill>
@@ -8087,7 +8253,7 @@
           <a:sym typeface="Arial"/>
         </a:defRPr>
       </a:lvl3pPr>
-      <a:lvl4pPr lvl="3" marR="0" rtl="0" algn="l">
+      <a:lvl4pPr marR="0" lvl="3" algn="l" rtl="0">
         <a:lnSpc>
           <a:spcPct val="100000"/>
         </a:lnSpc>
@@ -8101,7 +8267,7 @@
           <a:srgbClr val="000000"/>
         </a:buClr>
         <a:buFont typeface="Arial"/>
-        <a:defRPr b="0" i="0" sz="1400" u="none" cap="none" strike="noStrike">
+        <a:defRPr sz="1400" b="0" i="0" u="none" strike="noStrike" cap="none">
           <a:solidFill>
             <a:srgbClr val="000000"/>
           </a:solidFill>
@@ -8111,7 +8277,7 @@
           <a:sym typeface="Arial"/>
         </a:defRPr>
       </a:lvl4pPr>
-      <a:lvl5pPr lvl="4" marR="0" rtl="0" algn="l">
+      <a:lvl5pPr marR="0" lvl="4" algn="l" rtl="0">
         <a:lnSpc>
           <a:spcPct val="100000"/>
         </a:lnSpc>
@@ -8125,7 +8291,7 @@
           <a:srgbClr val="000000"/>
         </a:buClr>
         <a:buFont typeface="Arial"/>
-        <a:defRPr b="0" i="0" sz="1400" u="none" cap="none" strike="noStrike">
+        <a:defRPr sz="1400" b="0" i="0" u="none" strike="noStrike" cap="none">
           <a:solidFill>
             <a:srgbClr val="000000"/>
           </a:solidFill>
@@ -8135,7 +8301,7 @@
           <a:sym typeface="Arial"/>
         </a:defRPr>
       </a:lvl5pPr>
-      <a:lvl6pPr lvl="5" marR="0" rtl="0" algn="l">
+      <a:lvl6pPr marR="0" lvl="5" algn="l" rtl="0">
         <a:lnSpc>
           <a:spcPct val="100000"/>
         </a:lnSpc>
@@ -8149,7 +8315,7 @@
           <a:srgbClr val="000000"/>
         </a:buClr>
         <a:buFont typeface="Arial"/>
-        <a:defRPr b="0" i="0" sz="1400" u="none" cap="none" strike="noStrike">
+        <a:defRPr sz="1400" b="0" i="0" u="none" strike="noStrike" cap="none">
           <a:solidFill>
             <a:srgbClr val="000000"/>
           </a:solidFill>
@@ -8159,7 +8325,7 @@
           <a:sym typeface="Arial"/>
         </a:defRPr>
       </a:lvl6pPr>
-      <a:lvl7pPr lvl="6" marR="0" rtl="0" algn="l">
+      <a:lvl7pPr marR="0" lvl="6" algn="l" rtl="0">
         <a:lnSpc>
           <a:spcPct val="100000"/>
         </a:lnSpc>
@@ -8173,7 +8339,7 @@
           <a:srgbClr val="000000"/>
         </a:buClr>
         <a:buFont typeface="Arial"/>
-        <a:defRPr b="0" i="0" sz="1400" u="none" cap="none" strike="noStrike">
+        <a:defRPr sz="1400" b="0" i="0" u="none" strike="noStrike" cap="none">
           <a:solidFill>
             <a:srgbClr val="000000"/>
           </a:solidFill>
@@ -8183,7 +8349,7 @@
           <a:sym typeface="Arial"/>
         </a:defRPr>
       </a:lvl7pPr>
-      <a:lvl8pPr lvl="7" marR="0" rtl="0" algn="l">
+      <a:lvl8pPr marR="0" lvl="7" algn="l" rtl="0">
         <a:lnSpc>
           <a:spcPct val="100000"/>
         </a:lnSpc>
@@ -8197,7 +8363,7 @@
           <a:srgbClr val="000000"/>
         </a:buClr>
         <a:buFont typeface="Arial"/>
-        <a:defRPr b="0" i="0" sz="1400" u="none" cap="none" strike="noStrike">
+        <a:defRPr sz="1400" b="0" i="0" u="none" strike="noStrike" cap="none">
           <a:solidFill>
             <a:srgbClr val="000000"/>
           </a:solidFill>
@@ -8207,7 +8373,7 @@
           <a:sym typeface="Arial"/>
         </a:defRPr>
       </a:lvl8pPr>
-      <a:lvl9pPr lvl="8" marR="0" rtl="0" algn="l">
+      <a:lvl9pPr marR="0" lvl="8" algn="l" rtl="0">
         <a:lnSpc>
           <a:spcPct val="100000"/>
         </a:lnSpc>
@@ -8221,7 +8387,7 @@
           <a:srgbClr val="000000"/>
         </a:buClr>
         <a:buFont typeface="Arial"/>
-        <a:defRPr b="0" i="0" sz="1400" u="none" cap="none" strike="noStrike">
+        <a:defRPr sz="1400" b="0" i="0" u="none" strike="noStrike" cap="none">
           <a:solidFill>
             <a:srgbClr val="000000"/>
           </a:solidFill>
@@ -8233,7 +8399,7 @@
       </a:lvl9pPr>
     </p:titleStyle>
     <p:bodyStyle>
-      <a:defPPr lvl="0" marR="0" rtl="0" algn="l">
+      <a:defPPr marR="0" lvl="0" algn="l" rtl="0">
         <a:lnSpc>
           <a:spcPct val="100000"/>
         </a:lnSpc>
@@ -8244,7 +8410,7 @@
           <a:spcPts val="0"/>
         </a:spcAft>
       </a:defPPr>
-      <a:lvl1pPr lvl="0" marR="0" rtl="0" algn="l">
+      <a:lvl1pPr marR="0" lvl="0" algn="l" rtl="0">
         <a:lnSpc>
           <a:spcPct val="100000"/>
         </a:lnSpc>
@@ -8258,7 +8424,7 @@
           <a:srgbClr val="000000"/>
         </a:buClr>
         <a:buFont typeface="Arial"/>
-        <a:defRPr b="0" i="0" sz="1400" u="none" cap="none" strike="noStrike">
+        <a:defRPr sz="1400" b="0" i="0" u="none" strike="noStrike" cap="none">
           <a:solidFill>
             <a:srgbClr val="000000"/>
           </a:solidFill>
@@ -8268,7 +8434,7 @@
           <a:sym typeface="Arial"/>
         </a:defRPr>
       </a:lvl1pPr>
-      <a:lvl2pPr lvl="1" marR="0" rtl="0" algn="l">
+      <a:lvl2pPr marR="0" lvl="1" algn="l" rtl="0">
         <a:lnSpc>
           <a:spcPct val="100000"/>
         </a:lnSpc>
@@ -8282,7 +8448,7 @@
           <a:srgbClr val="000000"/>
         </a:buClr>
         <a:buFont typeface="Arial"/>
-        <a:defRPr b="0" i="0" sz="1400" u="none" cap="none" strike="noStrike">
+        <a:defRPr sz="1400" b="0" i="0" u="none" strike="noStrike" cap="none">
           <a:solidFill>
             <a:srgbClr val="000000"/>
           </a:solidFill>
@@ -8292,7 +8458,7 @@
           <a:sym typeface="Arial"/>
         </a:defRPr>
       </a:lvl2pPr>
-      <a:lvl3pPr lvl="2" marR="0" rtl="0" algn="l">
+      <a:lvl3pPr marR="0" lvl="2" algn="l" rtl="0">
         <a:lnSpc>
           <a:spcPct val="100000"/>
         </a:lnSpc>
@@ -8306,7 +8472,7 @@
           <a:srgbClr val="000000"/>
         </a:buClr>
         <a:buFont typeface="Arial"/>
-        <a:defRPr b="0" i="0" sz="1400" u="none" cap="none" strike="noStrike">
+        <a:defRPr sz="1400" b="0" i="0" u="none" strike="noStrike" cap="none">
           <a:solidFill>
             <a:srgbClr val="000000"/>
           </a:solidFill>
@@ -8316,7 +8482,7 @@
           <a:sym typeface="Arial"/>
         </a:defRPr>
       </a:lvl3pPr>
-      <a:lvl4pPr lvl="3" marR="0" rtl="0" algn="l">
+      <a:lvl4pPr marR="0" lvl="3" algn="l" rtl="0">
         <a:lnSpc>
           <a:spcPct val="100000"/>
         </a:lnSpc>
@@ -8330,7 +8496,7 @@
           <a:srgbClr val="000000"/>
         </a:buClr>
         <a:buFont typeface="Arial"/>
-        <a:defRPr b="0" i="0" sz="1400" u="none" cap="none" strike="noStrike">
+        <a:defRPr sz="1400" b="0" i="0" u="none" strike="noStrike" cap="none">
           <a:solidFill>
             <a:srgbClr val="000000"/>
           </a:solidFill>
@@ -8340,7 +8506,7 @@
           <a:sym typeface="Arial"/>
         </a:defRPr>
       </a:lvl4pPr>
-      <a:lvl5pPr lvl="4" marR="0" rtl="0" algn="l">
+      <a:lvl5pPr marR="0" lvl="4" algn="l" rtl="0">
         <a:lnSpc>
           <a:spcPct val="100000"/>
         </a:lnSpc>
@@ -8354,7 +8520,7 @@
           <a:srgbClr val="000000"/>
         </a:buClr>
         <a:buFont typeface="Arial"/>
-        <a:defRPr b="0" i="0" sz="1400" u="none" cap="none" strike="noStrike">
+        <a:defRPr sz="1400" b="0" i="0" u="none" strike="noStrike" cap="none">
           <a:solidFill>
             <a:srgbClr val="000000"/>
           </a:solidFill>
@@ -8364,7 +8530,7 @@
           <a:sym typeface="Arial"/>
         </a:defRPr>
       </a:lvl5pPr>
-      <a:lvl6pPr lvl="5" marR="0" rtl="0" algn="l">
+      <a:lvl6pPr marR="0" lvl="5" algn="l" rtl="0">
         <a:lnSpc>
           <a:spcPct val="100000"/>
         </a:lnSpc>
@@ -8378,7 +8544,7 @@
           <a:srgbClr val="000000"/>
         </a:buClr>
         <a:buFont typeface="Arial"/>
-        <a:defRPr b="0" i="0" sz="1400" u="none" cap="none" strike="noStrike">
+        <a:defRPr sz="1400" b="0" i="0" u="none" strike="noStrike" cap="none">
           <a:solidFill>
             <a:srgbClr val="000000"/>
           </a:solidFill>
@@ -8388,7 +8554,7 @@
           <a:sym typeface="Arial"/>
         </a:defRPr>
       </a:lvl6pPr>
-      <a:lvl7pPr lvl="6" marR="0" rtl="0" algn="l">
+      <a:lvl7pPr marR="0" lvl="6" algn="l" rtl="0">
         <a:lnSpc>
           <a:spcPct val="100000"/>
         </a:lnSpc>
@@ -8402,7 +8568,7 @@
           <a:srgbClr val="000000"/>
         </a:buClr>
         <a:buFont typeface="Arial"/>
-        <a:defRPr b="0" i="0" sz="1400" u="none" cap="none" strike="noStrike">
+        <a:defRPr sz="1400" b="0" i="0" u="none" strike="noStrike" cap="none">
           <a:solidFill>
             <a:srgbClr val="000000"/>
           </a:solidFill>
@@ -8412,7 +8578,7 @@
           <a:sym typeface="Arial"/>
         </a:defRPr>
       </a:lvl7pPr>
-      <a:lvl8pPr lvl="7" marR="0" rtl="0" algn="l">
+      <a:lvl8pPr marR="0" lvl="7" algn="l" rtl="0">
         <a:lnSpc>
           <a:spcPct val="100000"/>
         </a:lnSpc>
@@ -8426,7 +8592,7 @@
           <a:srgbClr val="000000"/>
         </a:buClr>
         <a:buFont typeface="Arial"/>
-        <a:defRPr b="0" i="0" sz="1400" u="none" cap="none" strike="noStrike">
+        <a:defRPr sz="1400" b="0" i="0" u="none" strike="noStrike" cap="none">
           <a:solidFill>
             <a:srgbClr val="000000"/>
           </a:solidFill>
@@ -8436,7 +8602,7 @@
           <a:sym typeface="Arial"/>
         </a:defRPr>
       </a:lvl8pPr>
-      <a:lvl9pPr lvl="8" marR="0" rtl="0" algn="l">
+      <a:lvl9pPr marR="0" lvl="8" algn="l" rtl="0">
         <a:lnSpc>
           <a:spcPct val="100000"/>
         </a:lnSpc>
@@ -8450,7 +8616,7 @@
           <a:srgbClr val="000000"/>
         </a:buClr>
         <a:buFont typeface="Arial"/>
-        <a:defRPr b="0" i="0" sz="1400" u="none" cap="none" strike="noStrike">
+        <a:defRPr sz="1400" b="0" i="0" u="none" strike="noStrike" cap="none">
           <a:solidFill>
             <a:srgbClr val="000000"/>
           </a:solidFill>
@@ -8462,7 +8628,7 @@
       </a:lvl9pPr>
     </p:bodyStyle>
     <p:otherStyle>
-      <a:defPPr lvl="0" marR="0" rtl="0" algn="l">
+      <a:defPPr marR="0" lvl="0" algn="l" rtl="0">
         <a:lnSpc>
           <a:spcPct val="100000"/>
         </a:lnSpc>
@@ -8473,7 +8639,7 @@
           <a:spcPts val="0"/>
         </a:spcAft>
       </a:defPPr>
-      <a:lvl1pPr lvl="0" marR="0" rtl="0" algn="l">
+      <a:lvl1pPr marR="0" lvl="0" algn="l" rtl="0">
         <a:lnSpc>
           <a:spcPct val="100000"/>
         </a:lnSpc>
@@ -8487,7 +8653,7 @@
           <a:srgbClr val="000000"/>
         </a:buClr>
         <a:buFont typeface="Arial"/>
-        <a:defRPr b="0" i="0" sz="1400" u="none" cap="none" strike="noStrike">
+        <a:defRPr sz="1400" b="0" i="0" u="none" strike="noStrike" cap="none">
           <a:solidFill>
             <a:srgbClr val="000000"/>
           </a:solidFill>
@@ -8497,7 +8663,7 @@
           <a:sym typeface="Arial"/>
         </a:defRPr>
       </a:lvl1pPr>
-      <a:lvl2pPr lvl="1" marR="0" rtl="0" algn="l">
+      <a:lvl2pPr marR="0" lvl="1" algn="l" rtl="0">
         <a:lnSpc>
           <a:spcPct val="100000"/>
         </a:lnSpc>
@@ -8511,7 +8677,7 @@
           <a:srgbClr val="000000"/>
         </a:buClr>
         <a:buFont typeface="Arial"/>
-        <a:defRPr b="0" i="0" sz="1400" u="none" cap="none" strike="noStrike">
+        <a:defRPr sz="1400" b="0" i="0" u="none" strike="noStrike" cap="none">
           <a:solidFill>
             <a:srgbClr val="000000"/>
           </a:solidFill>
@@ -8521,7 +8687,7 @@
           <a:sym typeface="Arial"/>
         </a:defRPr>
       </a:lvl2pPr>
-      <a:lvl3pPr lvl="2" marR="0" rtl="0" algn="l">
+      <a:lvl3pPr marR="0" lvl="2" algn="l" rtl="0">
         <a:lnSpc>
           <a:spcPct val="100000"/>
         </a:lnSpc>
@@ -8535,7 +8701,7 @@
           <a:srgbClr val="000000"/>
         </a:buClr>
         <a:buFont typeface="Arial"/>
-        <a:defRPr b="0" i="0" sz="1400" u="none" cap="none" strike="noStrike">
+        <a:defRPr sz="1400" b="0" i="0" u="none" strike="noStrike" cap="none">
           <a:solidFill>
             <a:srgbClr val="000000"/>
           </a:solidFill>
@@ -8545,7 +8711,7 @@
           <a:sym typeface="Arial"/>
         </a:defRPr>
       </a:lvl3pPr>
-      <a:lvl4pPr lvl="3" marR="0" rtl="0" algn="l">
+      <a:lvl4pPr marR="0" lvl="3" algn="l" rtl="0">
         <a:lnSpc>
           <a:spcPct val="100000"/>
         </a:lnSpc>
@@ -8559,7 +8725,7 @@
           <a:srgbClr val="000000"/>
         </a:buClr>
         <a:buFont typeface="Arial"/>
-        <a:defRPr b="0" i="0" sz="1400" u="none" cap="none" strike="noStrike">
+        <a:defRPr sz="1400" b="0" i="0" u="none" strike="noStrike" cap="none">
           <a:solidFill>
             <a:srgbClr val="000000"/>
           </a:solidFill>
@@ -8569,7 +8735,7 @@
           <a:sym typeface="Arial"/>
         </a:defRPr>
       </a:lvl4pPr>
-      <a:lvl5pPr lvl="4" marR="0" rtl="0" algn="l">
+      <a:lvl5pPr marR="0" lvl="4" algn="l" rtl="0">
         <a:lnSpc>
           <a:spcPct val="100000"/>
         </a:lnSpc>
@@ -8583,7 +8749,7 @@
           <a:srgbClr val="000000"/>
         </a:buClr>
         <a:buFont typeface="Arial"/>
-        <a:defRPr b="0" i="0" sz="1400" u="none" cap="none" strike="noStrike">
+        <a:defRPr sz="1400" b="0" i="0" u="none" strike="noStrike" cap="none">
           <a:solidFill>
             <a:srgbClr val="000000"/>
           </a:solidFill>
@@ -8593,7 +8759,7 @@
           <a:sym typeface="Arial"/>
         </a:defRPr>
       </a:lvl5pPr>
-      <a:lvl6pPr lvl="5" marR="0" rtl="0" algn="l">
+      <a:lvl6pPr marR="0" lvl="5" algn="l" rtl="0">
         <a:lnSpc>
           <a:spcPct val="100000"/>
         </a:lnSpc>
@@ -8607,7 +8773,7 @@
           <a:srgbClr val="000000"/>
         </a:buClr>
         <a:buFont typeface="Arial"/>
-        <a:defRPr b="0" i="0" sz="1400" u="none" cap="none" strike="noStrike">
+        <a:defRPr sz="1400" b="0" i="0" u="none" strike="noStrike" cap="none">
           <a:solidFill>
             <a:srgbClr val="000000"/>
           </a:solidFill>
@@ -8617,7 +8783,7 @@
           <a:sym typeface="Arial"/>
         </a:defRPr>
       </a:lvl6pPr>
-      <a:lvl7pPr lvl="6" marR="0" rtl="0" algn="l">
+      <a:lvl7pPr marR="0" lvl="6" algn="l" rtl="0">
         <a:lnSpc>
           <a:spcPct val="100000"/>
         </a:lnSpc>
@@ -8631,7 +8797,7 @@
           <a:srgbClr val="000000"/>
         </a:buClr>
         <a:buFont typeface="Arial"/>
-        <a:defRPr b="0" i="0" sz="1400" u="none" cap="none" strike="noStrike">
+        <a:defRPr sz="1400" b="0" i="0" u="none" strike="noStrike" cap="none">
           <a:solidFill>
             <a:srgbClr val="000000"/>
           </a:solidFill>
@@ -8641,7 +8807,7 @@
           <a:sym typeface="Arial"/>
         </a:defRPr>
       </a:lvl7pPr>
-      <a:lvl8pPr lvl="7" marR="0" rtl="0" algn="l">
+      <a:lvl8pPr marR="0" lvl="7" algn="l" rtl="0">
         <a:lnSpc>
           <a:spcPct val="100000"/>
         </a:lnSpc>
@@ -8655,7 +8821,7 @@
           <a:srgbClr val="000000"/>
         </a:buClr>
         <a:buFont typeface="Arial"/>
-        <a:defRPr b="0" i="0" sz="1400" u="none" cap="none" strike="noStrike">
+        <a:defRPr sz="1400" b="0" i="0" u="none" strike="noStrike" cap="none">
           <a:solidFill>
             <a:srgbClr val="000000"/>
           </a:solidFill>
@@ -8665,7 +8831,7 @@
           <a:sym typeface="Arial"/>
         </a:defRPr>
       </a:lvl8pPr>
-      <a:lvl9pPr lvl="8" marR="0" rtl="0" algn="l">
+      <a:lvl9pPr marR="0" lvl="8" algn="l" rtl="0">
         <a:lnSpc>
           <a:spcPct val="100000"/>
         </a:lnSpc>
@@ -8679,7 +8845,7 @@
           <a:srgbClr val="000000"/>
         </a:buClr>
         <a:buFont typeface="Arial"/>
-        <a:defRPr b="0" i="0" sz="1400" u="none" cap="none" strike="noStrike">
+        <a:defRPr sz="1400" b="0" i="0" u="none" strike="noStrike" cap="none">
           <a:solidFill>
             <a:srgbClr val="000000"/>
           </a:solidFill>
@@ -8695,11 +8861,11 @@
 </file>
 
 <file path=ppt/slides/slide1.xml><?xml version="1.0" encoding="utf-8"?>
-<p:sld xmlns:a="http://schemas.openxmlformats.org/drawingml/2006/main" xmlns:r="http://schemas.openxmlformats.org/officeDocument/2006/relationships" xmlns:mc="http://schemas.openxmlformats.org/markup-compatibility/2006" xmlns:mv="urn:schemas-microsoft-com:mac:vml" xmlns:p="http://schemas.openxmlformats.org/presentationml/2006/main" xmlns:c="http://schemas.openxmlformats.org/drawingml/2006/chart" xmlns:dgm="http://schemas.openxmlformats.org/drawingml/2006/diagram" xmlns:o="urn:schemas-microsoft-com:office:office" xmlns:v="urn:schemas-microsoft-com:vml" xmlns:pvml="urn:schemas-microsoft-com:office:powerpoint" xmlns:com="http://schemas.openxmlformats.org/drawingml/2006/compatibility" xmlns:p14="http://schemas.microsoft.com/office/powerpoint/2010/main" xmlns:p15="http://schemas.microsoft.com/office/powerpoint/2012/main" xmlns:ahyp="http://schemas.microsoft.com/office/drawing/2018/hyperlinkcolor">
+<p:sld xmlns:a="http://schemas.openxmlformats.org/drawingml/2006/main" xmlns:r="http://schemas.openxmlformats.org/officeDocument/2006/relationships" xmlns:p="http://schemas.openxmlformats.org/presentationml/2006/main">
   <p:cSld>
     <p:spTree>
       <p:nvGrpSpPr>
-        <p:cNvPr id="84" name="Shape 84"/>
+        <p:cNvPr id="1" name="Shape 84"/>
         <p:cNvGrpSpPr/>
         <p:nvPr/>
       </p:nvGrpSpPr>
@@ -8714,7 +8880,9 @@
       <p:sp>
         <p:nvSpPr>
           <p:cNvPr id="85" name="Google Shape;85;p13"/>
-          <p:cNvSpPr txBox="1"/>
+          <p:cNvSpPr txBox="1">
+            <a:spLocks noGrp="1"/>
+          </p:cNvSpPr>
           <p:nvPr>
             <p:ph type="ctrTitle"/>
           </p:nvPr>
@@ -8729,12 +8897,12 @@
           </a:prstGeom>
         </p:spPr>
         <p:txBody>
-          <a:bodyPr anchorCtr="0" anchor="b" bIns="91425" lIns="91425" spcFirstLastPara="1" rIns="91425" wrap="square" tIns="91425">
+          <a:bodyPr spcFirstLastPara="1" wrap="square" lIns="91425" tIns="91425" rIns="91425" bIns="91425" anchor="b" anchorCtr="0">
             <a:noAutofit/>
           </a:bodyPr>
           <a:lstStyle/>
           <a:p>
-            <a:pPr indent="0" lvl="0" marL="0" rtl="0" algn="l">
+            <a:pPr marL="0" lvl="0" indent="0" algn="l" rtl="0">
               <a:spcBef>
                 <a:spcPts val="0"/>
               </a:spcBef>
@@ -8744,19 +8912,21 @@
               <a:buNone/>
             </a:pPr>
             <a:r>
-              <a:rPr lang="en"/>
-              <a:t>Stock Price Prediction Using Machine Learning</a:t>
+              <a:rPr lang="en" dirty="0"/>
+              <a:t>Prediction with Boosting Machine Learning</a:t>
             </a:r>
-            <a:endParaRPr/>
+            <a:endParaRPr dirty="0"/>
           </a:p>
         </p:txBody>
       </p:sp>
       <p:sp>
         <p:nvSpPr>
           <p:cNvPr id="86" name="Google Shape;86;p13"/>
-          <p:cNvSpPr txBox="1"/>
+          <p:cNvSpPr txBox="1">
+            <a:spLocks noGrp="1"/>
+          </p:cNvSpPr>
           <p:nvPr>
-            <p:ph idx="1" type="subTitle"/>
+            <p:ph type="subTitle" idx="1"/>
           </p:nvPr>
         </p:nvSpPr>
         <p:spPr>
@@ -8769,12 +8939,12 @@
           </a:prstGeom>
         </p:spPr>
         <p:txBody>
-          <a:bodyPr anchorCtr="0" anchor="t" bIns="91425" lIns="91425" spcFirstLastPara="1" rIns="91425" wrap="square" tIns="91425">
+          <a:bodyPr spcFirstLastPara="1" wrap="square" lIns="91425" tIns="91425" rIns="91425" bIns="91425" anchor="t" anchorCtr="0">
             <a:noAutofit/>
           </a:bodyPr>
           <a:lstStyle/>
           <a:p>
-            <a:pPr indent="0" lvl="0" marL="0" rtl="0" algn="l">
+            <a:pPr marL="0" lvl="0" indent="0" algn="l" rtl="0">
               <a:spcBef>
                 <a:spcPts val="0"/>
               </a:spcBef>
@@ -8811,12 +8981,12 @@
           </a:ln>
         </p:spPr>
         <p:txBody>
-          <a:bodyPr anchorCtr="0" anchor="t" bIns="91425" lIns="91425" spcFirstLastPara="1" rIns="91425" wrap="square" tIns="91425">
+          <a:bodyPr spcFirstLastPara="1" wrap="square" lIns="91425" tIns="91425" rIns="91425" bIns="91425" anchor="t" anchorCtr="0">
             <a:spAutoFit/>
           </a:bodyPr>
           <a:lstStyle/>
           <a:p>
-            <a:pPr indent="0" lvl="0" marL="0" rtl="0" algn="l">
+            <a:pPr marL="0" lvl="0" indent="0" algn="l" rtl="0">
               <a:spcBef>
                 <a:spcPts val="0"/>
               </a:spcBef>
@@ -8825,9 +8995,6 @@
               </a:spcAft>
               <a:buNone/>
             </a:pPr>
-            <a:r>
-              <a:t/>
-            </a:r>
             <a:endParaRPr sz="1800">
               <a:solidFill>
                 <a:schemeClr val="dk2"/>
@@ -8843,9 +9010,11 @@
       <p:sp>
         <p:nvSpPr>
           <p:cNvPr id="88" name="Google Shape;88;p13"/>
-          <p:cNvSpPr txBox="1"/>
+          <p:cNvSpPr txBox="1">
+            <a:spLocks noGrp="1"/>
+          </p:cNvSpPr>
           <p:nvPr>
-            <p:ph idx="1" type="subTitle"/>
+            <p:ph type="subTitle" idx="1"/>
           </p:nvPr>
         </p:nvSpPr>
         <p:spPr>
@@ -8858,12 +9027,12 @@
           </a:prstGeom>
         </p:spPr>
         <p:txBody>
-          <a:bodyPr anchorCtr="0" anchor="t" bIns="91425" lIns="91425" spcFirstLastPara="1" rIns="91425" wrap="square" tIns="91425">
+          <a:bodyPr spcFirstLastPara="1" wrap="square" lIns="91425" tIns="91425" rIns="91425" bIns="91425" anchor="t" anchorCtr="0">
             <a:noAutofit/>
           </a:bodyPr>
           <a:lstStyle/>
           <a:p>
-            <a:pPr indent="0" lvl="0" marL="0" rtl="0" algn="l">
+            <a:pPr marL="0" lvl="0" indent="0" algn="l" rtl="0">
               <a:spcBef>
                 <a:spcPts val="0"/>
               </a:spcBef>
@@ -8896,11 +9065,11 @@
 </file>
 
 <file path=ppt/slides/slide10.xml><?xml version="1.0" encoding="utf-8"?>
-<p:sld xmlns:a="http://schemas.openxmlformats.org/drawingml/2006/main" xmlns:r="http://schemas.openxmlformats.org/officeDocument/2006/relationships" xmlns:mc="http://schemas.openxmlformats.org/markup-compatibility/2006" xmlns:mv="urn:schemas-microsoft-com:mac:vml" xmlns:p="http://schemas.openxmlformats.org/presentationml/2006/main" xmlns:c="http://schemas.openxmlformats.org/drawingml/2006/chart" xmlns:dgm="http://schemas.openxmlformats.org/drawingml/2006/diagram" xmlns:o="urn:schemas-microsoft-com:office:office" xmlns:v="urn:schemas-microsoft-com:vml" xmlns:pvml="urn:schemas-microsoft-com:office:powerpoint" xmlns:com="http://schemas.openxmlformats.org/drawingml/2006/compatibility" xmlns:p14="http://schemas.microsoft.com/office/powerpoint/2010/main" xmlns:p15="http://schemas.microsoft.com/office/powerpoint/2012/main" xmlns:ahyp="http://schemas.microsoft.com/office/drawing/2018/hyperlinkcolor">
+<p:sld xmlns:a="http://schemas.openxmlformats.org/drawingml/2006/main" xmlns:r="http://schemas.openxmlformats.org/officeDocument/2006/relationships" xmlns:p="http://schemas.openxmlformats.org/presentationml/2006/main">
   <p:cSld>
     <p:spTree>
       <p:nvGrpSpPr>
-        <p:cNvPr id="141" name="Shape 141"/>
+        <p:cNvPr id="1" name="Shape 141"/>
         <p:cNvGrpSpPr/>
         <p:nvPr/>
       </p:nvGrpSpPr>
@@ -8932,12 +9101,12 @@
           </a:ln>
         </p:spPr>
         <p:txBody>
-          <a:bodyPr anchorCtr="0" anchor="t" bIns="91425" lIns="91425" spcFirstLastPara="1" rIns="91425" wrap="square" tIns="91425">
+          <a:bodyPr spcFirstLastPara="1" wrap="square" lIns="91425" tIns="91425" rIns="91425" bIns="91425" anchor="t" anchorCtr="0">
             <a:spAutoFit/>
           </a:bodyPr>
           <a:lstStyle/>
           <a:p>
-            <a:pPr indent="-317500" lvl="0" marL="457200" rtl="0" algn="l">
+            <a:pPr marL="457200" lvl="0" indent="-317500" algn="l" rtl="0">
               <a:spcBef>
                 <a:spcPts val="0"/>
               </a:spcBef>
@@ -8974,7 +9143,7 @@
             </a:endParaRPr>
           </a:p>
           <a:p>
-            <a:pPr indent="-317500" lvl="0" marL="457200" rtl="0" algn="l">
+            <a:pPr marL="457200" lvl="0" indent="-317500" algn="l" rtl="0">
               <a:spcBef>
                 <a:spcPts val="0"/>
               </a:spcBef>
@@ -9049,11 +9218,11 @@
 </file>
 
 <file path=ppt/slides/slide11.xml><?xml version="1.0" encoding="utf-8"?>
-<p:sld xmlns:a="http://schemas.openxmlformats.org/drawingml/2006/main" xmlns:r="http://schemas.openxmlformats.org/officeDocument/2006/relationships" xmlns:mc="http://schemas.openxmlformats.org/markup-compatibility/2006" xmlns:mv="urn:schemas-microsoft-com:mac:vml" xmlns:p="http://schemas.openxmlformats.org/presentationml/2006/main" xmlns:c="http://schemas.openxmlformats.org/drawingml/2006/chart" xmlns:dgm="http://schemas.openxmlformats.org/drawingml/2006/diagram" xmlns:o="urn:schemas-microsoft-com:office:office" xmlns:v="urn:schemas-microsoft-com:vml" xmlns:pvml="urn:schemas-microsoft-com:office:powerpoint" xmlns:com="http://schemas.openxmlformats.org/drawingml/2006/compatibility" xmlns:p14="http://schemas.microsoft.com/office/powerpoint/2010/main" xmlns:p15="http://schemas.microsoft.com/office/powerpoint/2012/main" xmlns:ahyp="http://schemas.microsoft.com/office/drawing/2018/hyperlinkcolor">
+<p:sld xmlns:a="http://schemas.openxmlformats.org/drawingml/2006/main" xmlns:r="http://schemas.openxmlformats.org/officeDocument/2006/relationships" xmlns:p="http://schemas.openxmlformats.org/presentationml/2006/main">
   <p:cSld>
     <p:spTree>
       <p:nvGrpSpPr>
-        <p:cNvPr id="147" name="Shape 147"/>
+        <p:cNvPr id="1" name="Shape 147"/>
         <p:cNvGrpSpPr/>
         <p:nvPr/>
       </p:nvGrpSpPr>
@@ -9085,12 +9254,12 @@
           </a:ln>
         </p:spPr>
         <p:txBody>
-          <a:bodyPr anchorCtr="0" anchor="t" bIns="91425" lIns="91425" spcFirstLastPara="1" rIns="91425" wrap="square" tIns="91425">
+          <a:bodyPr spcFirstLastPara="1" wrap="square" lIns="91425" tIns="91425" rIns="91425" bIns="91425" anchor="t" anchorCtr="0">
             <a:spAutoFit/>
           </a:bodyPr>
           <a:lstStyle/>
           <a:p>
-            <a:pPr indent="-317500" lvl="0" marL="457200" rtl="0" algn="l">
+            <a:pPr marL="457200" lvl="0" indent="-317500" algn="l" rtl="0">
               <a:spcBef>
                 <a:spcPts val="0"/>
               </a:spcBef>
@@ -9127,7 +9296,7 @@
             </a:endParaRPr>
           </a:p>
           <a:p>
-            <a:pPr indent="-317500" lvl="0" marL="457200" rtl="0" algn="l">
+            <a:pPr marL="457200" lvl="0" indent="-317500" algn="l" rtl="0">
               <a:spcBef>
                 <a:spcPts val="0"/>
               </a:spcBef>
@@ -9202,11 +9371,11 @@
 </file>
 
 <file path=ppt/slides/slide12.xml><?xml version="1.0" encoding="utf-8"?>
-<p:sld xmlns:a="http://schemas.openxmlformats.org/drawingml/2006/main" xmlns:r="http://schemas.openxmlformats.org/officeDocument/2006/relationships" xmlns:mc="http://schemas.openxmlformats.org/markup-compatibility/2006" xmlns:mv="urn:schemas-microsoft-com:mac:vml" xmlns:p="http://schemas.openxmlformats.org/presentationml/2006/main" xmlns:c="http://schemas.openxmlformats.org/drawingml/2006/chart" xmlns:dgm="http://schemas.openxmlformats.org/drawingml/2006/diagram" xmlns:o="urn:schemas-microsoft-com:office:office" xmlns:v="urn:schemas-microsoft-com:vml" xmlns:pvml="urn:schemas-microsoft-com:office:powerpoint" xmlns:com="http://schemas.openxmlformats.org/drawingml/2006/compatibility" xmlns:p14="http://schemas.microsoft.com/office/powerpoint/2010/main" xmlns:p15="http://schemas.microsoft.com/office/powerpoint/2012/main" xmlns:ahyp="http://schemas.microsoft.com/office/drawing/2018/hyperlinkcolor">
+<p:sld xmlns:a="http://schemas.openxmlformats.org/drawingml/2006/main" xmlns:r="http://schemas.openxmlformats.org/officeDocument/2006/relationships" xmlns:p="http://schemas.openxmlformats.org/presentationml/2006/main">
   <p:cSld>
     <p:spTree>
       <p:nvGrpSpPr>
-        <p:cNvPr id="153" name="Shape 153"/>
+        <p:cNvPr id="1" name="Shape 153"/>
         <p:cNvGrpSpPr/>
         <p:nvPr/>
       </p:nvGrpSpPr>
@@ -9238,12 +9407,12 @@
           </a:ln>
         </p:spPr>
         <p:txBody>
-          <a:bodyPr anchorCtr="0" anchor="t" bIns="91425" lIns="91425" spcFirstLastPara="1" rIns="91425" wrap="square" tIns="91425">
+          <a:bodyPr spcFirstLastPara="1" wrap="square" lIns="91425" tIns="91425" rIns="91425" bIns="91425" anchor="t" anchorCtr="0">
             <a:spAutoFit/>
           </a:bodyPr>
           <a:lstStyle/>
           <a:p>
-            <a:pPr indent="-317500" lvl="0" marL="457200" rtl="0" algn="l">
+            <a:pPr marL="457200" lvl="0" indent="-317500" algn="l" rtl="0">
               <a:spcBef>
                 <a:spcPts val="0"/>
               </a:spcBef>
@@ -9280,7 +9449,7 @@
             </a:endParaRPr>
           </a:p>
           <a:p>
-            <a:pPr indent="-317500" lvl="0" marL="457200" rtl="0" algn="l">
+            <a:pPr marL="457200" lvl="0" indent="-317500" algn="l" rtl="0">
               <a:spcBef>
                 <a:spcPts val="0"/>
               </a:spcBef>
@@ -9355,11 +9524,11 @@
 </file>
 
 <file path=ppt/slides/slide13.xml><?xml version="1.0" encoding="utf-8"?>
-<p:sld xmlns:a="http://schemas.openxmlformats.org/drawingml/2006/main" xmlns:r="http://schemas.openxmlformats.org/officeDocument/2006/relationships" xmlns:mc="http://schemas.openxmlformats.org/markup-compatibility/2006" xmlns:mv="urn:schemas-microsoft-com:mac:vml" xmlns:p="http://schemas.openxmlformats.org/presentationml/2006/main" xmlns:c="http://schemas.openxmlformats.org/drawingml/2006/chart" xmlns:dgm="http://schemas.openxmlformats.org/drawingml/2006/diagram" xmlns:o="urn:schemas-microsoft-com:office:office" xmlns:v="urn:schemas-microsoft-com:vml" xmlns:pvml="urn:schemas-microsoft-com:office:powerpoint" xmlns:com="http://schemas.openxmlformats.org/drawingml/2006/compatibility" xmlns:p14="http://schemas.microsoft.com/office/powerpoint/2010/main" xmlns:p15="http://schemas.microsoft.com/office/powerpoint/2012/main" xmlns:ahyp="http://schemas.microsoft.com/office/drawing/2018/hyperlinkcolor">
+<p:sld xmlns:a="http://schemas.openxmlformats.org/drawingml/2006/main" xmlns:r="http://schemas.openxmlformats.org/officeDocument/2006/relationships" xmlns:p="http://schemas.openxmlformats.org/presentationml/2006/main">
   <p:cSld>
     <p:spTree>
       <p:nvGrpSpPr>
-        <p:cNvPr id="159" name="Shape 159"/>
+        <p:cNvPr id="1" name="Shape 159"/>
         <p:cNvGrpSpPr/>
         <p:nvPr/>
       </p:nvGrpSpPr>
@@ -9387,8 +9556,8 @@
         </p:blipFill>
         <p:spPr>
           <a:xfrm>
-            <a:off x="0" y="0"/>
-            <a:ext cx="9143999" cy="5143499"/>
+            <a:off x="0" y="1"/>
+            <a:ext cx="9143999" cy="4128052"/>
           </a:xfrm>
           <a:prstGeom prst="rect">
             <a:avLst/>
@@ -9397,6 +9566,36 @@
           <a:ln>
             <a:noFill/>
           </a:ln>
+        </p:spPr>
+      </p:pic>
+      <p:pic>
+        <p:nvPicPr>
+          <p:cNvPr id="3" name="Picture 2">
+            <a:extLst>
+              <a:ext uri="{FF2B5EF4-FFF2-40B4-BE49-F238E27FC236}">
+                <a16:creationId xmlns:a16="http://schemas.microsoft.com/office/drawing/2014/main" id="{E4578829-6628-4465-A210-0EAC387B6C26}"/>
+              </a:ext>
+            </a:extLst>
+          </p:cNvPr>
+          <p:cNvPicPr>
+            <a:picLocks noChangeAspect="1"/>
+          </p:cNvPicPr>
+          <p:nvPr/>
+        </p:nvPicPr>
+        <p:blipFill>
+          <a:blip r:embed="rId4"/>
+          <a:stretch>
+            <a:fillRect/>
+          </a:stretch>
+        </p:blipFill>
+        <p:spPr>
+          <a:xfrm>
+            <a:off x="-1" y="4128053"/>
+            <a:ext cx="9144000" cy="1015447"/>
+          </a:xfrm>
+          <a:prstGeom prst="rect">
+            <a:avLst/>
+          </a:prstGeom>
         </p:spPr>
       </p:pic>
     </p:spTree>
@@ -9408,11 +9607,11 @@
 </file>
 
 <file path=ppt/slides/slide14.xml><?xml version="1.0" encoding="utf-8"?>
-<p:sld xmlns:a="http://schemas.openxmlformats.org/drawingml/2006/main" xmlns:r="http://schemas.openxmlformats.org/officeDocument/2006/relationships" xmlns:mc="http://schemas.openxmlformats.org/markup-compatibility/2006" xmlns:mv="urn:schemas-microsoft-com:mac:vml" xmlns:p="http://schemas.openxmlformats.org/presentationml/2006/main" xmlns:c="http://schemas.openxmlformats.org/drawingml/2006/chart" xmlns:dgm="http://schemas.openxmlformats.org/drawingml/2006/diagram" xmlns:o="urn:schemas-microsoft-com:office:office" xmlns:v="urn:schemas-microsoft-com:vml" xmlns:pvml="urn:schemas-microsoft-com:office:powerpoint" xmlns:com="http://schemas.openxmlformats.org/drawingml/2006/compatibility" xmlns:p14="http://schemas.microsoft.com/office/powerpoint/2010/main" xmlns:p15="http://schemas.microsoft.com/office/powerpoint/2012/main" xmlns:ahyp="http://schemas.microsoft.com/office/drawing/2018/hyperlinkcolor">
+<p:sld xmlns:a="http://schemas.openxmlformats.org/drawingml/2006/main" xmlns:r="http://schemas.openxmlformats.org/officeDocument/2006/relationships" xmlns:p="http://schemas.openxmlformats.org/presentationml/2006/main">
   <p:cSld>
     <p:spTree>
       <p:nvGrpSpPr>
-        <p:cNvPr id="164" name="Shape 164"/>
+        <p:cNvPr id="1" name="Shape 164"/>
         <p:cNvGrpSpPr/>
         <p:nvPr/>
       </p:nvGrpSpPr>
@@ -9427,7 +9626,9 @@
       <p:sp>
         <p:nvSpPr>
           <p:cNvPr id="165" name="Google Shape;165;p26"/>
-          <p:cNvSpPr txBox="1"/>
+          <p:cNvSpPr txBox="1">
+            <a:spLocks noGrp="1"/>
+          </p:cNvSpPr>
           <p:nvPr>
             <p:ph type="title"/>
           </p:nvPr>
@@ -9442,12 +9643,12 @@
           </a:prstGeom>
         </p:spPr>
         <p:txBody>
-          <a:bodyPr anchorCtr="0" anchor="ctr" bIns="91425" lIns="91425" spcFirstLastPara="1" rIns="91425" wrap="square" tIns="91425">
+          <a:bodyPr spcFirstLastPara="1" wrap="square" lIns="91425" tIns="91425" rIns="91425" bIns="91425" anchor="ctr" anchorCtr="0">
             <a:noAutofit/>
           </a:bodyPr>
           <a:lstStyle/>
           <a:p>
-            <a:pPr indent="0" lvl="0" marL="0" rtl="0" algn="l">
+            <a:pPr marL="0" lvl="0" indent="0" algn="l" rtl="0">
               <a:spcBef>
                 <a:spcPts val="0"/>
               </a:spcBef>
@@ -9484,12 +9685,12 @@
           </a:ln>
         </p:spPr>
         <p:txBody>
-          <a:bodyPr anchorCtr="0" anchor="t" bIns="91425" lIns="91425" spcFirstLastPara="1" rIns="91425" wrap="square" tIns="91425">
+          <a:bodyPr spcFirstLastPara="1" wrap="square" lIns="91425" tIns="91425" rIns="91425" bIns="91425" anchor="t" anchorCtr="0">
             <a:spAutoFit/>
           </a:bodyPr>
           <a:lstStyle/>
           <a:p>
-            <a:pPr indent="-311150" lvl="0" marL="457200" rtl="0" algn="l">
+            <a:pPr marL="457200" lvl="0" indent="-311150" algn="l" rtl="0">
               <a:spcBef>
                 <a:spcPts val="0"/>
               </a:spcBef>
@@ -9504,7 +9705,7 @@
               <a:buChar char="●"/>
             </a:pPr>
             <a:r>
-              <a:rPr b="1" lang="en" sz="1300">
+              <a:rPr lang="en" sz="1300" b="1">
                 <a:solidFill>
                   <a:schemeClr val="lt1"/>
                 </a:solidFill>
@@ -9538,7 +9739,7 @@
             </a:endParaRPr>
           </a:p>
           <a:p>
-            <a:pPr indent="-311150" lvl="0" marL="457200" rtl="0" algn="l">
+            <a:pPr marL="457200" lvl="0" indent="-311150" algn="l" rtl="0">
               <a:spcBef>
                 <a:spcPts val="0"/>
               </a:spcBef>
@@ -9553,7 +9754,7 @@
               <a:buChar char="●"/>
             </a:pPr>
             <a:r>
-              <a:rPr b="1" lang="en" sz="1300">
+              <a:rPr lang="en" sz="1300" b="1">
                 <a:solidFill>
                   <a:schemeClr val="lt1"/>
                 </a:solidFill>
@@ -9587,7 +9788,7 @@
             </a:endParaRPr>
           </a:p>
           <a:p>
-            <a:pPr indent="-311150" lvl="0" marL="457200" rtl="0" algn="l">
+            <a:pPr marL="457200" lvl="0" indent="-311150" algn="l" rtl="0">
               <a:spcBef>
                 <a:spcPts val="0"/>
               </a:spcBef>
@@ -9602,7 +9803,7 @@
               <a:buChar char="●"/>
             </a:pPr>
             <a:r>
-              <a:rPr b="1" lang="en" sz="1300">
+              <a:rPr lang="en" sz="1300" b="1">
                 <a:solidFill>
                   <a:schemeClr val="lt1"/>
                 </a:solidFill>
@@ -9636,7 +9837,7 @@
             </a:endParaRPr>
           </a:p>
           <a:p>
-            <a:pPr indent="-311150" lvl="0" marL="457200" rtl="0" algn="l">
+            <a:pPr marL="457200" lvl="0" indent="-311150" algn="l" rtl="0">
               <a:spcBef>
                 <a:spcPts val="0"/>
               </a:spcBef>
@@ -9651,7 +9852,7 @@
               <a:buChar char="●"/>
             </a:pPr>
             <a:r>
-              <a:rPr b="1" lang="en" sz="1300">
+              <a:rPr lang="en" sz="1300" b="1">
                 <a:solidFill>
                   <a:schemeClr val="lt1"/>
                 </a:solidFill>
@@ -9685,7 +9886,7 @@
             </a:endParaRPr>
           </a:p>
           <a:p>
-            <a:pPr indent="-311150" lvl="0" marL="457200" rtl="0" algn="l">
+            <a:pPr marL="457200" lvl="0" indent="-311150" algn="l" rtl="0">
               <a:spcBef>
                 <a:spcPts val="0"/>
               </a:spcBef>
@@ -9700,7 +9901,7 @@
               <a:buChar char="●"/>
             </a:pPr>
             <a:r>
-              <a:rPr b="1" lang="en" sz="1300">
+              <a:rPr lang="en" sz="1300" b="1">
                 <a:solidFill>
                   <a:schemeClr val="lt1"/>
                 </a:solidFill>
@@ -9734,7 +9935,7 @@
             </a:endParaRPr>
           </a:p>
           <a:p>
-            <a:pPr indent="0" lvl="0" marL="0" rtl="0" algn="l">
+            <a:pPr marL="0" lvl="0" indent="0" algn="l" rtl="0">
               <a:spcBef>
                 <a:spcPts val="0"/>
               </a:spcBef>
@@ -9743,9 +9944,6 @@
               </a:spcAft>
               <a:buNone/>
             </a:pPr>
-            <a:r>
-              <a:t/>
-            </a:r>
             <a:endParaRPr sz="1300">
               <a:solidFill>
                 <a:schemeClr val="lt1"/>
@@ -9757,7 +9955,7 @@
             </a:endParaRPr>
           </a:p>
           <a:p>
-            <a:pPr indent="0" lvl="0" marL="0" rtl="0" algn="l">
+            <a:pPr marL="0" lvl="0" indent="0" algn="l" rtl="0">
               <a:spcBef>
                 <a:spcPts val="0"/>
               </a:spcBef>
@@ -9766,9 +9964,6 @@
               </a:spcAft>
               <a:buNone/>
             </a:pPr>
-            <a:r>
-              <a:t/>
-            </a:r>
             <a:endParaRPr sz="1300">
               <a:solidFill>
                 <a:schemeClr val="lt1"/>
@@ -9780,7 +9975,7 @@
             </a:endParaRPr>
           </a:p>
           <a:p>
-            <a:pPr indent="-311150" lvl="0" marL="457200" rtl="0" algn="l">
+            <a:pPr marL="457200" lvl="0" indent="-311150" algn="l" rtl="0">
               <a:spcBef>
                 <a:spcPts val="0"/>
               </a:spcBef>
@@ -9795,7 +9990,7 @@
               <a:buChar char="●"/>
             </a:pPr>
             <a:r>
-              <a:rPr b="1" lang="en" sz="1300">
+              <a:rPr lang="en" sz="1300" b="1">
                 <a:solidFill>
                   <a:schemeClr val="lt1"/>
                 </a:solidFill>
@@ -9806,7 +10001,7 @@
               </a:rPr>
               <a:t>Future Enhancements: </a:t>
             </a:r>
-            <a:endParaRPr b="1" sz="1300">
+            <a:endParaRPr sz="1300" b="1">
               <a:solidFill>
                 <a:schemeClr val="lt1"/>
               </a:solidFill>
@@ -9817,7 +10012,7 @@
             </a:endParaRPr>
           </a:p>
           <a:p>
-            <a:pPr indent="-311150" lvl="1" marL="914400" rtl="0" algn="l">
+            <a:pPr marL="914400" lvl="1" indent="-311150" algn="l" rtl="0">
               <a:spcBef>
                 <a:spcPts val="0"/>
               </a:spcBef>
@@ -9854,7 +10049,7 @@
             </a:endParaRPr>
           </a:p>
           <a:p>
-            <a:pPr indent="-311150" lvl="1" marL="914400" rtl="0" algn="l">
+            <a:pPr marL="914400" lvl="1" indent="-311150" algn="l" rtl="0">
               <a:spcBef>
                 <a:spcPts val="0"/>
               </a:spcBef>
@@ -9891,7 +10086,7 @@
             </a:endParaRPr>
           </a:p>
           <a:p>
-            <a:pPr indent="-311150" lvl="1" marL="914400" rtl="0" algn="l">
+            <a:pPr marL="914400" lvl="1" indent="-311150" algn="l" rtl="0">
               <a:spcBef>
                 <a:spcPts val="0"/>
               </a:spcBef>
@@ -9928,7 +10123,7 @@
             </a:endParaRPr>
           </a:p>
           <a:p>
-            <a:pPr indent="-311150" lvl="1" marL="914400" rtl="0" algn="l">
+            <a:pPr marL="914400" lvl="1" indent="-311150" algn="l" rtl="0">
               <a:spcBef>
                 <a:spcPts val="0"/>
               </a:spcBef>
@@ -9975,11 +10170,11 @@
 </file>
 
 <file path=ppt/slides/slide2.xml><?xml version="1.0" encoding="utf-8"?>
-<p:sld xmlns:a="http://schemas.openxmlformats.org/drawingml/2006/main" xmlns:r="http://schemas.openxmlformats.org/officeDocument/2006/relationships" xmlns:mc="http://schemas.openxmlformats.org/markup-compatibility/2006" xmlns:mv="urn:schemas-microsoft-com:mac:vml" xmlns:p="http://schemas.openxmlformats.org/presentationml/2006/main" xmlns:c="http://schemas.openxmlformats.org/drawingml/2006/chart" xmlns:dgm="http://schemas.openxmlformats.org/drawingml/2006/diagram" xmlns:o="urn:schemas-microsoft-com:office:office" xmlns:v="urn:schemas-microsoft-com:vml" xmlns:pvml="urn:schemas-microsoft-com:office:powerpoint" xmlns:com="http://schemas.openxmlformats.org/drawingml/2006/compatibility" xmlns:p14="http://schemas.microsoft.com/office/powerpoint/2010/main" xmlns:p15="http://schemas.microsoft.com/office/powerpoint/2012/main" xmlns:ahyp="http://schemas.microsoft.com/office/drawing/2018/hyperlinkcolor">
+<p:sld xmlns:a="http://schemas.openxmlformats.org/drawingml/2006/main" xmlns:r="http://schemas.openxmlformats.org/officeDocument/2006/relationships" xmlns:p="http://schemas.openxmlformats.org/presentationml/2006/main">
   <p:cSld>
     <p:spTree>
       <p:nvGrpSpPr>
-        <p:cNvPr id="92" name="Shape 92"/>
+        <p:cNvPr id="1" name="Shape 92"/>
         <p:cNvGrpSpPr/>
         <p:nvPr/>
       </p:nvGrpSpPr>
@@ -9994,7 +10189,9 @@
       <p:sp>
         <p:nvSpPr>
           <p:cNvPr id="93" name="Google Shape;93;p14"/>
-          <p:cNvSpPr txBox="1"/>
+          <p:cNvSpPr txBox="1">
+            <a:spLocks noGrp="1"/>
+          </p:cNvSpPr>
           <p:nvPr>
             <p:ph type="title"/>
           </p:nvPr>
@@ -10009,12 +10206,12 @@
           </a:prstGeom>
         </p:spPr>
         <p:txBody>
-          <a:bodyPr anchorCtr="0" anchor="t" bIns="91425" lIns="91425" spcFirstLastPara="1" rIns="91425" wrap="square" tIns="91425">
+          <a:bodyPr spcFirstLastPara="1" wrap="square" lIns="91425" tIns="91425" rIns="91425" bIns="91425" anchor="t" anchorCtr="0">
             <a:noAutofit/>
           </a:bodyPr>
           <a:lstStyle/>
           <a:p>
-            <a:pPr indent="0" lvl="0" marL="0" rtl="0" algn="l">
+            <a:pPr marL="0" lvl="0" indent="0" algn="l" rtl="0">
               <a:spcBef>
                 <a:spcPts val="0"/>
               </a:spcBef>
@@ -10028,7 +10225,7 @@
               <a:t>In this presentation, we will explore the methodologies and techniques used in stock price prediction, using </a:t>
             </a:r>
             <a:r>
-              <a:rPr b="1" lang="en" sz="1900"/>
+              <a:rPr lang="en" sz="1900" b="1"/>
               <a:t>Exxon Mobil Corporation</a:t>
             </a:r>
             <a:r>
@@ -10036,7 +10233,7 @@
               <a:t> as a case study. </a:t>
             </a:r>
             <a:r>
-              <a:rPr b="1" lang="en" sz="1900"/>
+              <a:rPr lang="en" sz="1900" b="1"/>
               <a:t>Exxon Mobil</a:t>
             </a:r>
             <a:r>
@@ -10050,9 +10247,11 @@
       <p:sp>
         <p:nvSpPr>
           <p:cNvPr id="94" name="Google Shape;94;p14"/>
-          <p:cNvSpPr txBox="1"/>
+          <p:cNvSpPr txBox="1">
+            <a:spLocks noGrp="1"/>
+          </p:cNvSpPr>
           <p:nvPr>
-            <p:ph idx="4294967295" type="body"/>
+            <p:ph type="body" idx="4294967295"/>
           </p:nvPr>
         </p:nvSpPr>
         <p:spPr>
@@ -10065,12 +10264,12 @@
           </a:prstGeom>
         </p:spPr>
         <p:txBody>
-          <a:bodyPr anchorCtr="0" anchor="t" bIns="91425" lIns="91425" spcFirstLastPara="1" rIns="91425" wrap="square" tIns="91425">
+          <a:bodyPr spcFirstLastPara="1" wrap="square" lIns="91425" tIns="91425" rIns="91425" bIns="91425" anchor="t" anchorCtr="0">
             <a:noAutofit/>
           </a:bodyPr>
           <a:lstStyle/>
           <a:p>
-            <a:pPr indent="0" lvl="0" marL="0" rtl="0" algn="l">
+            <a:pPr marL="0" lvl="0" indent="0" algn="l" rtl="0">
               <a:spcBef>
                 <a:spcPts val="0"/>
               </a:spcBef>
@@ -10115,12 +10314,12 @@
           </a:ln>
         </p:spPr>
         <p:txBody>
-          <a:bodyPr anchorCtr="0" anchor="t" bIns="91425" lIns="91425" spcFirstLastPara="1" rIns="91425" wrap="square" tIns="91425">
+          <a:bodyPr spcFirstLastPara="1" wrap="square" lIns="91425" tIns="91425" rIns="91425" bIns="91425" anchor="t" anchorCtr="0">
             <a:spAutoFit/>
           </a:bodyPr>
           <a:lstStyle/>
           <a:p>
-            <a:pPr indent="-323850" lvl="0" marL="457200" marR="0" rtl="0" algn="l">
+            <a:pPr marL="457200" marR="0" lvl="0" indent="-323850" algn="l" rtl="0">
               <a:lnSpc>
                 <a:spcPct val="100000"/>
               </a:lnSpc>
@@ -10138,7 +10337,7 @@
               <a:buChar char="●"/>
             </a:pPr>
             <a:r>
-              <a:rPr b="1" lang="en" sz="1500">
+              <a:rPr lang="en" sz="1500" b="1">
                 <a:solidFill>
                   <a:schemeClr val="dk1"/>
                 </a:solidFill>
@@ -10172,7 +10371,7 @@
             </a:endParaRPr>
           </a:p>
           <a:p>
-            <a:pPr indent="-323850" lvl="0" marL="457200" marR="0" rtl="0" algn="l">
+            <a:pPr marL="457200" marR="0" lvl="0" indent="-323850" algn="l" rtl="0">
               <a:lnSpc>
                 <a:spcPct val="100000"/>
               </a:lnSpc>
@@ -10190,7 +10389,7 @@
               <a:buChar char="●"/>
             </a:pPr>
             <a:r>
-              <a:rPr b="1" lang="en" sz="1500">
+              <a:rPr lang="en" sz="1500" b="1">
                 <a:solidFill>
                   <a:schemeClr val="dk1"/>
                 </a:solidFill>
@@ -10224,7 +10423,7 @@
             </a:endParaRPr>
           </a:p>
           <a:p>
-            <a:pPr indent="-323850" lvl="0" marL="457200" marR="0" rtl="0" algn="l">
+            <a:pPr marL="457200" marR="0" lvl="0" indent="-323850" algn="l" rtl="0">
               <a:lnSpc>
                 <a:spcPct val="100000"/>
               </a:lnSpc>
@@ -10242,7 +10441,7 @@
               <a:buChar char="●"/>
             </a:pPr>
             <a:r>
-              <a:rPr b="1" lang="en" sz="1500">
+              <a:rPr lang="en" sz="1500" b="1">
                 <a:solidFill>
                   <a:schemeClr val="dk1"/>
                 </a:solidFill>
@@ -10286,11 +10485,11 @@
 </file>
 
 <file path=ppt/slides/slide3.xml><?xml version="1.0" encoding="utf-8"?>
-<p:sld xmlns:a="http://schemas.openxmlformats.org/drawingml/2006/main" xmlns:r="http://schemas.openxmlformats.org/officeDocument/2006/relationships" xmlns:mc="http://schemas.openxmlformats.org/markup-compatibility/2006" xmlns:mv="urn:schemas-microsoft-com:mac:vml" xmlns:p="http://schemas.openxmlformats.org/presentationml/2006/main" xmlns:c="http://schemas.openxmlformats.org/drawingml/2006/chart" xmlns:dgm="http://schemas.openxmlformats.org/drawingml/2006/diagram" xmlns:o="urn:schemas-microsoft-com:office:office" xmlns:v="urn:schemas-microsoft-com:vml" xmlns:pvml="urn:schemas-microsoft-com:office:powerpoint" xmlns:com="http://schemas.openxmlformats.org/drawingml/2006/compatibility" xmlns:p14="http://schemas.microsoft.com/office/powerpoint/2010/main" xmlns:p15="http://schemas.microsoft.com/office/powerpoint/2012/main" xmlns:ahyp="http://schemas.microsoft.com/office/drawing/2018/hyperlinkcolor">
+<p:sld xmlns:a="http://schemas.openxmlformats.org/drawingml/2006/main" xmlns:r="http://schemas.openxmlformats.org/officeDocument/2006/relationships" xmlns:p="http://schemas.openxmlformats.org/presentationml/2006/main">
   <p:cSld>
     <p:spTree>
       <p:nvGrpSpPr>
-        <p:cNvPr id="99" name="Shape 99"/>
+        <p:cNvPr id="1" name="Shape 99"/>
         <p:cNvGrpSpPr/>
         <p:nvPr/>
       </p:nvGrpSpPr>
@@ -10305,7 +10504,9 @@
       <p:sp>
         <p:nvSpPr>
           <p:cNvPr id="100" name="Google Shape;100;p15"/>
-          <p:cNvSpPr txBox="1"/>
+          <p:cNvSpPr txBox="1">
+            <a:spLocks noGrp="1"/>
+          </p:cNvSpPr>
           <p:nvPr>
             <p:ph type="title"/>
           </p:nvPr>
@@ -10320,12 +10521,12 @@
           </a:prstGeom>
         </p:spPr>
         <p:txBody>
-          <a:bodyPr anchorCtr="0" anchor="b" bIns="91425" lIns="91425" spcFirstLastPara="1" rIns="91425" wrap="square" tIns="91425">
+          <a:bodyPr spcFirstLastPara="1" wrap="square" lIns="91425" tIns="91425" rIns="91425" bIns="91425" anchor="b" anchorCtr="0">
             <a:noAutofit/>
           </a:bodyPr>
           <a:lstStyle/>
           <a:p>
-            <a:pPr indent="0" lvl="0" marL="0" rtl="0" algn="r">
+            <a:pPr marL="0" lvl="0" indent="0" algn="r" rtl="0">
               <a:spcBef>
                 <a:spcPts val="0"/>
               </a:spcBef>
@@ -10349,7 +10550,7 @@
             </a:endParaRPr>
           </a:p>
           <a:p>
-            <a:pPr indent="0" lvl="0" marL="0" rtl="0" algn="r">
+            <a:pPr marL="0" lvl="0" indent="0" algn="r" rtl="0">
               <a:spcBef>
                 <a:spcPts val="0"/>
               </a:spcBef>
@@ -10407,9 +10608,11 @@
       <p:sp>
         <p:nvSpPr>
           <p:cNvPr id="101" name="Google Shape;101;p15"/>
-          <p:cNvSpPr txBox="1"/>
+          <p:cNvSpPr txBox="1">
+            <a:spLocks noGrp="1"/>
+          </p:cNvSpPr>
           <p:nvPr>
-            <p:ph idx="2" type="body"/>
+            <p:ph type="body" idx="2"/>
           </p:nvPr>
         </p:nvSpPr>
         <p:spPr>
@@ -10422,12 +10625,12 @@
           </a:prstGeom>
         </p:spPr>
         <p:txBody>
-          <a:bodyPr anchorCtr="0" anchor="ctr" bIns="91425" lIns="91425" spcFirstLastPara="1" rIns="91425" wrap="square" tIns="91425">
+          <a:bodyPr spcFirstLastPara="1" wrap="square" lIns="91425" tIns="91425" rIns="91425" bIns="91425" anchor="ctr" anchorCtr="0">
             <a:noAutofit/>
           </a:bodyPr>
           <a:lstStyle/>
           <a:p>
-            <a:pPr indent="-323850" lvl="0" marL="457200" rtl="0" algn="l">
+            <a:pPr marL="457200" lvl="0" indent="-323850" algn="l" rtl="0">
               <a:spcBef>
                 <a:spcPts val="0"/>
               </a:spcBef>
@@ -10441,7 +10644,7 @@
               <a:buChar char="●"/>
             </a:pPr>
             <a:r>
-              <a:rPr b="1" lang="en" sz="1500">
+              <a:rPr lang="en" sz="1500" b="1">
                 <a:solidFill>
                   <a:srgbClr val="2A3990"/>
                 </a:solidFill>
@@ -10463,7 +10666,7 @@
             </a:endParaRPr>
           </a:p>
           <a:p>
-            <a:pPr indent="-323850" lvl="1" marL="914400" rtl="0" algn="l">
+            <a:pPr marL="914400" lvl="1" indent="-323850" algn="l" rtl="0">
               <a:spcBef>
                 <a:spcPts val="0"/>
               </a:spcBef>
@@ -10477,7 +10680,7 @@
               <a:buChar char="○"/>
             </a:pPr>
             <a:r>
-              <a:rPr b="1" lang="en" sz="1500">
+              <a:rPr lang="en" sz="1500" b="1">
                 <a:solidFill>
                   <a:srgbClr val="2A3990"/>
                 </a:solidFill>
@@ -10499,7 +10702,7 @@
             </a:endParaRPr>
           </a:p>
           <a:p>
-            <a:pPr indent="-323850" lvl="1" marL="914400" rtl="0" algn="l">
+            <a:pPr marL="914400" lvl="1" indent="-323850" algn="l" rtl="0">
               <a:spcBef>
                 <a:spcPts val="0"/>
               </a:spcBef>
@@ -10513,7 +10716,7 @@
               <a:buChar char="○"/>
             </a:pPr>
             <a:r>
-              <a:rPr b="1" lang="en" sz="1500">
+              <a:rPr lang="en" sz="1500" b="1">
                 <a:solidFill>
                   <a:srgbClr val="2A3990"/>
                 </a:solidFill>
@@ -10535,7 +10738,7 @@
             </a:endParaRPr>
           </a:p>
           <a:p>
-            <a:pPr indent="-323850" lvl="0" marL="457200" rtl="0" algn="l">
+            <a:pPr marL="457200" lvl="0" indent="-323850" algn="l" rtl="0">
               <a:spcBef>
                 <a:spcPts val="0"/>
               </a:spcBef>
@@ -10549,7 +10752,7 @@
               <a:buChar char="●"/>
             </a:pPr>
             <a:r>
-              <a:rPr b="1" lang="en" sz="1500">
+              <a:rPr lang="en" sz="1500" b="1">
                 <a:solidFill>
                   <a:srgbClr val="2A3990"/>
                 </a:solidFill>
@@ -10571,7 +10774,7 @@
             </a:endParaRPr>
           </a:p>
           <a:p>
-            <a:pPr indent="-323850" lvl="0" marL="457200" rtl="0" algn="l">
+            <a:pPr marL="457200" lvl="0" indent="-323850" algn="l" rtl="0">
               <a:spcBef>
                 <a:spcPts val="0"/>
               </a:spcBef>
@@ -10585,7 +10788,7 @@
               <a:buChar char="●"/>
             </a:pPr>
             <a:r>
-              <a:rPr b="1" lang="en" sz="1500">
+              <a:rPr lang="en" sz="1500" b="1">
                 <a:solidFill>
                   <a:srgbClr val="2A3990"/>
                 </a:solidFill>
@@ -10607,7 +10810,7 @@
             </a:endParaRPr>
           </a:p>
           <a:p>
-            <a:pPr indent="-323850" lvl="1" marL="914400" rtl="0" algn="l">
+            <a:pPr marL="914400" lvl="1" indent="-323850" algn="l" rtl="0">
               <a:spcBef>
                 <a:spcPts val="0"/>
               </a:spcBef>
@@ -10635,7 +10838,7 @@
             </a:endParaRPr>
           </a:p>
           <a:p>
-            <a:pPr indent="-323850" lvl="1" marL="914400" rtl="0" algn="l">
+            <a:pPr marL="914400" lvl="1" indent="-323850" algn="l" rtl="0">
               <a:spcBef>
                 <a:spcPts val="0"/>
               </a:spcBef>
@@ -10663,7 +10866,7 @@
             </a:endParaRPr>
           </a:p>
           <a:p>
-            <a:pPr indent="-323850" lvl="1" marL="914400" rtl="0" algn="l">
+            <a:pPr marL="914400" lvl="1" indent="-323850" algn="l" rtl="0">
               <a:spcBef>
                 <a:spcPts val="0"/>
               </a:spcBef>
@@ -10691,7 +10894,7 @@
             </a:endParaRPr>
           </a:p>
           <a:p>
-            <a:pPr indent="-323850" lvl="1" marL="914400" rtl="0" algn="l">
+            <a:pPr marL="914400" lvl="1" indent="-323850" algn="l" rtl="0">
               <a:spcBef>
                 <a:spcPts val="0"/>
               </a:spcBef>
@@ -10719,7 +10922,7 @@
             </a:endParaRPr>
           </a:p>
           <a:p>
-            <a:pPr indent="-323850" lvl="0" marL="457200" rtl="0" algn="l">
+            <a:pPr marL="457200" lvl="0" indent="-323850" algn="l" rtl="0">
               <a:spcBef>
                 <a:spcPts val="0"/>
               </a:spcBef>
@@ -10733,21 +10936,21 @@
               <a:buChar char="●"/>
             </a:pPr>
             <a:r>
-              <a:rPr b="1" lang="en" sz="1500">
+              <a:rPr lang="en" sz="1500" b="1">
                 <a:solidFill>
                   <a:srgbClr val="2A3990"/>
                 </a:solidFill>
               </a:rPr>
               <a:t>Handling missing values</a:t>
             </a:r>
-            <a:endParaRPr b="1" sz="1500">
+            <a:endParaRPr sz="1500" b="1">
               <a:solidFill>
                 <a:srgbClr val="2A3990"/>
               </a:solidFill>
             </a:endParaRPr>
           </a:p>
           <a:p>
-            <a:pPr indent="-323850" lvl="0" marL="457200" rtl="0" algn="l">
+            <a:pPr marL="457200" lvl="0" indent="-323850" algn="l" rtl="0">
               <a:spcBef>
                 <a:spcPts val="0"/>
               </a:spcBef>
@@ -10761,21 +10964,21 @@
               <a:buChar char="●"/>
             </a:pPr>
             <a:r>
-              <a:rPr b="1" lang="en" sz="1500">
+              <a:rPr lang="en" sz="1500" b="1">
                 <a:solidFill>
                   <a:srgbClr val="2A3990"/>
                 </a:solidFill>
               </a:rPr>
               <a:t>Merging datasets</a:t>
             </a:r>
-            <a:endParaRPr b="1" sz="1500">
+            <a:endParaRPr sz="1500" b="1">
               <a:solidFill>
                 <a:srgbClr val="2A3990"/>
               </a:solidFill>
             </a:endParaRPr>
           </a:p>
           <a:p>
-            <a:pPr indent="-323850" lvl="0" marL="457200" rtl="0" algn="l">
+            <a:pPr marL="457200" lvl="0" indent="-323850" algn="l" rtl="0">
               <a:spcBef>
                 <a:spcPts val="0"/>
               </a:spcBef>
@@ -10789,21 +10992,21 @@
               <a:buChar char="●"/>
             </a:pPr>
             <a:r>
-              <a:rPr b="1" lang="en" sz="1500">
+              <a:rPr lang="en" sz="1500" b="1">
                 <a:solidFill>
                   <a:srgbClr val="2A3990"/>
                 </a:solidFill>
               </a:rPr>
               <a:t>Technical indicators (RSI, MACD, Bollinger Bands)</a:t>
             </a:r>
-            <a:endParaRPr b="1" sz="1500">
+            <a:endParaRPr sz="1500" b="1">
               <a:solidFill>
                 <a:srgbClr val="2A3990"/>
               </a:solidFill>
             </a:endParaRPr>
           </a:p>
           <a:p>
-            <a:pPr indent="-323850" lvl="0" marL="457200" rtl="0" algn="l">
+            <a:pPr marL="457200" lvl="0" indent="-323850" algn="l" rtl="0">
               <a:spcBef>
                 <a:spcPts val="0"/>
               </a:spcBef>
@@ -10817,14 +11020,14 @@
               <a:buChar char="●"/>
             </a:pPr>
             <a:r>
-              <a:rPr b="1" lang="en" sz="1500">
+              <a:rPr lang="en" sz="1500" b="1">
                 <a:solidFill>
                   <a:srgbClr val="2A3990"/>
                 </a:solidFill>
               </a:rPr>
               <a:t>Scaling features</a:t>
             </a:r>
-            <a:endParaRPr b="1" sz="1500">
+            <a:endParaRPr sz="1500" b="1">
               <a:solidFill>
                 <a:srgbClr val="2A3990"/>
               </a:solidFill>
@@ -10841,11 +11044,11 @@
 </file>
 
 <file path=ppt/slides/slide4.xml><?xml version="1.0" encoding="utf-8"?>
-<p:sld xmlns:a="http://schemas.openxmlformats.org/drawingml/2006/main" xmlns:r="http://schemas.openxmlformats.org/officeDocument/2006/relationships" xmlns:mc="http://schemas.openxmlformats.org/markup-compatibility/2006" xmlns:mv="urn:schemas-microsoft-com:mac:vml" xmlns:p="http://schemas.openxmlformats.org/presentationml/2006/main" xmlns:c="http://schemas.openxmlformats.org/drawingml/2006/chart" xmlns:dgm="http://schemas.openxmlformats.org/drawingml/2006/diagram" xmlns:o="urn:schemas-microsoft-com:office:office" xmlns:v="urn:schemas-microsoft-com:vml" xmlns:pvml="urn:schemas-microsoft-com:office:powerpoint" xmlns:com="http://schemas.openxmlformats.org/drawingml/2006/compatibility" xmlns:p14="http://schemas.microsoft.com/office/powerpoint/2010/main" xmlns:p15="http://schemas.microsoft.com/office/powerpoint/2012/main" xmlns:ahyp="http://schemas.microsoft.com/office/drawing/2018/hyperlinkcolor">
+<p:sld xmlns:a="http://schemas.openxmlformats.org/drawingml/2006/main" xmlns:r="http://schemas.openxmlformats.org/officeDocument/2006/relationships" xmlns:p="http://schemas.openxmlformats.org/presentationml/2006/main">
   <p:cSld>
     <p:spTree>
       <p:nvGrpSpPr>
-        <p:cNvPr id="105" name="Shape 105"/>
+        <p:cNvPr id="1" name="Shape 105"/>
         <p:cNvGrpSpPr/>
         <p:nvPr/>
       </p:nvGrpSpPr>
@@ -10860,9 +11063,11 @@
       <p:sp>
         <p:nvSpPr>
           <p:cNvPr id="106" name="Google Shape;106;p16"/>
-          <p:cNvSpPr txBox="1"/>
+          <p:cNvSpPr txBox="1">
+            <a:spLocks noGrp="1"/>
+          </p:cNvSpPr>
           <p:nvPr>
-            <p:ph idx="4294967295" type="body"/>
+            <p:ph type="body" idx="4294967295"/>
           </p:nvPr>
         </p:nvSpPr>
         <p:spPr>
@@ -10875,12 +11080,12 @@
           </a:prstGeom>
         </p:spPr>
         <p:txBody>
-          <a:bodyPr anchorCtr="0" anchor="t" bIns="91425" lIns="91425" spcFirstLastPara="1" rIns="91425" wrap="square" tIns="91425">
+          <a:bodyPr spcFirstLastPara="1" wrap="square" lIns="91425" tIns="91425" rIns="91425" bIns="91425" anchor="t" anchorCtr="0">
             <a:noAutofit/>
           </a:bodyPr>
           <a:lstStyle/>
           <a:p>
-            <a:pPr indent="0" lvl="0" marL="0" rtl="0" algn="l">
+            <a:pPr marL="0" lvl="0" indent="0" algn="l" rtl="0">
               <a:spcBef>
                 <a:spcPts val="0"/>
               </a:spcBef>
@@ -10925,12 +11130,12 @@
           </a:ln>
         </p:spPr>
         <p:txBody>
-          <a:bodyPr anchorCtr="0" anchor="ctr" bIns="91425" lIns="91425" spcFirstLastPara="1" rIns="91425" wrap="square" tIns="91425">
+          <a:bodyPr spcFirstLastPara="1" wrap="square" lIns="91425" tIns="91425" rIns="91425" bIns="91425" anchor="ctr" anchorCtr="0">
             <a:noAutofit/>
           </a:bodyPr>
           <a:lstStyle/>
           <a:p>
-            <a:pPr indent="-311150" lvl="0" marL="457200" marR="0" rtl="0" algn="l">
+            <a:pPr marL="457200" marR="0" lvl="0" indent="-311150" algn="l" rtl="0">
               <a:lnSpc>
                 <a:spcPct val="115000"/>
               </a:lnSpc>
@@ -10948,7 +11153,7 @@
               <a:buChar char="●"/>
             </a:pPr>
             <a:r>
-              <a:rPr b="1" lang="en" sz="1300">
+              <a:rPr lang="en" sz="1300" b="1">
                 <a:solidFill>
                   <a:srgbClr val="2A3990"/>
                 </a:solidFill>
@@ -10959,7 +11164,7 @@
               </a:rPr>
               <a:t>Technical Indicators:</a:t>
             </a:r>
-            <a:endParaRPr b="1" sz="1300">
+            <a:endParaRPr sz="1300" b="1">
               <a:solidFill>
                 <a:srgbClr val="2A3990"/>
               </a:solidFill>
@@ -10970,7 +11175,7 @@
             </a:endParaRPr>
           </a:p>
           <a:p>
-            <a:pPr indent="-311150" lvl="1" marL="914400" marR="0" rtl="0" algn="l">
+            <a:pPr marL="914400" marR="0" lvl="1" indent="-311150" algn="l" rtl="0">
               <a:lnSpc>
                 <a:spcPct val="115000"/>
               </a:lnSpc>
@@ -11010,7 +11215,7 @@
             </a:endParaRPr>
           </a:p>
           <a:p>
-            <a:pPr indent="-311150" lvl="1" marL="914400" marR="0" rtl="0" algn="l">
+            <a:pPr marL="914400" marR="0" lvl="1" indent="-311150" algn="l" rtl="0">
               <a:lnSpc>
                 <a:spcPct val="115000"/>
               </a:lnSpc>
@@ -11050,7 +11255,7 @@
             </a:endParaRPr>
           </a:p>
           <a:p>
-            <a:pPr indent="-311150" lvl="1" marL="914400" marR="0" rtl="0" algn="l">
+            <a:pPr marL="914400" marR="0" lvl="1" indent="-311150" algn="l" rtl="0">
               <a:lnSpc>
                 <a:spcPct val="115000"/>
               </a:lnSpc>
@@ -11090,7 +11295,7 @@
             </a:endParaRPr>
           </a:p>
           <a:p>
-            <a:pPr indent="-311150" lvl="1" marL="914400" marR="0" rtl="0" algn="l">
+            <a:pPr marL="914400" marR="0" lvl="1" indent="-311150" algn="l" rtl="0">
               <a:lnSpc>
                 <a:spcPct val="115000"/>
               </a:lnSpc>
@@ -11130,7 +11335,7 @@
             </a:endParaRPr>
           </a:p>
           <a:p>
-            <a:pPr indent="-311150" lvl="1" marL="914400" marR="0" rtl="0" algn="l">
+            <a:pPr marL="914400" marR="0" lvl="1" indent="-311150" algn="l" rtl="0">
               <a:lnSpc>
                 <a:spcPct val="115000"/>
               </a:lnSpc>
@@ -11170,7 +11375,7 @@
             </a:endParaRPr>
           </a:p>
           <a:p>
-            <a:pPr indent="-311150" lvl="1" marL="914400" marR="0" rtl="0" algn="l">
+            <a:pPr marL="914400" marR="0" lvl="1" indent="-311150" algn="l" rtl="0">
               <a:lnSpc>
                 <a:spcPct val="115000"/>
               </a:lnSpc>
@@ -11210,7 +11415,7 @@
             </a:endParaRPr>
           </a:p>
           <a:p>
-            <a:pPr indent="-311150" lvl="0" marL="457200" rtl="0" algn="l">
+            <a:pPr marL="457200" lvl="0" indent="-311150" algn="l" rtl="0">
               <a:lnSpc>
                 <a:spcPct val="115000"/>
               </a:lnSpc>
@@ -11228,7 +11433,7 @@
               <a:buChar char="●"/>
             </a:pPr>
             <a:r>
-              <a:rPr b="1" lang="en" sz="1300">
+              <a:rPr lang="en" sz="1300" b="1">
                 <a:solidFill>
                   <a:srgbClr val="2A3990"/>
                 </a:solidFill>
@@ -11239,7 +11444,7 @@
               </a:rPr>
               <a:t>Financial Data:</a:t>
             </a:r>
-            <a:endParaRPr b="1" sz="1300">
+            <a:endParaRPr sz="1300" b="1">
               <a:solidFill>
                 <a:srgbClr val="2A3990"/>
               </a:solidFill>
@@ -11250,7 +11455,7 @@
             </a:endParaRPr>
           </a:p>
           <a:p>
-            <a:pPr indent="-311150" lvl="1" marL="914400" rtl="0" algn="l">
+            <a:pPr marL="914400" lvl="1" indent="-311150" algn="l" rtl="0">
               <a:lnSpc>
                 <a:spcPct val="115000"/>
               </a:lnSpc>
@@ -11290,7 +11495,7 @@
             </a:endParaRPr>
           </a:p>
           <a:p>
-            <a:pPr indent="-311150" lvl="1" marL="914400" rtl="0" algn="l">
+            <a:pPr marL="914400" lvl="1" indent="-311150" algn="l" rtl="0">
               <a:lnSpc>
                 <a:spcPct val="115000"/>
               </a:lnSpc>
@@ -11330,7 +11535,7 @@
             </a:endParaRPr>
           </a:p>
           <a:p>
-            <a:pPr indent="-311150" lvl="1" marL="914400" rtl="0" algn="l">
+            <a:pPr marL="914400" lvl="1" indent="-311150" algn="l" rtl="0">
               <a:lnSpc>
                 <a:spcPct val="115000"/>
               </a:lnSpc>
@@ -11370,7 +11575,7 @@
             </a:endParaRPr>
           </a:p>
           <a:p>
-            <a:pPr indent="-311150" lvl="1" marL="914400" rtl="0" algn="l">
+            <a:pPr marL="914400" lvl="1" indent="-311150" algn="l" rtl="0">
               <a:lnSpc>
                 <a:spcPct val="115000"/>
               </a:lnSpc>
@@ -11410,7 +11615,7 @@
             </a:endParaRPr>
           </a:p>
           <a:p>
-            <a:pPr indent="-311150" lvl="1" marL="914400" rtl="0" algn="l">
+            <a:pPr marL="914400" lvl="1" indent="-311150" algn="l" rtl="0">
               <a:lnSpc>
                 <a:spcPct val="115000"/>
               </a:lnSpc>
@@ -11450,7 +11655,7 @@
             </a:endParaRPr>
           </a:p>
           <a:p>
-            <a:pPr indent="-311150" lvl="1" marL="914400" rtl="0" algn="l">
+            <a:pPr marL="914400" lvl="1" indent="-311150" algn="l" rtl="0">
               <a:lnSpc>
                 <a:spcPct val="115000"/>
               </a:lnSpc>
@@ -11490,7 +11695,7 @@
             </a:endParaRPr>
           </a:p>
           <a:p>
-            <a:pPr indent="-311150" lvl="1" marL="914400" rtl="0" algn="l">
+            <a:pPr marL="914400" lvl="1" indent="-311150" algn="l" rtl="0">
               <a:lnSpc>
                 <a:spcPct val="115000"/>
               </a:lnSpc>
@@ -11530,7 +11735,7 @@
             </a:endParaRPr>
           </a:p>
           <a:p>
-            <a:pPr indent="-311150" lvl="1" marL="914400" rtl="0" algn="l">
+            <a:pPr marL="914400" lvl="1" indent="-311150" algn="l" rtl="0">
               <a:lnSpc>
                 <a:spcPct val="115000"/>
               </a:lnSpc>
@@ -11570,7 +11775,7 @@
             </a:endParaRPr>
           </a:p>
           <a:p>
-            <a:pPr indent="-311150" lvl="1" marL="914400" rtl="0" algn="l">
+            <a:pPr marL="914400" lvl="1" indent="-311150" algn="l" rtl="0">
               <a:lnSpc>
                 <a:spcPct val="115000"/>
               </a:lnSpc>
@@ -11610,7 +11815,7 @@
             </a:endParaRPr>
           </a:p>
           <a:p>
-            <a:pPr indent="-311150" lvl="1" marL="914400" rtl="0" algn="l">
+            <a:pPr marL="914400" lvl="1" indent="-311150" algn="l" rtl="0">
               <a:lnSpc>
                 <a:spcPct val="115000"/>
               </a:lnSpc>
@@ -11650,7 +11855,7 @@
             </a:endParaRPr>
           </a:p>
           <a:p>
-            <a:pPr indent="-311150" lvl="1" marL="914400" rtl="0" algn="l">
+            <a:pPr marL="914400" lvl="1" indent="-311150" algn="l" rtl="0">
               <a:lnSpc>
                 <a:spcPct val="115000"/>
               </a:lnSpc>
@@ -11690,7 +11895,7 @@
             </a:endParaRPr>
           </a:p>
           <a:p>
-            <a:pPr indent="-311150" lvl="1" marL="914400" rtl="0" algn="l">
+            <a:pPr marL="914400" lvl="1" indent="-311150" algn="l" rtl="0">
               <a:lnSpc>
                 <a:spcPct val="115000"/>
               </a:lnSpc>
@@ -11730,7 +11935,7 @@
             </a:endParaRPr>
           </a:p>
           <a:p>
-            <a:pPr indent="-311150" lvl="1" marL="914400" rtl="0" algn="l">
+            <a:pPr marL="914400" lvl="1" indent="-311150" algn="l" rtl="0">
               <a:lnSpc>
                 <a:spcPct val="115000"/>
               </a:lnSpc>
@@ -11770,7 +11975,7 @@
             </a:endParaRPr>
           </a:p>
           <a:p>
-            <a:pPr indent="-311150" lvl="1" marL="914400" rtl="0" algn="l">
+            <a:pPr marL="914400" lvl="1" indent="-311150" algn="l" rtl="0">
               <a:lnSpc>
                 <a:spcPct val="115000"/>
               </a:lnSpc>
@@ -11831,12 +12036,12 @@
           </a:ln>
         </p:spPr>
         <p:txBody>
-          <a:bodyPr anchorCtr="0" anchor="t" bIns="91425" lIns="91425" spcFirstLastPara="1" rIns="91425" wrap="square" tIns="91425">
+          <a:bodyPr spcFirstLastPara="1" wrap="square" lIns="91425" tIns="91425" rIns="91425" bIns="91425" anchor="t" anchorCtr="0">
             <a:spAutoFit/>
           </a:bodyPr>
           <a:lstStyle/>
           <a:p>
-            <a:pPr indent="-311150" lvl="1" marL="914400" rtl="0" algn="l">
+            <a:pPr marL="914400" lvl="1" indent="-311150" algn="l" rtl="0">
               <a:lnSpc>
                 <a:spcPct val="115000"/>
               </a:lnSpc>
@@ -11876,7 +12081,7 @@
             </a:endParaRPr>
           </a:p>
           <a:p>
-            <a:pPr indent="-311150" lvl="1" marL="914400" rtl="0" algn="l">
+            <a:pPr marL="914400" lvl="1" indent="-311150" algn="l" rtl="0">
               <a:lnSpc>
                 <a:spcPct val="115000"/>
               </a:lnSpc>
@@ -11916,7 +12121,7 @@
             </a:endParaRPr>
           </a:p>
           <a:p>
-            <a:pPr indent="-311150" lvl="1" marL="914400" rtl="0" algn="l">
+            <a:pPr marL="914400" lvl="1" indent="-311150" algn="l" rtl="0">
               <a:lnSpc>
                 <a:spcPct val="115000"/>
               </a:lnSpc>
@@ -11956,7 +12161,7 @@
             </a:endParaRPr>
           </a:p>
           <a:p>
-            <a:pPr indent="-311150" lvl="1" marL="914400" rtl="0" algn="l">
+            <a:pPr marL="914400" lvl="1" indent="-311150" algn="l" rtl="0">
               <a:lnSpc>
                 <a:spcPct val="115000"/>
               </a:lnSpc>
@@ -11996,7 +12201,7 @@
             </a:endParaRPr>
           </a:p>
           <a:p>
-            <a:pPr indent="-311150" lvl="1" marL="914400" rtl="0" algn="l">
+            <a:pPr marL="914400" lvl="1" indent="-311150" algn="l" rtl="0">
               <a:lnSpc>
                 <a:spcPct val="115000"/>
               </a:lnSpc>
@@ -12036,7 +12241,7 @@
             </a:endParaRPr>
           </a:p>
           <a:p>
-            <a:pPr indent="-311150" lvl="1" marL="914400" rtl="0" algn="l">
+            <a:pPr marL="914400" lvl="1" indent="-311150" algn="l" rtl="0">
               <a:lnSpc>
                 <a:spcPct val="115000"/>
               </a:lnSpc>
@@ -12076,7 +12281,7 @@
             </a:endParaRPr>
           </a:p>
           <a:p>
-            <a:pPr indent="-311150" lvl="1" marL="914400" rtl="0" algn="l">
+            <a:pPr marL="914400" lvl="1" indent="-311150" algn="l" rtl="0">
               <a:lnSpc>
                 <a:spcPct val="115000"/>
               </a:lnSpc>
@@ -12116,7 +12321,7 @@
             </a:endParaRPr>
           </a:p>
           <a:p>
-            <a:pPr indent="-311150" lvl="1" marL="914400" rtl="0" algn="l">
+            <a:pPr marL="914400" lvl="1" indent="-311150" algn="l" rtl="0">
               <a:lnSpc>
                 <a:spcPct val="115000"/>
               </a:lnSpc>
@@ -12156,7 +12361,7 @@
             </a:endParaRPr>
           </a:p>
           <a:p>
-            <a:pPr indent="-311150" lvl="1" marL="914400" rtl="0" algn="l">
+            <a:pPr marL="914400" lvl="1" indent="-311150" algn="l" rtl="0">
               <a:lnSpc>
                 <a:spcPct val="115000"/>
               </a:lnSpc>
@@ -12196,7 +12401,7 @@
             </a:endParaRPr>
           </a:p>
           <a:p>
-            <a:pPr indent="-311150" lvl="0" marL="457200" rtl="0" algn="l">
+            <a:pPr marL="457200" lvl="0" indent="-311150" algn="l" rtl="0">
               <a:lnSpc>
                 <a:spcPct val="115000"/>
               </a:lnSpc>
@@ -12214,7 +12419,7 @@
               <a:buChar char="●"/>
             </a:pPr>
             <a:r>
-              <a:rPr b="1" lang="en" sz="1300">
+              <a:rPr lang="en" sz="1300" b="1">
                 <a:solidFill>
                   <a:srgbClr val="2A3990"/>
                 </a:solidFill>
@@ -12225,7 +12430,7 @@
               </a:rPr>
               <a:t>Macroeconomic Variables:</a:t>
             </a:r>
-            <a:endParaRPr b="1" sz="1300">
+            <a:endParaRPr sz="1300" b="1">
               <a:solidFill>
                 <a:srgbClr val="2A3990"/>
               </a:solidFill>
@@ -12236,7 +12441,7 @@
             </a:endParaRPr>
           </a:p>
           <a:p>
-            <a:pPr indent="-311150" lvl="1" marL="914400" rtl="0" algn="l">
+            <a:pPr marL="914400" lvl="1" indent="-311150" algn="l" rtl="0">
               <a:lnSpc>
                 <a:spcPct val="115000"/>
               </a:lnSpc>
@@ -12276,7 +12481,7 @@
             </a:endParaRPr>
           </a:p>
           <a:p>
-            <a:pPr indent="-311150" lvl="1" marL="914400" rtl="0" algn="l">
+            <a:pPr marL="914400" lvl="1" indent="-311150" algn="l" rtl="0">
               <a:lnSpc>
                 <a:spcPct val="115000"/>
               </a:lnSpc>
@@ -12316,7 +12521,7 @@
             </a:endParaRPr>
           </a:p>
           <a:p>
-            <a:pPr indent="-311150" lvl="1" marL="914400" rtl="0" algn="l">
+            <a:pPr marL="914400" lvl="1" indent="-311150" algn="l" rtl="0">
               <a:lnSpc>
                 <a:spcPct val="115000"/>
               </a:lnSpc>
@@ -12356,7 +12561,7 @@
             </a:endParaRPr>
           </a:p>
           <a:p>
-            <a:pPr indent="-311150" lvl="1" marL="914400" rtl="0" algn="l">
+            <a:pPr marL="914400" lvl="1" indent="-311150" algn="l" rtl="0">
               <a:lnSpc>
                 <a:spcPct val="115000"/>
               </a:lnSpc>
@@ -12396,7 +12601,7 @@
             </a:endParaRPr>
           </a:p>
           <a:p>
-            <a:pPr indent="-311150" lvl="1" marL="914400" rtl="0" algn="l">
+            <a:pPr marL="914400" lvl="1" indent="-311150" algn="l" rtl="0">
               <a:lnSpc>
                 <a:spcPct val="115000"/>
               </a:lnSpc>
@@ -12436,7 +12641,7 @@
             </a:endParaRPr>
           </a:p>
           <a:p>
-            <a:pPr indent="-311150" lvl="1" marL="914400" rtl="0" algn="l">
+            <a:pPr marL="914400" lvl="1" indent="-311150" algn="l" rtl="0">
               <a:lnSpc>
                 <a:spcPct val="115000"/>
               </a:lnSpc>
@@ -12476,7 +12681,7 @@
             </a:endParaRPr>
           </a:p>
           <a:p>
-            <a:pPr indent="-311150" lvl="1" marL="914400" rtl="0" algn="l">
+            <a:pPr marL="914400" lvl="1" indent="-311150" algn="l" rtl="0">
               <a:lnSpc>
                 <a:spcPct val="115000"/>
               </a:lnSpc>
@@ -12526,11 +12731,11 @@
 </file>
 
 <file path=ppt/slides/slide5.xml><?xml version="1.0" encoding="utf-8"?>
-<p:sld xmlns:a="http://schemas.openxmlformats.org/drawingml/2006/main" xmlns:r="http://schemas.openxmlformats.org/officeDocument/2006/relationships" xmlns:mc="http://schemas.openxmlformats.org/markup-compatibility/2006" xmlns:mv="urn:schemas-microsoft-com:mac:vml" xmlns:p="http://schemas.openxmlformats.org/presentationml/2006/main" xmlns:c="http://schemas.openxmlformats.org/drawingml/2006/chart" xmlns:dgm="http://schemas.openxmlformats.org/drawingml/2006/diagram" xmlns:o="urn:schemas-microsoft-com:office:office" xmlns:v="urn:schemas-microsoft-com:vml" xmlns:pvml="urn:schemas-microsoft-com:office:powerpoint" xmlns:com="http://schemas.openxmlformats.org/drawingml/2006/compatibility" xmlns:p14="http://schemas.microsoft.com/office/powerpoint/2010/main" xmlns:p15="http://schemas.microsoft.com/office/powerpoint/2012/main" xmlns:ahyp="http://schemas.microsoft.com/office/drawing/2018/hyperlinkcolor">
+<p:sld xmlns:a="http://schemas.openxmlformats.org/drawingml/2006/main" xmlns:r="http://schemas.openxmlformats.org/officeDocument/2006/relationships" xmlns:p="http://schemas.openxmlformats.org/presentationml/2006/main">
   <p:cSld>
     <p:spTree>
       <p:nvGrpSpPr>
-        <p:cNvPr id="112" name="Shape 112"/>
+        <p:cNvPr id="1" name="Shape 112"/>
         <p:cNvGrpSpPr/>
         <p:nvPr/>
       </p:nvGrpSpPr>
@@ -12545,9 +12750,11 @@
       <p:sp>
         <p:nvSpPr>
           <p:cNvPr id="113" name="Google Shape;113;p17"/>
-          <p:cNvSpPr txBox="1"/>
+          <p:cNvSpPr txBox="1">
+            <a:spLocks noGrp="1"/>
+          </p:cNvSpPr>
           <p:nvPr>
-            <p:ph idx="2" type="body"/>
+            <p:ph type="body" idx="2"/>
           </p:nvPr>
         </p:nvSpPr>
         <p:spPr>
@@ -12560,12 +12767,12 @@
           </a:prstGeom>
         </p:spPr>
         <p:txBody>
-          <a:bodyPr anchorCtr="0" anchor="ctr" bIns="91425" lIns="91425" spcFirstLastPara="1" rIns="91425" wrap="square" tIns="91425">
+          <a:bodyPr spcFirstLastPara="1" wrap="square" lIns="91425" tIns="91425" rIns="91425" bIns="91425" anchor="ctr" anchorCtr="0">
             <a:noAutofit/>
           </a:bodyPr>
           <a:lstStyle/>
           <a:p>
-            <a:pPr indent="-292100" lvl="0" marL="457200" rtl="0" algn="l">
+            <a:pPr marL="457200" lvl="0" indent="-292100" algn="l" rtl="0">
               <a:spcBef>
                 <a:spcPts val="0"/>
               </a:spcBef>
@@ -12576,13 +12783,13 @@
               <a:buChar char="●"/>
             </a:pPr>
             <a:r>
-              <a:rPr b="1" lang="en" sz="1000"/>
+              <a:rPr lang="en" sz="1000" b="1"/>
               <a:t>Highly Positive Correlations:</a:t>
             </a:r>
-            <a:endParaRPr b="1" sz="1000"/>
-          </a:p>
-          <a:p>
-            <a:pPr indent="-292100" lvl="1" marL="914400" rtl="0" algn="l">
+            <a:endParaRPr sz="1000" b="1"/>
+          </a:p>
+          <a:p>
+            <a:pPr marL="914400" lvl="1" indent="-292100" algn="l" rtl="0">
               <a:spcBef>
                 <a:spcPts val="0"/>
               </a:spcBef>
@@ -12593,7 +12800,7 @@
               <a:buChar char="○"/>
             </a:pPr>
             <a:r>
-              <a:rPr b="1" lang="en" sz="1000"/>
+              <a:rPr lang="en" sz="1000" b="1"/>
               <a:t>Open, Low, Adj Close: </a:t>
             </a:r>
             <a:r>
@@ -12603,7 +12810,7 @@
             <a:endParaRPr sz="1000"/>
           </a:p>
           <a:p>
-            <a:pPr indent="-292100" lvl="1" marL="914400" rtl="0" algn="l">
+            <a:pPr marL="914400" lvl="1" indent="-292100" algn="l" rtl="0">
               <a:spcBef>
                 <a:spcPts val="0"/>
               </a:spcBef>
@@ -12614,7 +12821,7 @@
               <a:buChar char="○"/>
             </a:pPr>
             <a:r>
-              <a:rPr b="1" lang="en" sz="1000"/>
+              <a:rPr lang="en" sz="1000" b="1"/>
               <a:t>Total Revenue and Gross Profit:</a:t>
             </a:r>
             <a:r>
@@ -12624,7 +12831,7 @@
             <a:endParaRPr sz="1000"/>
           </a:p>
           <a:p>
-            <a:pPr indent="-292100" lvl="1" marL="914400" rtl="0" algn="l">
+            <a:pPr marL="914400" lvl="1" indent="-292100" algn="l" rtl="0">
               <a:spcBef>
                 <a:spcPts val="0"/>
               </a:spcBef>
@@ -12635,7 +12842,7 @@
               <a:buChar char="○"/>
             </a:pPr>
             <a:r>
-              <a:rPr b="1" lang="en" sz="1000"/>
+              <a:rPr lang="en" sz="1000" b="1"/>
               <a:t>Basic EPS and Net Income Common Stockholders:</a:t>
             </a:r>
             <a:r>
@@ -12645,7 +12852,7 @@
             <a:endParaRPr sz="1000"/>
           </a:p>
           <a:p>
-            <a:pPr indent="-292100" lvl="0" marL="457200" rtl="0" algn="l">
+            <a:pPr marL="457200" lvl="0" indent="-292100" algn="l" rtl="0">
               <a:spcBef>
                 <a:spcPts val="0"/>
               </a:spcBef>
@@ -12656,13 +12863,13 @@
               <a:buChar char="●"/>
             </a:pPr>
             <a:r>
-              <a:rPr b="1" lang="en" sz="1000"/>
+              <a:rPr lang="en" sz="1000" b="1"/>
               <a:t>Highly Negative Correlations:</a:t>
             </a:r>
-            <a:endParaRPr b="1" sz="1000"/>
-          </a:p>
-          <a:p>
-            <a:pPr indent="-292100" lvl="1" marL="914400" rtl="0" algn="l">
+            <a:endParaRPr sz="1000" b="1"/>
+          </a:p>
+          <a:p>
+            <a:pPr marL="914400" lvl="1" indent="-292100" algn="l" rtl="0">
               <a:spcBef>
                 <a:spcPts val="0"/>
               </a:spcBef>
@@ -12673,7 +12880,7 @@
               <a:buChar char="○"/>
             </a:pPr>
             <a:r>
-              <a:rPr b="1" lang="en" sz="1000"/>
+              <a:rPr lang="en" sz="1000" b="1"/>
               <a:t>CPIAUCSL (Consumer Price Index) and Stock Prices:</a:t>
             </a:r>
             <a:r>
@@ -12683,7 +12890,7 @@
             <a:endParaRPr sz="1000"/>
           </a:p>
           <a:p>
-            <a:pPr indent="-292100" lvl="1" marL="914400" rtl="0" algn="l">
+            <a:pPr marL="914400" lvl="1" indent="-292100" algn="l" rtl="0">
               <a:spcBef>
                 <a:spcPts val="0"/>
               </a:spcBef>
@@ -12694,7 +12901,7 @@
               <a:buChar char="○"/>
             </a:pPr>
             <a:r>
-              <a:rPr b="1" lang="en" sz="1000"/>
+              <a:rPr lang="en" sz="1000" b="1"/>
               <a:t>FEDFUNDS (Federal Funds Rate) and Stock Prices: </a:t>
             </a:r>
             <a:r>
@@ -12704,7 +12911,7 @@
             <a:endParaRPr sz="1000"/>
           </a:p>
           <a:p>
-            <a:pPr indent="-292100" lvl="0" marL="457200" rtl="0" algn="l">
+            <a:pPr marL="457200" lvl="0" indent="-292100" algn="l" rtl="0">
               <a:spcBef>
                 <a:spcPts val="0"/>
               </a:spcBef>
@@ -12715,13 +12922,13 @@
               <a:buChar char="●"/>
             </a:pPr>
             <a:r>
-              <a:rPr b="1" lang="en" sz="1000"/>
+              <a:rPr lang="en" sz="1000" b="1"/>
               <a:t>Feature Importance:</a:t>
             </a:r>
-            <a:endParaRPr b="1" sz="1000"/>
-          </a:p>
-          <a:p>
-            <a:pPr indent="-292100" lvl="1" marL="914400" rtl="0" algn="l">
+            <a:endParaRPr sz="1000" b="1"/>
+          </a:p>
+          <a:p>
+            <a:pPr marL="914400" lvl="1" indent="-292100" algn="l" rtl="0">
               <a:spcBef>
                 <a:spcPts val="0"/>
               </a:spcBef>
@@ -12732,16 +12939,12 @@
               <a:buChar char="○"/>
             </a:pPr>
             <a:r>
-              <a:rPr b="1" lang="en" sz="1000"/>
+              <a:rPr lang="en" sz="1000" b="1"/>
               <a:t>Total Revenue, Gross Profit, Basic EPS, Net Income:</a:t>
             </a:r>
             <a:r>
               <a:rPr lang="en" sz="1000"/>
-              <a:t> </a:t>
-            </a:r>
-            <a:r>
-              <a:rPr lang="en" sz="1000"/>
-              <a:t>Strong correlations with target variables suggest these are important predictors for the stock price.</a:t>
+              <a:t> Strong correlations with target variables suggest these are important predictors for the stock price.</a:t>
             </a:r>
             <a:endParaRPr sz="1000"/>
           </a:p>
@@ -12784,11 +12987,11 @@
 </file>
 
 <file path=ppt/slides/slide6.xml><?xml version="1.0" encoding="utf-8"?>
-<p:sld xmlns:a="http://schemas.openxmlformats.org/drawingml/2006/main" xmlns:r="http://schemas.openxmlformats.org/officeDocument/2006/relationships" xmlns:mc="http://schemas.openxmlformats.org/markup-compatibility/2006" xmlns:mv="urn:schemas-microsoft-com:mac:vml" xmlns:p="http://schemas.openxmlformats.org/presentationml/2006/main" xmlns:c="http://schemas.openxmlformats.org/drawingml/2006/chart" xmlns:dgm="http://schemas.openxmlformats.org/drawingml/2006/diagram" xmlns:o="urn:schemas-microsoft-com:office:office" xmlns:v="urn:schemas-microsoft-com:vml" xmlns:pvml="urn:schemas-microsoft-com:office:powerpoint" xmlns:com="http://schemas.openxmlformats.org/drawingml/2006/compatibility" xmlns:p14="http://schemas.microsoft.com/office/powerpoint/2010/main" xmlns:p15="http://schemas.microsoft.com/office/powerpoint/2012/main" xmlns:ahyp="http://schemas.microsoft.com/office/drawing/2018/hyperlinkcolor">
+<p:sld xmlns:a="http://schemas.openxmlformats.org/drawingml/2006/main" xmlns:r="http://schemas.openxmlformats.org/officeDocument/2006/relationships" xmlns:p="http://schemas.openxmlformats.org/presentationml/2006/main">
   <p:cSld>
     <p:spTree>
       <p:nvGrpSpPr>
-        <p:cNvPr id="118" name="Shape 118"/>
+        <p:cNvPr id="1" name="Shape 118"/>
         <p:cNvGrpSpPr/>
         <p:nvPr/>
       </p:nvGrpSpPr>
@@ -12803,7 +13006,9 @@
       <p:sp>
         <p:nvSpPr>
           <p:cNvPr id="119" name="Google Shape;119;p18"/>
-          <p:cNvSpPr txBox="1"/>
+          <p:cNvSpPr txBox="1">
+            <a:spLocks noGrp="1"/>
+          </p:cNvSpPr>
           <p:nvPr>
             <p:ph type="title"/>
           </p:nvPr>
@@ -12818,12 +13023,12 @@
           </a:prstGeom>
         </p:spPr>
         <p:txBody>
-          <a:bodyPr anchorCtr="0" anchor="ctr" bIns="91425" lIns="91425" spcFirstLastPara="1" rIns="91425" wrap="square" tIns="91425">
+          <a:bodyPr spcFirstLastPara="1" wrap="square" lIns="91425" tIns="91425" rIns="91425" bIns="91425" anchor="ctr" anchorCtr="0">
             <a:noAutofit/>
           </a:bodyPr>
           <a:lstStyle/>
           <a:p>
-            <a:pPr indent="0" lvl="0" marL="0" rtl="0" algn="l">
+            <a:pPr marL="0" lvl="0" indent="0" algn="l" rtl="0">
               <a:spcBef>
                 <a:spcPts val="0"/>
               </a:spcBef>
@@ -12847,7 +13052,7 @@
             </a:endParaRPr>
           </a:p>
           <a:p>
-            <a:pPr indent="0" lvl="0" marL="0" rtl="0" algn="l">
+            <a:pPr marL="0" lvl="0" indent="0" algn="l" rtl="0">
               <a:spcBef>
                 <a:spcPts val="0"/>
               </a:spcBef>
@@ -12875,9 +13080,11 @@
       <p:sp>
         <p:nvSpPr>
           <p:cNvPr id="120" name="Google Shape;120;p18"/>
-          <p:cNvSpPr txBox="1"/>
+          <p:cNvSpPr txBox="1">
+            <a:spLocks noGrp="1"/>
+          </p:cNvSpPr>
           <p:nvPr>
-            <p:ph idx="2" type="body"/>
+            <p:ph type="body" idx="2"/>
           </p:nvPr>
         </p:nvSpPr>
         <p:spPr>
@@ -12890,12 +13097,12 @@
           </a:prstGeom>
         </p:spPr>
         <p:txBody>
-          <a:bodyPr anchorCtr="0" anchor="ctr" bIns="91425" lIns="91425" spcFirstLastPara="1" rIns="91425" wrap="square" tIns="91425">
+          <a:bodyPr spcFirstLastPara="1" wrap="square" lIns="91425" tIns="91425" rIns="91425" bIns="91425" anchor="ctr" anchorCtr="0">
             <a:noAutofit/>
           </a:bodyPr>
           <a:lstStyle/>
           <a:p>
-            <a:pPr indent="-311150" lvl="0" marL="457200" rtl="0" algn="l">
+            <a:pPr marL="457200" lvl="0" indent="-311150" algn="l" rtl="0">
               <a:spcBef>
                 <a:spcPts val="0"/>
               </a:spcBef>
@@ -12909,7 +13116,7 @@
               <a:buChar char="●"/>
             </a:pPr>
             <a:r>
-              <a:rPr b="1" lang="en" sz="1400" u="sng">
+              <a:rPr lang="en" sz="1400" b="1" u="sng">
                 <a:solidFill>
                   <a:srgbClr val="FFFFFF"/>
                 </a:solidFill>
@@ -12917,7 +13124,7 @@
               <a:t>AdaBoost:</a:t>
             </a:r>
             <a:r>
-              <a:rPr b="1" lang="en" sz="1400">
+              <a:rPr lang="en" sz="1400" b="1">
                 <a:solidFill>
                   <a:srgbClr val="FFFFFF"/>
                 </a:solidFill>
@@ -12939,7 +13146,7 @@
             </a:endParaRPr>
           </a:p>
           <a:p>
-            <a:pPr indent="-311150" lvl="0" marL="457200" rtl="0" algn="l">
+            <a:pPr marL="457200" lvl="0" indent="-311150" algn="l" rtl="0">
               <a:spcBef>
                 <a:spcPts val="0"/>
               </a:spcBef>
@@ -12953,7 +13160,7 @@
               <a:buChar char="●"/>
             </a:pPr>
             <a:r>
-              <a:rPr b="1" lang="en" sz="1400" u="sng">
+              <a:rPr lang="en" sz="1400" b="1" u="sng">
                 <a:solidFill>
                   <a:srgbClr val="FFFFFF"/>
                 </a:solidFill>
@@ -12961,7 +13168,7 @@
               <a:t>Gradient Boosting:</a:t>
             </a:r>
             <a:r>
-              <a:rPr b="1" lang="en" sz="1300">
+              <a:rPr lang="en" sz="1300" b="1">
                 <a:solidFill>
                   <a:srgbClr val="FFFFFF"/>
                 </a:solidFill>
@@ -12983,7 +13190,7 @@
             </a:endParaRPr>
           </a:p>
           <a:p>
-            <a:pPr indent="-311150" lvl="0" marL="457200" rtl="0" algn="l">
+            <a:pPr marL="457200" lvl="0" indent="-311150" algn="l" rtl="0">
               <a:spcBef>
                 <a:spcPts val="0"/>
               </a:spcBef>
@@ -12997,7 +13204,7 @@
               <a:buChar char="●"/>
             </a:pPr>
             <a:r>
-              <a:rPr b="1" lang="en" sz="1400" u="sng">
+              <a:rPr lang="en" sz="1400" b="1" u="sng">
                 <a:solidFill>
                   <a:srgbClr val="FFFFFF"/>
                 </a:solidFill>
@@ -13005,7 +13212,7 @@
               <a:t>XGBoost:</a:t>
             </a:r>
             <a:r>
-              <a:rPr b="1" lang="en" sz="1400">
+              <a:rPr lang="en" sz="1400" b="1">
                 <a:solidFill>
                   <a:srgbClr val="FFFFFF"/>
                 </a:solidFill>
@@ -13027,7 +13234,7 @@
             </a:endParaRPr>
           </a:p>
           <a:p>
-            <a:pPr indent="-311150" lvl="0" marL="457200" rtl="0" algn="l">
+            <a:pPr marL="457200" lvl="0" indent="-311150" algn="l" rtl="0">
               <a:spcBef>
                 <a:spcPts val="0"/>
               </a:spcBef>
@@ -13041,7 +13248,7 @@
               <a:buChar char="●"/>
             </a:pPr>
             <a:r>
-              <a:rPr b="1" lang="en" sz="1400" u="sng">
+              <a:rPr lang="en" sz="1400" b="1" u="sng">
                 <a:solidFill>
                   <a:srgbClr val="FFFFFF"/>
                 </a:solidFill>
@@ -13063,7 +13270,7 @@
             </a:endParaRPr>
           </a:p>
           <a:p>
-            <a:pPr indent="-311150" lvl="0" marL="457200" rtl="0" algn="l">
+            <a:pPr marL="457200" lvl="0" indent="-311150" algn="l" rtl="0">
               <a:spcBef>
                 <a:spcPts val="0"/>
               </a:spcBef>
@@ -13077,7 +13284,7 @@
               <a:buChar char="●"/>
             </a:pPr>
             <a:r>
-              <a:rPr b="1" lang="en" sz="1400" u="sng">
+              <a:rPr lang="en" sz="1400" b="1" u="sng">
                 <a:solidFill>
                   <a:srgbClr val="FFFFFF"/>
                 </a:solidFill>
@@ -13085,7 +13292,7 @@
               <a:t>CatBoost:</a:t>
             </a:r>
             <a:r>
-              <a:rPr b="1" lang="en" sz="1400">
+              <a:rPr lang="en" sz="1400" b="1">
                 <a:solidFill>
                   <a:srgbClr val="FFFFFF"/>
                 </a:solidFill>
@@ -13107,7 +13314,7 @@
             </a:endParaRPr>
           </a:p>
           <a:p>
-            <a:pPr indent="-311150" lvl="0" marL="457200" rtl="0" algn="l">
+            <a:pPr marL="457200" lvl="0" indent="-311150" algn="l" rtl="0">
               <a:spcBef>
                 <a:spcPts val="0"/>
               </a:spcBef>
@@ -13121,7 +13328,7 @@
               <a:buChar char="●"/>
             </a:pPr>
             <a:r>
-              <a:rPr b="1" lang="en" sz="1300">
+              <a:rPr lang="en" sz="1300" b="1">
                 <a:solidFill>
                   <a:srgbClr val="FFFFFF"/>
                 </a:solidFill>
@@ -13153,11 +13360,11 @@
 </file>
 
 <file path=ppt/slides/slide7.xml><?xml version="1.0" encoding="utf-8"?>
-<p:sld xmlns:a="http://schemas.openxmlformats.org/drawingml/2006/main" xmlns:r="http://schemas.openxmlformats.org/officeDocument/2006/relationships" xmlns:mc="http://schemas.openxmlformats.org/markup-compatibility/2006" xmlns:mv="urn:schemas-microsoft-com:mac:vml" xmlns:p="http://schemas.openxmlformats.org/presentationml/2006/main" xmlns:c="http://schemas.openxmlformats.org/drawingml/2006/chart" xmlns:dgm="http://schemas.openxmlformats.org/drawingml/2006/diagram" xmlns:o="urn:schemas-microsoft-com:office:office" xmlns:v="urn:schemas-microsoft-com:vml" xmlns:pvml="urn:schemas-microsoft-com:office:powerpoint" xmlns:com="http://schemas.openxmlformats.org/drawingml/2006/compatibility" xmlns:p14="http://schemas.microsoft.com/office/powerpoint/2010/main" xmlns:p15="http://schemas.microsoft.com/office/powerpoint/2012/main" xmlns:ahyp="http://schemas.microsoft.com/office/drawing/2018/hyperlinkcolor">
+<p:sld xmlns:a="http://schemas.openxmlformats.org/drawingml/2006/main" xmlns:r="http://schemas.openxmlformats.org/officeDocument/2006/relationships" xmlns:p="http://schemas.openxmlformats.org/presentationml/2006/main">
   <p:cSld>
     <p:spTree>
       <p:nvGrpSpPr>
-        <p:cNvPr id="124" name="Shape 124"/>
+        <p:cNvPr id="1" name="Shape 124"/>
         <p:cNvGrpSpPr/>
         <p:nvPr/>
       </p:nvGrpSpPr>
@@ -13172,7 +13379,9 @@
       <p:sp>
         <p:nvSpPr>
           <p:cNvPr id="125" name="Google Shape;125;p19"/>
-          <p:cNvSpPr txBox="1"/>
+          <p:cNvSpPr txBox="1">
+            <a:spLocks noGrp="1"/>
+          </p:cNvSpPr>
           <p:nvPr>
             <p:ph type="title"/>
           </p:nvPr>
@@ -13187,12 +13396,12 @@
           </a:prstGeom>
         </p:spPr>
         <p:txBody>
-          <a:bodyPr anchorCtr="0" anchor="ctr" bIns="91425" lIns="91425" spcFirstLastPara="1" rIns="91425" wrap="square" tIns="91425">
+          <a:bodyPr spcFirstLastPara="1" wrap="square" lIns="91425" tIns="91425" rIns="91425" bIns="91425" anchor="ctr" anchorCtr="0">
             <a:noAutofit/>
           </a:bodyPr>
           <a:lstStyle/>
           <a:p>
-            <a:pPr indent="0" lvl="0" marL="0" rtl="0" algn="l">
+            <a:pPr marL="0" lvl="0" indent="0" algn="l" rtl="0">
               <a:spcBef>
                 <a:spcPts val="0"/>
               </a:spcBef>
@@ -13208,7 +13417,7 @@
             <a:endParaRPr/>
           </a:p>
           <a:p>
-            <a:pPr indent="0" lvl="0" marL="0" rtl="0" algn="l">
+            <a:pPr marL="0" lvl="0" indent="0" algn="l" rtl="0">
               <a:spcBef>
                 <a:spcPts val="0"/>
               </a:spcBef>
@@ -13234,11 +13443,11 @@
 </file>
 
 <file path=ppt/slides/slide8.xml><?xml version="1.0" encoding="utf-8"?>
-<p:sld xmlns:a="http://schemas.openxmlformats.org/drawingml/2006/main" xmlns:r="http://schemas.openxmlformats.org/officeDocument/2006/relationships" xmlns:mc="http://schemas.openxmlformats.org/markup-compatibility/2006" xmlns:mv="urn:schemas-microsoft-com:mac:vml" xmlns:p="http://schemas.openxmlformats.org/presentationml/2006/main" xmlns:c="http://schemas.openxmlformats.org/drawingml/2006/chart" xmlns:dgm="http://schemas.openxmlformats.org/drawingml/2006/diagram" xmlns:o="urn:schemas-microsoft-com:office:office" xmlns:v="urn:schemas-microsoft-com:vml" xmlns:pvml="urn:schemas-microsoft-com:office:powerpoint" xmlns:com="http://schemas.openxmlformats.org/drawingml/2006/compatibility" xmlns:p14="http://schemas.microsoft.com/office/powerpoint/2010/main" xmlns:p15="http://schemas.microsoft.com/office/powerpoint/2012/main" xmlns:ahyp="http://schemas.microsoft.com/office/drawing/2018/hyperlinkcolor">
+<p:sld xmlns:a="http://schemas.openxmlformats.org/drawingml/2006/main" xmlns:r="http://schemas.openxmlformats.org/officeDocument/2006/relationships" xmlns:p="http://schemas.openxmlformats.org/presentationml/2006/main">
   <p:cSld>
     <p:spTree>
       <p:nvGrpSpPr>
-        <p:cNvPr id="129" name="Shape 129"/>
+        <p:cNvPr id="1" name="Shape 129"/>
         <p:cNvGrpSpPr/>
         <p:nvPr/>
       </p:nvGrpSpPr>
@@ -13298,12 +13507,12 @@
           </a:ln>
         </p:spPr>
         <p:txBody>
-          <a:bodyPr anchorCtr="0" anchor="t" bIns="91425" lIns="91425" spcFirstLastPara="1" rIns="91425" wrap="square" tIns="91425">
+          <a:bodyPr spcFirstLastPara="1" wrap="square" lIns="91425" tIns="91425" rIns="91425" bIns="91425" anchor="t" anchorCtr="0">
             <a:spAutoFit/>
           </a:bodyPr>
           <a:lstStyle/>
           <a:p>
-            <a:pPr indent="-317500" lvl="0" marL="457200" rtl="0" algn="l">
+            <a:pPr marL="457200" lvl="0" indent="-317500" algn="l" rtl="0">
               <a:spcBef>
                 <a:spcPts val="0"/>
               </a:spcBef>
@@ -13340,7 +13549,7 @@
             </a:endParaRPr>
           </a:p>
           <a:p>
-            <a:pPr indent="-317500" lvl="0" marL="457200" rtl="0" algn="l">
+            <a:pPr marL="457200" lvl="0" indent="-317500" algn="l" rtl="0">
               <a:spcBef>
                 <a:spcPts val="0"/>
               </a:spcBef>
@@ -13387,11 +13596,11 @@
 </file>
 
 <file path=ppt/slides/slide9.xml><?xml version="1.0" encoding="utf-8"?>
-<p:sld xmlns:a="http://schemas.openxmlformats.org/drawingml/2006/main" xmlns:r="http://schemas.openxmlformats.org/officeDocument/2006/relationships" xmlns:mc="http://schemas.openxmlformats.org/markup-compatibility/2006" xmlns:mv="urn:schemas-microsoft-com:mac:vml" xmlns:p="http://schemas.openxmlformats.org/presentationml/2006/main" xmlns:c="http://schemas.openxmlformats.org/drawingml/2006/chart" xmlns:dgm="http://schemas.openxmlformats.org/drawingml/2006/diagram" xmlns:o="urn:schemas-microsoft-com:office:office" xmlns:v="urn:schemas-microsoft-com:vml" xmlns:pvml="urn:schemas-microsoft-com:office:powerpoint" xmlns:com="http://schemas.openxmlformats.org/drawingml/2006/compatibility" xmlns:p14="http://schemas.microsoft.com/office/powerpoint/2010/main" xmlns:p15="http://schemas.microsoft.com/office/powerpoint/2012/main" xmlns:ahyp="http://schemas.microsoft.com/office/drawing/2018/hyperlinkcolor">
+<p:sld xmlns:a="http://schemas.openxmlformats.org/drawingml/2006/main" xmlns:r="http://schemas.openxmlformats.org/officeDocument/2006/relationships" xmlns:p="http://schemas.openxmlformats.org/presentationml/2006/main">
   <p:cSld>
     <p:spTree>
       <p:nvGrpSpPr>
-        <p:cNvPr id="135" name="Shape 135"/>
+        <p:cNvPr id="1" name="Shape 135"/>
         <p:cNvGrpSpPr/>
         <p:nvPr/>
       </p:nvGrpSpPr>
@@ -13423,12 +13632,12 @@
           </a:ln>
         </p:spPr>
         <p:txBody>
-          <a:bodyPr anchorCtr="0" anchor="t" bIns="91425" lIns="91425" spcFirstLastPara="1" rIns="91425" wrap="square" tIns="91425">
+          <a:bodyPr spcFirstLastPara="1" wrap="square" lIns="91425" tIns="91425" rIns="91425" bIns="91425" anchor="t" anchorCtr="0">
             <a:spAutoFit/>
           </a:bodyPr>
           <a:lstStyle/>
           <a:p>
-            <a:pPr indent="-317500" lvl="0" marL="457200" rtl="0" algn="l">
+            <a:pPr marL="457200" lvl="0" indent="-317500" algn="l" rtl="0">
               <a:spcBef>
                 <a:spcPts val="0"/>
               </a:spcBef>
@@ -13465,7 +13674,7 @@
             </a:endParaRPr>
           </a:p>
           <a:p>
-            <a:pPr indent="-317500" lvl="0" marL="457200" rtl="0" algn="l">
+            <a:pPr marL="457200" lvl="0" indent="-317500" algn="l" rtl="0">
               <a:spcBef>
                 <a:spcPts val="0"/>
               </a:spcBef>
@@ -13540,7 +13749,288 @@
 </file>
 
 <file path=ppt/theme/theme1.xml><?xml version="1.0" encoding="utf-8"?>
-<a:theme xmlns:a="http://schemas.openxmlformats.org/drawingml/2006/main" xmlns:r="http://schemas.openxmlformats.org/officeDocument/2006/relationships">
+<a:theme xmlns:a="http://schemas.openxmlformats.org/drawingml/2006/main" name="Geometric">
+  <a:themeElements>
+    <a:clrScheme name="Geometric">
+      <a:dk1>
+        <a:srgbClr val="2A3990"/>
+      </a:dk1>
+      <a:lt1>
+        <a:srgbClr val="FFFFFF"/>
+      </a:lt1>
+      <a:dk2>
+        <a:srgbClr val="434343"/>
+      </a:dk2>
+      <a:lt2>
+        <a:srgbClr val="999999"/>
+      </a:lt2>
+      <a:accent1>
+        <a:srgbClr val="212D74"/>
+      </a:accent1>
+      <a:accent2>
+        <a:srgbClr val="3949AB"/>
+      </a:accent2>
+      <a:accent3>
+        <a:srgbClr val="9C254D"/>
+      </a:accent3>
+      <a:accent4>
+        <a:srgbClr val="D23369"/>
+      </a:accent4>
+      <a:accent5>
+        <a:srgbClr val="F06292"/>
+      </a:accent5>
+      <a:accent6>
+        <a:srgbClr val="7890CD"/>
+      </a:accent6>
+      <a:hlink>
+        <a:srgbClr val="F06292"/>
+      </a:hlink>
+      <a:folHlink>
+        <a:srgbClr val="F06292"/>
+      </a:folHlink>
+    </a:clrScheme>
+    <a:fontScheme name="Office">
+      <a:majorFont>
+        <a:latin typeface="Arial"/>
+        <a:ea typeface=""/>
+        <a:cs typeface=""/>
+        <a:font script="Jpan" typeface="ＭＳ Ｐゴシック"/>
+        <a:font script="Hang" typeface="맑은 고딕"/>
+        <a:font script="Hans" typeface="宋体"/>
+        <a:font script="Hant" typeface="新細明體"/>
+        <a:font script="Arab" typeface="Times New Roman"/>
+        <a:font script="Hebr" typeface="Times New Roman"/>
+        <a:font script="Thai" typeface="Angsana New"/>
+        <a:font script="Ethi" typeface="Nyala"/>
+        <a:font script="Beng" typeface="Vrinda"/>
+        <a:font script="Gujr" typeface="Shruti"/>
+        <a:font script="Khmr" typeface="MoolBoran"/>
+        <a:font script="Knda" typeface="Tunga"/>
+        <a:font script="Guru" typeface="Raavi"/>
+        <a:font script="Cans" typeface="Euphemia"/>
+        <a:font script="Cher" typeface="Plantagenet Cherokee"/>
+        <a:font script="Yiii" typeface="Microsoft Yi Baiti"/>
+        <a:font script="Tibt" typeface="Microsoft Himalaya"/>
+        <a:font script="Thaa" typeface="MV Boli"/>
+        <a:font script="Deva" typeface="Mangal"/>
+        <a:font script="Telu" typeface="Gautami"/>
+        <a:font script="Taml" typeface="Latha"/>
+        <a:font script="Syrc" typeface="Estrangelo Edessa"/>
+        <a:font script="Orya" typeface="Kalinga"/>
+        <a:font script="Mlym" typeface="Kartika"/>
+        <a:font script="Laoo" typeface="DokChampa"/>
+        <a:font script="Sinh" typeface="Iskoola Pota"/>
+        <a:font script="Mong" typeface="Mongolian Baiti"/>
+        <a:font script="Viet" typeface="Times New Roman"/>
+        <a:font script="Uigh" typeface="Microsoft Uighur"/>
+        <a:font script="Geor" typeface="Sylfaen"/>
+      </a:majorFont>
+      <a:minorFont>
+        <a:latin typeface="Arial"/>
+        <a:ea typeface=""/>
+        <a:cs typeface=""/>
+        <a:font script="Jpan" typeface="ＭＳ Ｐゴシック"/>
+        <a:font script="Hang" typeface="맑은 고딕"/>
+        <a:font script="Hans" typeface="宋体"/>
+        <a:font script="Hant" typeface="新細明體"/>
+        <a:font script="Arab" typeface="Arial"/>
+        <a:font script="Hebr" typeface="Arial"/>
+        <a:font script="Thai" typeface="Cordia New"/>
+        <a:font script="Ethi" typeface="Nyala"/>
+        <a:font script="Beng" typeface="Vrinda"/>
+        <a:font script="Gujr" typeface="Shruti"/>
+        <a:font script="Khmr" typeface="DaunPenh"/>
+        <a:font script="Knda" typeface="Tunga"/>
+        <a:font script="Guru" typeface="Raavi"/>
+        <a:font script="Cans" typeface="Euphemia"/>
+        <a:font script="Cher" typeface="Plantagenet Cherokee"/>
+        <a:font script="Yiii" typeface="Microsoft Yi Baiti"/>
+        <a:font script="Tibt" typeface="Microsoft Himalaya"/>
+        <a:font script="Thaa" typeface="MV Boli"/>
+        <a:font script="Deva" typeface="Mangal"/>
+        <a:font script="Telu" typeface="Gautami"/>
+        <a:font script="Taml" typeface="Latha"/>
+        <a:font script="Syrc" typeface="Estrangelo Edessa"/>
+        <a:font script="Orya" typeface="Kalinga"/>
+        <a:font script="Mlym" typeface="Kartika"/>
+        <a:font script="Laoo" typeface="DokChampa"/>
+        <a:font script="Sinh" typeface="Iskoola Pota"/>
+        <a:font script="Mong" typeface="Mongolian Baiti"/>
+        <a:font script="Viet" typeface="Arial"/>
+        <a:font script="Uigh" typeface="Microsoft Uighur"/>
+        <a:font script="Geor" typeface="Sylfaen"/>
+      </a:minorFont>
+    </a:fontScheme>
+    <a:fmtScheme name="Office">
+      <a:fillStyleLst>
+        <a:solidFill>
+          <a:schemeClr val="phClr"/>
+        </a:solidFill>
+        <a:gradFill rotWithShape="1">
+          <a:gsLst>
+            <a:gs pos="0">
+              <a:schemeClr val="phClr">
+                <a:tint val="50000"/>
+                <a:satMod val="300000"/>
+              </a:schemeClr>
+            </a:gs>
+            <a:gs pos="35000">
+              <a:schemeClr val="phClr">
+                <a:tint val="37000"/>
+                <a:satMod val="300000"/>
+              </a:schemeClr>
+            </a:gs>
+            <a:gs pos="100000">
+              <a:schemeClr val="phClr">
+                <a:tint val="15000"/>
+                <a:satMod val="350000"/>
+              </a:schemeClr>
+            </a:gs>
+          </a:gsLst>
+          <a:lin ang="16200000" scaled="1"/>
+        </a:gradFill>
+        <a:gradFill rotWithShape="1">
+          <a:gsLst>
+            <a:gs pos="0">
+              <a:schemeClr val="phClr">
+                <a:tint val="100000"/>
+                <a:shade val="100000"/>
+                <a:satMod val="130000"/>
+              </a:schemeClr>
+            </a:gs>
+            <a:gs pos="100000">
+              <a:schemeClr val="phClr">
+                <a:tint val="50000"/>
+                <a:shade val="100000"/>
+                <a:satMod val="350000"/>
+              </a:schemeClr>
+            </a:gs>
+          </a:gsLst>
+          <a:lin ang="16200000" scaled="0"/>
+        </a:gradFill>
+      </a:fillStyleLst>
+      <a:lnStyleLst>
+        <a:ln w="9525" cap="flat" cmpd="sng" algn="ctr">
+          <a:solidFill>
+            <a:schemeClr val="phClr">
+              <a:shade val="95000"/>
+              <a:satMod val="105000"/>
+            </a:schemeClr>
+          </a:solidFill>
+          <a:prstDash val="solid"/>
+        </a:ln>
+        <a:ln w="25400" cap="flat" cmpd="sng" algn="ctr">
+          <a:solidFill>
+            <a:schemeClr val="phClr"/>
+          </a:solidFill>
+          <a:prstDash val="solid"/>
+        </a:ln>
+        <a:ln w="38100" cap="flat" cmpd="sng" algn="ctr">
+          <a:solidFill>
+            <a:schemeClr val="phClr"/>
+          </a:solidFill>
+          <a:prstDash val="solid"/>
+        </a:ln>
+      </a:lnStyleLst>
+      <a:effectStyleLst>
+        <a:effectStyle>
+          <a:effectLst>
+            <a:outerShdw blurRad="40000" dist="20000" dir="5400000" rotWithShape="0">
+              <a:srgbClr val="000000">
+                <a:alpha val="38000"/>
+              </a:srgbClr>
+            </a:outerShdw>
+          </a:effectLst>
+        </a:effectStyle>
+        <a:effectStyle>
+          <a:effectLst>
+            <a:outerShdw blurRad="40000" dist="23000" dir="5400000" rotWithShape="0">
+              <a:srgbClr val="000000">
+                <a:alpha val="35000"/>
+              </a:srgbClr>
+            </a:outerShdw>
+          </a:effectLst>
+        </a:effectStyle>
+        <a:effectStyle>
+          <a:effectLst>
+            <a:outerShdw blurRad="40000" dist="23000" dir="5400000" rotWithShape="0">
+              <a:srgbClr val="000000">
+                <a:alpha val="35000"/>
+              </a:srgbClr>
+            </a:outerShdw>
+          </a:effectLst>
+          <a:scene3d>
+            <a:camera prst="orthographicFront">
+              <a:rot lat="0" lon="0" rev="0"/>
+            </a:camera>
+            <a:lightRig rig="threePt" dir="t">
+              <a:rot lat="0" lon="0" rev="1200000"/>
+            </a:lightRig>
+          </a:scene3d>
+          <a:sp3d>
+            <a:bevelT w="63500" h="25400"/>
+          </a:sp3d>
+        </a:effectStyle>
+      </a:effectStyleLst>
+      <a:bgFillStyleLst>
+        <a:solidFill>
+          <a:schemeClr val="phClr"/>
+        </a:solidFill>
+        <a:gradFill rotWithShape="1">
+          <a:gsLst>
+            <a:gs pos="0">
+              <a:schemeClr val="phClr">
+                <a:tint val="40000"/>
+                <a:satMod val="350000"/>
+              </a:schemeClr>
+            </a:gs>
+            <a:gs pos="40000">
+              <a:schemeClr val="phClr">
+                <a:tint val="45000"/>
+                <a:shade val="99000"/>
+                <a:satMod val="350000"/>
+              </a:schemeClr>
+            </a:gs>
+            <a:gs pos="100000">
+              <a:schemeClr val="phClr">
+                <a:shade val="20000"/>
+                <a:satMod val="255000"/>
+              </a:schemeClr>
+            </a:gs>
+          </a:gsLst>
+          <a:path path="circle">
+            <a:fillToRect l="50000" t="-80000" r="50000" b="180000"/>
+          </a:path>
+        </a:gradFill>
+        <a:gradFill rotWithShape="1">
+          <a:gsLst>
+            <a:gs pos="0">
+              <a:schemeClr val="phClr">
+                <a:tint val="80000"/>
+                <a:satMod val="300000"/>
+              </a:schemeClr>
+            </a:gs>
+            <a:gs pos="100000">
+              <a:schemeClr val="phClr">
+                <a:shade val="30000"/>
+                <a:satMod val="200000"/>
+              </a:schemeClr>
+            </a:gs>
+          </a:gsLst>
+          <a:path path="circle">
+            <a:fillToRect l="50000" t="50000" r="50000" b="50000"/>
+          </a:path>
+        </a:gradFill>
+      </a:bgFillStyleLst>
+    </a:fmtScheme>
+  </a:themeElements>
+  <a:objectDefaults/>
+  <a:extraClrSchemeLst/>
+</a:theme>
+</file>
+
+<file path=ppt/theme/theme2.xml><?xml version="1.0" encoding="utf-8"?>
+<a:theme xmlns:a="http://schemas.openxmlformats.org/drawingml/2006/main">
   <a:themeElements>
     <a:clrScheme name="Default">
       <a:dk1>
@@ -13815,284 +14305,7 @@
       </a:bgFillStyleLst>
     </a:fmtScheme>
   </a:themeElements>
-</a:theme>
-</file>
-
-<file path=ppt/theme/theme2.xml><?xml version="1.0" encoding="utf-8"?>
-<a:theme xmlns:a="http://schemas.openxmlformats.org/drawingml/2006/main" xmlns:r="http://schemas.openxmlformats.org/officeDocument/2006/relationships" name="Geometric">
-  <a:themeElements>
-    <a:clrScheme name="Geometric">
-      <a:dk1>
-        <a:srgbClr val="2A3990"/>
-      </a:dk1>
-      <a:lt1>
-        <a:srgbClr val="FFFFFF"/>
-      </a:lt1>
-      <a:dk2>
-        <a:srgbClr val="434343"/>
-      </a:dk2>
-      <a:lt2>
-        <a:srgbClr val="999999"/>
-      </a:lt2>
-      <a:accent1>
-        <a:srgbClr val="212D74"/>
-      </a:accent1>
-      <a:accent2>
-        <a:srgbClr val="3949AB"/>
-      </a:accent2>
-      <a:accent3>
-        <a:srgbClr val="9C254D"/>
-      </a:accent3>
-      <a:accent4>
-        <a:srgbClr val="D23369"/>
-      </a:accent4>
-      <a:accent5>
-        <a:srgbClr val="F06292"/>
-      </a:accent5>
-      <a:accent6>
-        <a:srgbClr val="7890CD"/>
-      </a:accent6>
-      <a:hlink>
-        <a:srgbClr val="F06292"/>
-      </a:hlink>
-      <a:folHlink>
-        <a:srgbClr val="F06292"/>
-      </a:folHlink>
-    </a:clrScheme>
-    <a:fontScheme name="Office">
-      <a:majorFont>
-        <a:latin typeface="Arial"/>
-        <a:ea typeface=""/>
-        <a:cs typeface=""/>
-        <a:font script="Jpan" typeface="ＭＳ Ｐゴシック"/>
-        <a:font script="Hang" typeface="맑은 고딕"/>
-        <a:font script="Hans" typeface="宋体"/>
-        <a:font script="Hant" typeface="新細明體"/>
-        <a:font script="Arab" typeface="Times New Roman"/>
-        <a:font script="Hebr" typeface="Times New Roman"/>
-        <a:font script="Thai" typeface="Angsana New"/>
-        <a:font script="Ethi" typeface="Nyala"/>
-        <a:font script="Beng" typeface="Vrinda"/>
-        <a:font script="Gujr" typeface="Shruti"/>
-        <a:font script="Khmr" typeface="MoolBoran"/>
-        <a:font script="Knda" typeface="Tunga"/>
-        <a:font script="Guru" typeface="Raavi"/>
-        <a:font script="Cans" typeface="Euphemia"/>
-        <a:font script="Cher" typeface="Plantagenet Cherokee"/>
-        <a:font script="Yiii" typeface="Microsoft Yi Baiti"/>
-        <a:font script="Tibt" typeface="Microsoft Himalaya"/>
-        <a:font script="Thaa" typeface="MV Boli"/>
-        <a:font script="Deva" typeface="Mangal"/>
-        <a:font script="Telu" typeface="Gautami"/>
-        <a:font script="Taml" typeface="Latha"/>
-        <a:font script="Syrc" typeface="Estrangelo Edessa"/>
-        <a:font script="Orya" typeface="Kalinga"/>
-        <a:font script="Mlym" typeface="Kartika"/>
-        <a:font script="Laoo" typeface="DokChampa"/>
-        <a:font script="Sinh" typeface="Iskoola Pota"/>
-        <a:font script="Mong" typeface="Mongolian Baiti"/>
-        <a:font script="Viet" typeface="Times New Roman"/>
-        <a:font script="Uigh" typeface="Microsoft Uighur"/>
-        <a:font script="Geor" typeface="Sylfaen"/>
-      </a:majorFont>
-      <a:minorFont>
-        <a:latin typeface="Arial"/>
-        <a:ea typeface=""/>
-        <a:cs typeface=""/>
-        <a:font script="Jpan" typeface="ＭＳ Ｐゴシック"/>
-        <a:font script="Hang" typeface="맑은 고딕"/>
-        <a:font script="Hans" typeface="宋体"/>
-        <a:font script="Hant" typeface="新細明體"/>
-        <a:font script="Arab" typeface="Arial"/>
-        <a:font script="Hebr" typeface="Arial"/>
-        <a:font script="Thai" typeface="Cordia New"/>
-        <a:font script="Ethi" typeface="Nyala"/>
-        <a:font script="Beng" typeface="Vrinda"/>
-        <a:font script="Gujr" typeface="Shruti"/>
-        <a:font script="Khmr" typeface="DaunPenh"/>
-        <a:font script="Knda" typeface="Tunga"/>
-        <a:font script="Guru" typeface="Raavi"/>
-        <a:font script="Cans" typeface="Euphemia"/>
-        <a:font script="Cher" typeface="Plantagenet Cherokee"/>
-        <a:font script="Yiii" typeface="Microsoft Yi Baiti"/>
-        <a:font script="Tibt" typeface="Microsoft Himalaya"/>
-        <a:font script="Thaa" typeface="MV Boli"/>
-        <a:font script="Deva" typeface="Mangal"/>
-        <a:font script="Telu" typeface="Gautami"/>
-        <a:font script="Taml" typeface="Latha"/>
-        <a:font script="Syrc" typeface="Estrangelo Edessa"/>
-        <a:font script="Orya" typeface="Kalinga"/>
-        <a:font script="Mlym" typeface="Kartika"/>
-        <a:font script="Laoo" typeface="DokChampa"/>
-        <a:font script="Sinh" typeface="Iskoola Pota"/>
-        <a:font script="Mong" typeface="Mongolian Baiti"/>
-        <a:font script="Viet" typeface="Arial"/>
-        <a:font script="Uigh" typeface="Microsoft Uighur"/>
-        <a:font script="Geor" typeface="Sylfaen"/>
-      </a:minorFont>
-    </a:fontScheme>
-    <a:fmtScheme name="Office">
-      <a:fillStyleLst>
-        <a:solidFill>
-          <a:schemeClr val="phClr"/>
-        </a:solidFill>
-        <a:gradFill rotWithShape="1">
-          <a:gsLst>
-            <a:gs pos="0">
-              <a:schemeClr val="phClr">
-                <a:tint val="50000"/>
-                <a:satMod val="300000"/>
-              </a:schemeClr>
-            </a:gs>
-            <a:gs pos="35000">
-              <a:schemeClr val="phClr">
-                <a:tint val="37000"/>
-                <a:satMod val="300000"/>
-              </a:schemeClr>
-            </a:gs>
-            <a:gs pos="100000">
-              <a:schemeClr val="phClr">
-                <a:tint val="15000"/>
-                <a:satMod val="350000"/>
-              </a:schemeClr>
-            </a:gs>
-          </a:gsLst>
-          <a:lin ang="16200000" scaled="1"/>
-        </a:gradFill>
-        <a:gradFill rotWithShape="1">
-          <a:gsLst>
-            <a:gs pos="0">
-              <a:schemeClr val="phClr">
-                <a:tint val="100000"/>
-                <a:shade val="100000"/>
-                <a:satMod val="130000"/>
-              </a:schemeClr>
-            </a:gs>
-            <a:gs pos="100000">
-              <a:schemeClr val="phClr">
-                <a:tint val="50000"/>
-                <a:shade val="100000"/>
-                <a:satMod val="350000"/>
-              </a:schemeClr>
-            </a:gs>
-          </a:gsLst>
-          <a:lin ang="16200000" scaled="0"/>
-        </a:gradFill>
-      </a:fillStyleLst>
-      <a:lnStyleLst>
-        <a:ln w="9525" cap="flat" cmpd="sng" algn="ctr">
-          <a:solidFill>
-            <a:schemeClr val="phClr">
-              <a:shade val="95000"/>
-              <a:satMod val="105000"/>
-            </a:schemeClr>
-          </a:solidFill>
-          <a:prstDash val="solid"/>
-        </a:ln>
-        <a:ln w="25400" cap="flat" cmpd="sng" algn="ctr">
-          <a:solidFill>
-            <a:schemeClr val="phClr"/>
-          </a:solidFill>
-          <a:prstDash val="solid"/>
-        </a:ln>
-        <a:ln w="38100" cap="flat" cmpd="sng" algn="ctr">
-          <a:solidFill>
-            <a:schemeClr val="phClr"/>
-          </a:solidFill>
-          <a:prstDash val="solid"/>
-        </a:ln>
-      </a:lnStyleLst>
-      <a:effectStyleLst>
-        <a:effectStyle>
-          <a:effectLst>
-            <a:outerShdw blurRad="40000" dist="20000" dir="5400000" rotWithShape="0">
-              <a:srgbClr val="000000">
-                <a:alpha val="38000"/>
-              </a:srgbClr>
-            </a:outerShdw>
-          </a:effectLst>
-        </a:effectStyle>
-        <a:effectStyle>
-          <a:effectLst>
-            <a:outerShdw blurRad="40000" dist="23000" dir="5400000" rotWithShape="0">
-              <a:srgbClr val="000000">
-                <a:alpha val="35000"/>
-              </a:srgbClr>
-            </a:outerShdw>
-          </a:effectLst>
-        </a:effectStyle>
-        <a:effectStyle>
-          <a:effectLst>
-            <a:outerShdw blurRad="40000" dist="23000" dir="5400000" rotWithShape="0">
-              <a:srgbClr val="000000">
-                <a:alpha val="35000"/>
-              </a:srgbClr>
-            </a:outerShdw>
-          </a:effectLst>
-          <a:scene3d>
-            <a:camera prst="orthographicFront">
-              <a:rot lat="0" lon="0" rev="0"/>
-            </a:camera>
-            <a:lightRig rig="threePt" dir="t">
-              <a:rot lat="0" lon="0" rev="1200000"/>
-            </a:lightRig>
-          </a:scene3d>
-          <a:sp3d>
-            <a:bevelT w="63500" h="25400"/>
-          </a:sp3d>
-        </a:effectStyle>
-      </a:effectStyleLst>
-      <a:bgFillStyleLst>
-        <a:solidFill>
-          <a:schemeClr val="phClr"/>
-        </a:solidFill>
-        <a:gradFill rotWithShape="1">
-          <a:gsLst>
-            <a:gs pos="0">
-              <a:schemeClr val="phClr">
-                <a:tint val="40000"/>
-                <a:satMod val="350000"/>
-              </a:schemeClr>
-            </a:gs>
-            <a:gs pos="40000">
-              <a:schemeClr val="phClr">
-                <a:tint val="45000"/>
-                <a:shade val="99000"/>
-                <a:satMod val="350000"/>
-              </a:schemeClr>
-            </a:gs>
-            <a:gs pos="100000">
-              <a:schemeClr val="phClr">
-                <a:shade val="20000"/>
-                <a:satMod val="255000"/>
-              </a:schemeClr>
-            </a:gs>
-          </a:gsLst>
-          <a:path path="circle">
-            <a:fillToRect l="50000" t="-80000" r="50000" b="180000"/>
-          </a:path>
-        </a:gradFill>
-        <a:gradFill rotWithShape="1">
-          <a:gsLst>
-            <a:gs pos="0">
-              <a:schemeClr val="phClr">
-                <a:tint val="80000"/>
-                <a:satMod val="300000"/>
-              </a:schemeClr>
-            </a:gs>
-            <a:gs pos="100000">
-              <a:schemeClr val="phClr">
-                <a:shade val="30000"/>
-                <a:satMod val="200000"/>
-              </a:schemeClr>
-            </a:gs>
-          </a:gsLst>
-          <a:path path="circle">
-            <a:fillToRect l="50000" t="50000" r="50000" b="50000"/>
-          </a:path>
-        </a:gradFill>
-      </a:bgFillStyleLst>
-    </a:fmtScheme>
-  </a:themeElements>
+  <a:objectDefaults/>
+  <a:extraClrSchemeLst/>
 </a:theme>
 </file>